--- a/Project Internship IU.pptx
+++ b/Project Internship IU.pptx
@@ -4,6 +4,9 @@
   <p:sldMasterIdLst>
     <p:sldMasterId id="2147483648" r:id="rId1"/>
   </p:sldMasterIdLst>
+  <p:notesMasterIdLst>
+    <p:notesMasterId r:id="rId19"/>
+  </p:notesMasterIdLst>
   <p:sldIdLst>
     <p:sldId id="256" r:id="rId2"/>
     <p:sldId id="257" r:id="rId3"/>
@@ -12,50 +15,63 @@
     <p:sldId id="260" r:id="rId6"/>
     <p:sldId id="261" r:id="rId7"/>
     <p:sldId id="262" r:id="rId8"/>
-    <p:sldId id="263" r:id="rId9"/>
-    <p:sldId id="264" r:id="rId10"/>
-    <p:sldId id="265" r:id="rId11"/>
-    <p:sldId id="266" r:id="rId12"/>
+    <p:sldId id="267" r:id="rId9"/>
+    <p:sldId id="263" r:id="rId10"/>
+    <p:sldId id="268" r:id="rId11"/>
+    <p:sldId id="264" r:id="rId12"/>
+    <p:sldId id="265" r:id="rId13"/>
+    <p:sldId id="269" r:id="rId14"/>
+    <p:sldId id="270" r:id="rId15"/>
+    <p:sldId id="271" r:id="rId16"/>
+    <p:sldId id="272" r:id="rId17"/>
+    <p:sldId id="266" r:id="rId18"/>
   </p:sldIdLst>
   <p:sldSz cx="18288000" cy="10287000"/>
   <p:notesSz cx="6858000" cy="9144000"/>
   <p:embeddedFontLst>
     <p:embeddedFont>
+      <p:font typeface="Meiryo" panose="020B0604030504040204" pitchFamily="34" charset="-128"/>
+      <p:regular r:id="rId20"/>
+      <p:bold r:id="rId21"/>
+      <p:italic r:id="rId22"/>
+      <p:boldItalic r:id="rId23"/>
+    </p:embeddedFont>
+    <p:embeddedFont>
       <p:font typeface="Fredoka One" panose="02000000000000000000" pitchFamily="2" charset="0"/>
-      <p:regular r:id="rId13"/>
+      <p:regular r:id="rId24"/>
     </p:embeddedFont>
     <p:embeddedFont>
       <p:font typeface="Josefin Sans Bold" pitchFamily="2" charset="0"/>
-      <p:regular r:id="rId14"/>
-      <p:boldItalic r:id="rId15"/>
+      <p:regular r:id="rId25"/>
+      <p:boldItalic r:id="rId26"/>
     </p:embeddedFont>
     <p:embeddedFont>
       <p:font typeface="Josefin Sans Regular" panose="020B0604020202020204" charset="0"/>
-      <p:regular r:id="rId16"/>
+      <p:regular r:id="rId27"/>
     </p:embeddedFont>
     <p:embeddedFont>
       <p:font typeface="Montserrat" panose="00000500000000000000" pitchFamily="2" charset="0"/>
-      <p:regular r:id="rId17"/>
+      <p:regular r:id="rId28"/>
     </p:embeddedFont>
     <p:embeddedFont>
       <p:font typeface="Noto Sans" panose="020B0502040504020204" pitchFamily="34" charset="0"/>
-      <p:regular r:id="rId18"/>
+      <p:regular r:id="rId29"/>
     </p:embeddedFont>
     <p:embeddedFont>
       <p:font typeface="Open Sans" panose="020B0606030504020204" pitchFamily="34" charset="0"/>
-      <p:regular r:id="rId19"/>
+      <p:regular r:id="rId30"/>
     </p:embeddedFont>
     <p:embeddedFont>
       <p:font typeface="Open Sans Bold" panose="020B0806030504020204" charset="0"/>
-      <p:regular r:id="rId20"/>
+      <p:regular r:id="rId31"/>
     </p:embeddedFont>
     <p:embeddedFont>
       <p:font typeface="Public Sans" panose="020B0604020202020204" charset="0"/>
-      <p:regular r:id="rId21"/>
+      <p:regular r:id="rId32"/>
     </p:embeddedFont>
     <p:embeddedFont>
       <p:font typeface="TT Ramillas" panose="020B0604020202020204" charset="0"/>
-      <p:regular r:id="rId22"/>
+      <p:regular r:id="rId33"/>
     </p:embeddedFont>
   </p:embeddedFontLst>
   <p:defaultTextStyle>
@@ -172,15 +188,38 @@
 </p:presentation>
 </file>
 
+<file path=ppt/revisionInfo.xml><?xml version="1.0" encoding="utf-8"?>
+<p1510:revInfo xmlns:a="http://schemas.openxmlformats.org/drawingml/2006/main" xmlns:r="http://schemas.openxmlformats.org/officeDocument/2006/relationships" xmlns:p1510="http://schemas.microsoft.com/office/powerpoint/2015/10/main">
+  <p1510:revLst>
+    <p1510:client id="{E72C2616-19FF-4BC3-A579-E784D2E7E443}" v="138" dt="2024-02-17T14:29:50.980"/>
+  </p1510:revLst>
+</p1510:revInfo>
+</file>
+
 <file path=ppt/changesInfos/changesInfo1.xml><?xml version="1.0" encoding="utf-8"?>
 <pc:chgInfo xmlns:a="http://schemas.openxmlformats.org/drawingml/2006/main" xmlns:r="http://schemas.openxmlformats.org/officeDocument/2006/relationships" xmlns:ac="http://schemas.microsoft.com/office/drawing/2013/main/command" xmlns:pc="http://schemas.microsoft.com/office/powerpoint/2013/main/command">
   <pc:docChgLst>
     <pc:chgData name="TRAN HAI NAM" userId="6c1f28dc-db6e-4580-abf3-52cd9ef0a471" providerId="ADAL" clId="{E72C2616-19FF-4BC3-A579-E784D2E7E443}"/>
-    <pc:docChg chg="modSld">
-      <pc:chgData name="TRAN HAI NAM" userId="6c1f28dc-db6e-4580-abf3-52cd9ef0a471" providerId="ADAL" clId="{E72C2616-19FF-4BC3-A579-E784D2E7E443}" dt="2024-02-16T13:56:09.986" v="27" actId="20577"/>
+    <pc:docChg chg="undo redo custSel addSld delSld modSld">
+      <pc:chgData name="TRAN HAI NAM" userId="6c1f28dc-db6e-4580-abf3-52cd9ef0a471" providerId="ADAL" clId="{E72C2616-19FF-4BC3-A579-E784D2E7E443}" dt="2024-02-17T14:29:50.979" v="1968"/>
       <pc:docMkLst>
         <pc:docMk/>
       </pc:docMkLst>
+      <pc:sldChg chg="modSp mod">
+        <pc:chgData name="TRAN HAI NAM" userId="6c1f28dc-db6e-4580-abf3-52cd9ef0a471" providerId="ADAL" clId="{E72C2616-19FF-4BC3-A579-E784D2E7E443}" dt="2024-02-17T08:50:15.661" v="841" actId="1076"/>
+        <pc:sldMkLst>
+          <pc:docMk/>
+          <pc:sldMk cId="0" sldId="257"/>
+        </pc:sldMkLst>
+        <pc:spChg chg="mod">
+          <ac:chgData name="TRAN HAI NAM" userId="6c1f28dc-db6e-4580-abf3-52cd9ef0a471" providerId="ADAL" clId="{E72C2616-19FF-4BC3-A579-E784D2E7E443}" dt="2024-02-17T08:50:15.661" v="841" actId="1076"/>
+          <ac:spMkLst>
+            <pc:docMk/>
+            <pc:sldMk cId="0" sldId="257"/>
+            <ac:spMk id="6" creationId="{00000000-0000-0000-0000-000000000000}"/>
+          </ac:spMkLst>
+        </pc:spChg>
+      </pc:sldChg>
       <pc:sldChg chg="modSp mod">
         <pc:chgData name="TRAN HAI NAM" userId="6c1f28dc-db6e-4580-abf3-52cd9ef0a471" providerId="ADAL" clId="{E72C2616-19FF-4BC3-A579-E784D2E7E443}" dt="2024-02-16T13:56:09.986" v="27" actId="20577"/>
         <pc:sldMkLst>
@@ -196,9 +235,1797 @@
           </ac:spMkLst>
         </pc:spChg>
       </pc:sldChg>
+      <pc:sldChg chg="addSp delSp modSp mod">
+        <pc:chgData name="TRAN HAI NAM" userId="6c1f28dc-db6e-4580-abf3-52cd9ef0a471" providerId="ADAL" clId="{E72C2616-19FF-4BC3-A579-E784D2E7E443}" dt="2024-02-17T07:00:55.861" v="156" actId="1076"/>
+        <pc:sldMkLst>
+          <pc:docMk/>
+          <pc:sldMk cId="0" sldId="263"/>
+        </pc:sldMkLst>
+        <pc:spChg chg="del">
+          <ac:chgData name="TRAN HAI NAM" userId="6c1f28dc-db6e-4580-abf3-52cd9ef0a471" providerId="ADAL" clId="{E72C2616-19FF-4BC3-A579-E784D2E7E443}" dt="2024-02-17T06:51:16.687" v="29" actId="478"/>
+          <ac:spMkLst>
+            <pc:docMk/>
+            <pc:sldMk cId="0" sldId="263"/>
+            <ac:spMk id="2" creationId="{00000000-0000-0000-0000-000000000000}"/>
+          </ac:spMkLst>
+        </pc:spChg>
+        <pc:spChg chg="mod">
+          <ac:chgData name="TRAN HAI NAM" userId="6c1f28dc-db6e-4580-abf3-52cd9ef0a471" providerId="ADAL" clId="{E72C2616-19FF-4BC3-A579-E784D2E7E443}" dt="2024-02-17T07:00:55.861" v="156" actId="1076"/>
+          <ac:spMkLst>
+            <pc:docMk/>
+            <pc:sldMk cId="0" sldId="263"/>
+            <ac:spMk id="3" creationId="{00000000-0000-0000-0000-000000000000}"/>
+          </ac:spMkLst>
+        </pc:spChg>
+        <pc:spChg chg="add mod ord">
+          <ac:chgData name="TRAN HAI NAM" userId="6c1f28dc-db6e-4580-abf3-52cd9ef0a471" providerId="ADAL" clId="{E72C2616-19FF-4BC3-A579-E784D2E7E443}" dt="2024-02-17T07:00:52.852" v="155" actId="1076"/>
+          <ac:spMkLst>
+            <pc:docMk/>
+            <pc:sldMk cId="0" sldId="263"/>
+            <ac:spMk id="5" creationId="{B97C26C9-D2C3-E6A9-9FE3-CA66E94E179E}"/>
+          </ac:spMkLst>
+        </pc:spChg>
+        <pc:picChg chg="add mod">
+          <ac:chgData name="TRAN HAI NAM" userId="6c1f28dc-db6e-4580-abf3-52cd9ef0a471" providerId="ADAL" clId="{E72C2616-19FF-4BC3-A579-E784D2E7E443}" dt="2024-02-17T06:51:38.971" v="36" actId="14100"/>
+          <ac:picMkLst>
+            <pc:docMk/>
+            <pc:sldMk cId="0" sldId="263"/>
+            <ac:picMk id="4" creationId="{4EA6AC7E-C0EE-1ECB-7B6F-F95A39EC6D9B}"/>
+          </ac:picMkLst>
+        </pc:picChg>
+      </pc:sldChg>
+      <pc:sldChg chg="addSp delSp modSp mod">
+        <pc:chgData name="TRAN HAI NAM" userId="6c1f28dc-db6e-4580-abf3-52cd9ef0a471" providerId="ADAL" clId="{E72C2616-19FF-4BC3-A579-E784D2E7E443}" dt="2024-02-17T07:44:47.885" v="459" actId="20577"/>
+        <pc:sldMkLst>
+          <pc:docMk/>
+          <pc:sldMk cId="0" sldId="265"/>
+        </pc:sldMkLst>
+        <pc:spChg chg="mod">
+          <ac:chgData name="TRAN HAI NAM" userId="6c1f28dc-db6e-4580-abf3-52cd9ef0a471" providerId="ADAL" clId="{E72C2616-19FF-4BC3-A579-E784D2E7E443}" dt="2024-02-17T07:27:10.374" v="215" actId="14100"/>
+          <ac:spMkLst>
+            <pc:docMk/>
+            <pc:sldMk cId="0" sldId="265"/>
+            <ac:spMk id="2" creationId="{00000000-0000-0000-0000-000000000000}"/>
+          </ac:spMkLst>
+        </pc:spChg>
+        <pc:spChg chg="del mod">
+          <ac:chgData name="TRAN HAI NAM" userId="6c1f28dc-db6e-4580-abf3-52cd9ef0a471" providerId="ADAL" clId="{E72C2616-19FF-4BC3-A579-E784D2E7E443}" dt="2024-02-17T07:23:11.805" v="180" actId="478"/>
+          <ac:spMkLst>
+            <pc:docMk/>
+            <pc:sldMk cId="0" sldId="265"/>
+            <ac:spMk id="3" creationId="{00000000-0000-0000-0000-000000000000}"/>
+          </ac:spMkLst>
+        </pc:spChg>
+        <pc:spChg chg="del mod">
+          <ac:chgData name="TRAN HAI NAM" userId="6c1f28dc-db6e-4580-abf3-52cd9ef0a471" providerId="ADAL" clId="{E72C2616-19FF-4BC3-A579-E784D2E7E443}" dt="2024-02-17T07:23:09.540" v="179" actId="478"/>
+          <ac:spMkLst>
+            <pc:docMk/>
+            <pc:sldMk cId="0" sldId="265"/>
+            <ac:spMk id="4" creationId="{00000000-0000-0000-0000-000000000000}"/>
+          </ac:spMkLst>
+        </pc:spChg>
+        <pc:spChg chg="del mod">
+          <ac:chgData name="TRAN HAI NAM" userId="6c1f28dc-db6e-4580-abf3-52cd9ef0a471" providerId="ADAL" clId="{E72C2616-19FF-4BC3-A579-E784D2E7E443}" dt="2024-02-17T07:11:37.335" v="177" actId="478"/>
+          <ac:spMkLst>
+            <pc:docMk/>
+            <pc:sldMk cId="0" sldId="265"/>
+            <ac:spMk id="5" creationId="{00000000-0000-0000-0000-000000000000}"/>
+          </ac:spMkLst>
+        </pc:spChg>
+        <pc:spChg chg="del mod">
+          <ac:chgData name="TRAN HAI NAM" userId="6c1f28dc-db6e-4580-abf3-52cd9ef0a471" providerId="ADAL" clId="{E72C2616-19FF-4BC3-A579-E784D2E7E443}" dt="2024-02-17T07:11:36.455" v="176" actId="478"/>
+          <ac:spMkLst>
+            <pc:docMk/>
+            <pc:sldMk cId="0" sldId="265"/>
+            <ac:spMk id="6" creationId="{00000000-0000-0000-0000-000000000000}"/>
+          </ac:spMkLst>
+        </pc:spChg>
+        <pc:spChg chg="add del mod">
+          <ac:chgData name="TRAN HAI NAM" userId="6c1f28dc-db6e-4580-abf3-52cd9ef0a471" providerId="ADAL" clId="{E72C2616-19FF-4BC3-A579-E784D2E7E443}" dt="2024-02-17T07:27:05.528" v="213" actId="478"/>
+          <ac:spMkLst>
+            <pc:docMk/>
+            <pc:sldMk cId="0" sldId="265"/>
+            <ac:spMk id="7" creationId="{4D8E7A2A-CD05-970D-554A-A203479C54B0}"/>
+          </ac:spMkLst>
+        </pc:spChg>
+        <pc:spChg chg="add del mod">
+          <ac:chgData name="TRAN HAI NAM" userId="6c1f28dc-db6e-4580-abf3-52cd9ef0a471" providerId="ADAL" clId="{E72C2616-19FF-4BC3-A579-E784D2E7E443}" dt="2024-02-17T07:27:03.460" v="212" actId="478"/>
+          <ac:spMkLst>
+            <pc:docMk/>
+            <pc:sldMk cId="0" sldId="265"/>
+            <ac:spMk id="8" creationId="{63B260E1-5299-7ABB-C2B4-E652A07F5136}"/>
+          </ac:spMkLst>
+        </pc:spChg>
+        <pc:spChg chg="add mod">
+          <ac:chgData name="TRAN HAI NAM" userId="6c1f28dc-db6e-4580-abf3-52cd9ef0a471" providerId="ADAL" clId="{E72C2616-19FF-4BC3-A579-E784D2E7E443}" dt="2024-02-17T07:29:11.180" v="216"/>
+          <ac:spMkLst>
+            <pc:docMk/>
+            <pc:sldMk cId="0" sldId="265"/>
+            <ac:spMk id="9" creationId="{AC1641D6-CCE7-9BDC-A233-F9D2F6F62FA5}"/>
+          </ac:spMkLst>
+        </pc:spChg>
+        <pc:spChg chg="add mod">
+          <ac:chgData name="TRAN HAI NAM" userId="6c1f28dc-db6e-4580-abf3-52cd9ef0a471" providerId="ADAL" clId="{E72C2616-19FF-4BC3-A579-E784D2E7E443}" dt="2024-02-17T07:44:47.885" v="459" actId="20577"/>
+          <ac:spMkLst>
+            <pc:docMk/>
+            <pc:sldMk cId="0" sldId="265"/>
+            <ac:spMk id="10" creationId="{CED55CEB-D874-0039-1B0B-97D2ABCD2BED}"/>
+          </ac:spMkLst>
+        </pc:spChg>
+        <pc:picChg chg="add mod">
+          <ac:chgData name="TRAN HAI NAM" userId="6c1f28dc-db6e-4580-abf3-52cd9ef0a471" providerId="ADAL" clId="{E72C2616-19FF-4BC3-A579-E784D2E7E443}" dt="2024-02-17T07:33:26.386" v="230" actId="14100"/>
+          <ac:picMkLst>
+            <pc:docMk/>
+            <pc:sldMk cId="0" sldId="265"/>
+            <ac:picMk id="1026" creationId="{0A0FFB91-3EDD-6E4B-1A56-44CB23601C6B}"/>
+          </ac:picMkLst>
+        </pc:picChg>
+      </pc:sldChg>
+      <pc:sldChg chg="new del">
+        <pc:chgData name="TRAN HAI NAM" userId="6c1f28dc-db6e-4580-abf3-52cd9ef0a471" providerId="ADAL" clId="{E72C2616-19FF-4BC3-A579-E784D2E7E443}" dt="2024-02-17T06:52:16.719" v="38" actId="47"/>
+        <pc:sldMkLst>
+          <pc:docMk/>
+          <pc:sldMk cId="186096883" sldId="267"/>
+        </pc:sldMkLst>
+      </pc:sldChg>
+      <pc:sldChg chg="addSp delSp modSp add mod">
+        <pc:chgData name="TRAN HAI NAM" userId="6c1f28dc-db6e-4580-abf3-52cd9ef0a471" providerId="ADAL" clId="{E72C2616-19FF-4BC3-A579-E784D2E7E443}" dt="2024-02-17T06:52:42.613" v="43" actId="14100"/>
+        <pc:sldMkLst>
+          <pc:docMk/>
+          <pc:sldMk cId="2614724215" sldId="267"/>
+        </pc:sldMkLst>
+        <pc:spChg chg="del">
+          <ac:chgData name="TRAN HAI NAM" userId="6c1f28dc-db6e-4580-abf3-52cd9ef0a471" providerId="ADAL" clId="{E72C2616-19FF-4BC3-A579-E784D2E7E443}" dt="2024-02-17T06:52:22.609" v="40" actId="478"/>
+          <ac:spMkLst>
+            <pc:docMk/>
+            <pc:sldMk cId="2614724215" sldId="267"/>
+            <ac:spMk id="2" creationId="{8B621548-FEF8-98EC-A27A-B482C492BB19}"/>
+          </ac:spMkLst>
+        </pc:spChg>
+        <pc:picChg chg="add mod">
+          <ac:chgData name="TRAN HAI NAM" userId="6c1f28dc-db6e-4580-abf3-52cd9ef0a471" providerId="ADAL" clId="{E72C2616-19FF-4BC3-A579-E784D2E7E443}" dt="2024-02-17T06:52:42.613" v="43" actId="14100"/>
+          <ac:picMkLst>
+            <pc:docMk/>
+            <pc:sldMk cId="2614724215" sldId="267"/>
+            <ac:picMk id="4" creationId="{65DA2ECE-235C-DED3-9134-414A93E63670}"/>
+          </ac:picMkLst>
+        </pc:picChg>
+      </pc:sldChg>
+      <pc:sldChg chg="addSp delSp modSp add mod setBg">
+        <pc:chgData name="TRAN HAI NAM" userId="6c1f28dc-db6e-4580-abf3-52cd9ef0a471" providerId="ADAL" clId="{E72C2616-19FF-4BC3-A579-E784D2E7E443}" dt="2024-02-17T07:01:18.465" v="162" actId="208"/>
+        <pc:sldMkLst>
+          <pc:docMk/>
+          <pc:sldMk cId="1655092188" sldId="268"/>
+        </pc:sldMkLst>
+        <pc:spChg chg="mod">
+          <ac:chgData name="TRAN HAI NAM" userId="6c1f28dc-db6e-4580-abf3-52cd9ef0a471" providerId="ADAL" clId="{E72C2616-19FF-4BC3-A579-E784D2E7E443}" dt="2024-02-17T07:01:07.845" v="160" actId="1076"/>
+          <ac:spMkLst>
+            <pc:docMk/>
+            <pc:sldMk cId="1655092188" sldId="268"/>
+            <ac:spMk id="3" creationId="{71875CCC-1F63-33ED-5678-77C46B1B1715}"/>
+          </ac:spMkLst>
+        </pc:spChg>
+        <pc:spChg chg="add mod ord">
+          <ac:chgData name="TRAN HAI NAM" userId="6c1f28dc-db6e-4580-abf3-52cd9ef0a471" providerId="ADAL" clId="{E72C2616-19FF-4BC3-A579-E784D2E7E443}" dt="2024-02-17T07:01:18.465" v="162" actId="208"/>
+          <ac:spMkLst>
+            <pc:docMk/>
+            <pc:sldMk cId="1655092188" sldId="268"/>
+            <ac:spMk id="5" creationId="{C38173B5-6038-245D-B94C-E4DEB9D6E4DB}"/>
+          </ac:spMkLst>
+        </pc:spChg>
+        <pc:spChg chg="add del">
+          <ac:chgData name="TRAN HAI NAM" userId="6c1f28dc-db6e-4580-abf3-52cd9ef0a471" providerId="ADAL" clId="{E72C2616-19FF-4BC3-A579-E784D2E7E443}" dt="2024-02-17T06:56:13.845" v="113" actId="26606"/>
+          <ac:spMkLst>
+            <pc:docMk/>
+            <pc:sldMk cId="1655092188" sldId="268"/>
+            <ac:spMk id="8" creationId="{A8384FB5-9ADC-4DDC-881B-597D56F5B15D}"/>
+          </ac:spMkLst>
+        </pc:spChg>
+        <pc:spChg chg="add del">
+          <ac:chgData name="TRAN HAI NAM" userId="6c1f28dc-db6e-4580-abf3-52cd9ef0a471" providerId="ADAL" clId="{E72C2616-19FF-4BC3-A579-E784D2E7E443}" dt="2024-02-17T06:56:13.845" v="113" actId="26606"/>
+          <ac:spMkLst>
+            <pc:docMk/>
+            <pc:sldMk cId="1655092188" sldId="268"/>
+            <ac:spMk id="10" creationId="{91E5A9A7-95C6-4F4F-B00E-C82E07FE62EF}"/>
+          </ac:spMkLst>
+        </pc:spChg>
+        <pc:spChg chg="add del">
+          <ac:chgData name="TRAN HAI NAM" userId="6c1f28dc-db6e-4580-abf3-52cd9ef0a471" providerId="ADAL" clId="{E72C2616-19FF-4BC3-A579-E784D2E7E443}" dt="2024-02-17T06:56:13.845" v="113" actId="26606"/>
+          <ac:spMkLst>
+            <pc:docMk/>
+            <pc:sldMk cId="1655092188" sldId="268"/>
+            <ac:spMk id="12" creationId="{D07DD2DE-F619-49DD-B5E7-03A290FF4ED1}"/>
+          </ac:spMkLst>
+        </pc:spChg>
+        <pc:spChg chg="add del">
+          <ac:chgData name="TRAN HAI NAM" userId="6c1f28dc-db6e-4580-abf3-52cd9ef0a471" providerId="ADAL" clId="{E72C2616-19FF-4BC3-A579-E784D2E7E443}" dt="2024-02-17T06:56:13.845" v="113" actId="26606"/>
+          <ac:spMkLst>
+            <pc:docMk/>
+            <pc:sldMk cId="1655092188" sldId="268"/>
+            <ac:spMk id="14" creationId="{85149191-5F60-4A28-AAFF-039F96B0F3EC}"/>
+          </ac:spMkLst>
+        </pc:spChg>
+        <pc:spChg chg="add del">
+          <ac:chgData name="TRAN HAI NAM" userId="6c1f28dc-db6e-4580-abf3-52cd9ef0a471" providerId="ADAL" clId="{E72C2616-19FF-4BC3-A579-E784D2E7E443}" dt="2024-02-17T06:56:13.845" v="113" actId="26606"/>
+          <ac:spMkLst>
+            <pc:docMk/>
+            <pc:sldMk cId="1655092188" sldId="268"/>
+            <ac:spMk id="16" creationId="{F8260ED5-17F7-4158-B241-D51DD4CF1B7E}"/>
+          </ac:spMkLst>
+        </pc:spChg>
+        <pc:spChg chg="add del">
+          <ac:chgData name="TRAN HAI NAM" userId="6c1f28dc-db6e-4580-abf3-52cd9ef0a471" providerId="ADAL" clId="{E72C2616-19FF-4BC3-A579-E784D2E7E443}" dt="2024-02-17T06:56:11.869" v="108" actId="26606"/>
+          <ac:spMkLst>
+            <pc:docMk/>
+            <pc:sldMk cId="1655092188" sldId="268"/>
+            <ac:spMk id="21" creationId="{D4771268-CB57-404A-9271-370EB28F6090}"/>
+          </ac:spMkLst>
+        </pc:spChg>
+        <pc:picChg chg="add mod">
+          <ac:chgData name="TRAN HAI NAM" userId="6c1f28dc-db6e-4580-abf3-52cd9ef0a471" providerId="ADAL" clId="{E72C2616-19FF-4BC3-A579-E784D2E7E443}" dt="2024-02-17T06:58:39.635" v="131" actId="14100"/>
+          <ac:picMkLst>
+            <pc:docMk/>
+            <pc:sldMk cId="1655092188" sldId="268"/>
+            <ac:picMk id="2" creationId="{6BA95D22-0B9D-BFB3-00EA-D3B8889AEED6}"/>
+          </ac:picMkLst>
+        </pc:picChg>
+        <pc:picChg chg="del">
+          <ac:chgData name="TRAN HAI NAM" userId="6c1f28dc-db6e-4580-abf3-52cd9ef0a471" providerId="ADAL" clId="{E72C2616-19FF-4BC3-A579-E784D2E7E443}" dt="2024-02-17T06:53:20.744" v="45" actId="478"/>
+          <ac:picMkLst>
+            <pc:docMk/>
+            <pc:sldMk cId="1655092188" sldId="268"/>
+            <ac:picMk id="4" creationId="{9E820D25-F001-AA6D-CB43-9C09D44191D9}"/>
+          </ac:picMkLst>
+        </pc:picChg>
+      </pc:sldChg>
+      <pc:sldChg chg="addSp delSp modSp add mod">
+        <pc:chgData name="TRAN HAI NAM" userId="6c1f28dc-db6e-4580-abf3-52cd9ef0a471" providerId="ADAL" clId="{E72C2616-19FF-4BC3-A579-E784D2E7E443}" dt="2024-02-17T08:45:51.816" v="837" actId="1076"/>
+        <pc:sldMkLst>
+          <pc:docMk/>
+          <pc:sldMk cId="658638624" sldId="269"/>
+        </pc:sldMkLst>
+        <pc:spChg chg="del mod">
+          <ac:chgData name="TRAN HAI NAM" userId="6c1f28dc-db6e-4580-abf3-52cd9ef0a471" providerId="ADAL" clId="{E72C2616-19FF-4BC3-A579-E784D2E7E443}" dt="2024-02-17T07:47:49.582" v="472" actId="478"/>
+          <ac:spMkLst>
+            <pc:docMk/>
+            <pc:sldMk cId="658638624" sldId="269"/>
+            <ac:spMk id="2" creationId="{35A28A7B-D61D-1658-E1B0-6A667348B941}"/>
+          </ac:spMkLst>
+        </pc:spChg>
+        <pc:spChg chg="mod topLvl">
+          <ac:chgData name="TRAN HAI NAM" userId="6c1f28dc-db6e-4580-abf3-52cd9ef0a471" providerId="ADAL" clId="{E72C2616-19FF-4BC3-A579-E784D2E7E443}" dt="2024-02-17T08:43:56.685" v="759" actId="165"/>
+          <ac:spMkLst>
+            <pc:docMk/>
+            <pc:sldMk cId="658638624" sldId="269"/>
+            <ac:spMk id="3" creationId="{4EAAE290-4661-D527-B018-BF278403B743}"/>
+          </ac:spMkLst>
+        </pc:spChg>
+        <pc:spChg chg="mod topLvl">
+          <ac:chgData name="TRAN HAI NAM" userId="6c1f28dc-db6e-4580-abf3-52cd9ef0a471" providerId="ADAL" clId="{E72C2616-19FF-4BC3-A579-E784D2E7E443}" dt="2024-02-17T08:43:56.685" v="759" actId="165"/>
+          <ac:spMkLst>
+            <pc:docMk/>
+            <pc:sldMk cId="658638624" sldId="269"/>
+            <ac:spMk id="4" creationId="{760FDE9F-B7FB-07A9-72A0-4C5B4D1EE9EF}"/>
+          </ac:spMkLst>
+        </pc:spChg>
+        <pc:spChg chg="mod topLvl">
+          <ac:chgData name="TRAN HAI NAM" userId="6c1f28dc-db6e-4580-abf3-52cd9ef0a471" providerId="ADAL" clId="{E72C2616-19FF-4BC3-A579-E784D2E7E443}" dt="2024-02-17T08:43:56.685" v="759" actId="165"/>
+          <ac:spMkLst>
+            <pc:docMk/>
+            <pc:sldMk cId="658638624" sldId="269"/>
+            <ac:spMk id="5" creationId="{79820EDF-878B-DCB2-5962-53F27E27E484}"/>
+          </ac:spMkLst>
+        </pc:spChg>
+        <pc:spChg chg="mod topLvl">
+          <ac:chgData name="TRAN HAI NAM" userId="6c1f28dc-db6e-4580-abf3-52cd9ef0a471" providerId="ADAL" clId="{E72C2616-19FF-4BC3-A579-E784D2E7E443}" dt="2024-02-17T08:43:56.685" v="759" actId="165"/>
+          <ac:spMkLst>
+            <pc:docMk/>
+            <pc:sldMk cId="658638624" sldId="269"/>
+            <ac:spMk id="6" creationId="{F2D65B0D-B89B-5592-F997-866C60997E69}"/>
+          </ac:spMkLst>
+        </pc:spChg>
+        <pc:spChg chg="add mod">
+          <ac:chgData name="TRAN HAI NAM" userId="6c1f28dc-db6e-4580-abf3-52cd9ef0a471" providerId="ADAL" clId="{E72C2616-19FF-4BC3-A579-E784D2E7E443}" dt="2024-02-17T07:48:20.785" v="480" actId="14100"/>
+          <ac:spMkLst>
+            <pc:docMk/>
+            <pc:sldMk cId="658638624" sldId="269"/>
+            <ac:spMk id="9" creationId="{4C9D3182-4620-3B18-4392-19FBED962E70}"/>
+          </ac:spMkLst>
+        </pc:spChg>
+        <pc:spChg chg="add del">
+          <ac:chgData name="TRAN HAI NAM" userId="6c1f28dc-db6e-4580-abf3-52cd9ef0a471" providerId="ADAL" clId="{E72C2616-19FF-4BC3-A579-E784D2E7E443}" dt="2024-02-17T07:48:34.815" v="482" actId="478"/>
+          <ac:spMkLst>
+            <pc:docMk/>
+            <pc:sldMk cId="658638624" sldId="269"/>
+            <ac:spMk id="10" creationId="{C7663C12-0839-B8DF-0501-2FCB46F71C21}"/>
+          </ac:spMkLst>
+        </pc:spChg>
+        <pc:spChg chg="add del">
+          <ac:chgData name="TRAN HAI NAM" userId="6c1f28dc-db6e-4580-abf3-52cd9ef0a471" providerId="ADAL" clId="{E72C2616-19FF-4BC3-A579-E784D2E7E443}" dt="2024-02-17T07:48:40.061" v="484" actId="478"/>
+          <ac:spMkLst>
+            <pc:docMk/>
+            <pc:sldMk cId="658638624" sldId="269"/>
+            <ac:spMk id="11" creationId="{F05BBD56-DC92-AE94-5A1C-7F1710E9AC95}"/>
+          </ac:spMkLst>
+        </pc:spChg>
+        <pc:spChg chg="add del mod topLvl">
+          <ac:chgData name="TRAN HAI NAM" userId="6c1f28dc-db6e-4580-abf3-52cd9ef0a471" providerId="ADAL" clId="{E72C2616-19FF-4BC3-A579-E784D2E7E443}" dt="2024-02-17T08:43:56.685" v="759" actId="165"/>
+          <ac:spMkLst>
+            <pc:docMk/>
+            <pc:sldMk cId="658638624" sldId="269"/>
+            <ac:spMk id="12" creationId="{6B5885A5-E64D-2A53-B5BA-3C7CC2240F2C}"/>
+          </ac:spMkLst>
+        </pc:spChg>
+        <pc:spChg chg="add del mod">
+          <ac:chgData name="TRAN HAI NAM" userId="6c1f28dc-db6e-4580-abf3-52cd9ef0a471" providerId="ADAL" clId="{E72C2616-19FF-4BC3-A579-E784D2E7E443}" dt="2024-02-17T08:10:50.694" v="571" actId="478"/>
+          <ac:spMkLst>
+            <pc:docMk/>
+            <pc:sldMk cId="658638624" sldId="269"/>
+            <ac:spMk id="13" creationId="{5160C7EF-BBA7-4E33-2CC4-063598E33C8C}"/>
+          </ac:spMkLst>
+        </pc:spChg>
+        <pc:spChg chg="add mod">
+          <ac:chgData name="TRAN HAI NAM" userId="6c1f28dc-db6e-4580-abf3-52cd9ef0a471" providerId="ADAL" clId="{E72C2616-19FF-4BC3-A579-E784D2E7E443}" dt="2024-02-17T08:43:42.700" v="757" actId="1076"/>
+          <ac:spMkLst>
+            <pc:docMk/>
+            <pc:sldMk cId="658638624" sldId="269"/>
+            <ac:spMk id="14" creationId="{7AF8E5FA-0304-3892-803A-558DB5A2D778}"/>
+          </ac:spMkLst>
+        </pc:spChg>
+        <pc:spChg chg="add mod">
+          <ac:chgData name="TRAN HAI NAM" userId="6c1f28dc-db6e-4580-abf3-52cd9ef0a471" providerId="ADAL" clId="{E72C2616-19FF-4BC3-A579-E784D2E7E443}" dt="2024-02-17T08:43:42.700" v="757" actId="1076"/>
+          <ac:spMkLst>
+            <pc:docMk/>
+            <pc:sldMk cId="658638624" sldId="269"/>
+            <ac:spMk id="15" creationId="{FAD6793E-9DC6-8F34-FE76-4CE2A6BD710D}"/>
+          </ac:spMkLst>
+        </pc:spChg>
+        <pc:spChg chg="add mod">
+          <ac:chgData name="TRAN HAI NAM" userId="6c1f28dc-db6e-4580-abf3-52cd9ef0a471" providerId="ADAL" clId="{E72C2616-19FF-4BC3-A579-E784D2E7E443}" dt="2024-02-17T08:43:42.700" v="757" actId="1076"/>
+          <ac:spMkLst>
+            <pc:docMk/>
+            <pc:sldMk cId="658638624" sldId="269"/>
+            <ac:spMk id="16" creationId="{28DA63E8-07DB-4796-9F3E-D637D6D95938}"/>
+          </ac:spMkLst>
+        </pc:spChg>
+        <pc:spChg chg="add mod">
+          <ac:chgData name="TRAN HAI NAM" userId="6c1f28dc-db6e-4580-abf3-52cd9ef0a471" providerId="ADAL" clId="{E72C2616-19FF-4BC3-A579-E784D2E7E443}" dt="2024-02-17T08:43:36.063" v="756" actId="1076"/>
+          <ac:spMkLst>
+            <pc:docMk/>
+            <pc:sldMk cId="658638624" sldId="269"/>
+            <ac:spMk id="17" creationId="{E09FAEDE-11B6-FD2D-56E5-33907AE95C2C}"/>
+          </ac:spMkLst>
+        </pc:spChg>
+        <pc:spChg chg="add mod">
+          <ac:chgData name="TRAN HAI NAM" userId="6c1f28dc-db6e-4580-abf3-52cd9ef0a471" providerId="ADAL" clId="{E72C2616-19FF-4BC3-A579-E784D2E7E443}" dt="2024-02-17T08:42:06.605" v="739" actId="255"/>
+          <ac:spMkLst>
+            <pc:docMk/>
+            <pc:sldMk cId="658638624" sldId="269"/>
+            <ac:spMk id="18" creationId="{A58ACCA3-4FAB-27AF-ED93-647A412F4CFE}"/>
+          </ac:spMkLst>
+        </pc:spChg>
+        <pc:spChg chg="add mod ord topLvl">
+          <ac:chgData name="TRAN HAI NAM" userId="6c1f28dc-db6e-4580-abf3-52cd9ef0a471" providerId="ADAL" clId="{E72C2616-19FF-4BC3-A579-E784D2E7E443}" dt="2024-02-17T08:44:01.159" v="760" actId="1076"/>
+          <ac:spMkLst>
+            <pc:docMk/>
+            <pc:sldMk cId="658638624" sldId="269"/>
+            <ac:spMk id="19" creationId="{3CC25558-1379-6D51-5477-521DA14E1A7D}"/>
+          </ac:spMkLst>
+        </pc:spChg>
+        <pc:spChg chg="add mod ord">
+          <ac:chgData name="TRAN HAI NAM" userId="6c1f28dc-db6e-4580-abf3-52cd9ef0a471" providerId="ADAL" clId="{E72C2616-19FF-4BC3-A579-E784D2E7E443}" dt="2024-02-17T08:43:42.700" v="757" actId="1076"/>
+          <ac:spMkLst>
+            <pc:docMk/>
+            <pc:sldMk cId="658638624" sldId="269"/>
+            <ac:spMk id="20" creationId="{D16533E2-B0FB-A1D7-55D5-A8D8CC52983D}"/>
+          </ac:spMkLst>
+        </pc:spChg>
+        <pc:spChg chg="mod">
+          <ac:chgData name="TRAN HAI NAM" userId="6c1f28dc-db6e-4580-abf3-52cd9ef0a471" providerId="ADAL" clId="{E72C2616-19FF-4BC3-A579-E784D2E7E443}" dt="2024-02-17T08:42:57.534" v="745"/>
+          <ac:spMkLst>
+            <pc:docMk/>
+            <pc:sldMk cId="658638624" sldId="269"/>
+            <ac:spMk id="24" creationId="{AFC9854E-5D78-AE9E-79E4-CC17B1B4D9B5}"/>
+          </ac:spMkLst>
+        </pc:spChg>
+        <pc:spChg chg="mod">
+          <ac:chgData name="TRAN HAI NAM" userId="6c1f28dc-db6e-4580-abf3-52cd9ef0a471" providerId="ADAL" clId="{E72C2616-19FF-4BC3-A579-E784D2E7E443}" dt="2024-02-17T08:42:57.534" v="745"/>
+          <ac:spMkLst>
+            <pc:docMk/>
+            <pc:sldMk cId="658638624" sldId="269"/>
+            <ac:spMk id="25" creationId="{49188E43-16C3-9C80-239B-BEC19CC57878}"/>
+          </ac:spMkLst>
+        </pc:spChg>
+        <pc:spChg chg="mod">
+          <ac:chgData name="TRAN HAI NAM" userId="6c1f28dc-db6e-4580-abf3-52cd9ef0a471" providerId="ADAL" clId="{E72C2616-19FF-4BC3-A579-E784D2E7E443}" dt="2024-02-17T08:42:57.534" v="745"/>
+          <ac:spMkLst>
+            <pc:docMk/>
+            <pc:sldMk cId="658638624" sldId="269"/>
+            <ac:spMk id="26" creationId="{52BC3BA2-B73C-4CF0-7756-94F233B663BC}"/>
+          </ac:spMkLst>
+        </pc:spChg>
+        <pc:spChg chg="mod">
+          <ac:chgData name="TRAN HAI NAM" userId="6c1f28dc-db6e-4580-abf3-52cd9ef0a471" providerId="ADAL" clId="{E72C2616-19FF-4BC3-A579-E784D2E7E443}" dt="2024-02-17T08:42:57.534" v="745"/>
+          <ac:spMkLst>
+            <pc:docMk/>
+            <pc:sldMk cId="658638624" sldId="269"/>
+            <ac:spMk id="27" creationId="{2789A5D7-40DB-D037-1DB9-4A2CB0E21559}"/>
+          </ac:spMkLst>
+        </pc:spChg>
+        <pc:spChg chg="mod">
+          <ac:chgData name="TRAN HAI NAM" userId="6c1f28dc-db6e-4580-abf3-52cd9ef0a471" providerId="ADAL" clId="{E72C2616-19FF-4BC3-A579-E784D2E7E443}" dt="2024-02-17T08:42:57.534" v="745"/>
+          <ac:spMkLst>
+            <pc:docMk/>
+            <pc:sldMk cId="658638624" sldId="269"/>
+            <ac:spMk id="28" creationId="{DFBAAF9E-F68C-B0CA-53C8-06A304BFF80F}"/>
+          </ac:spMkLst>
+        </pc:spChg>
+        <pc:spChg chg="mod">
+          <ac:chgData name="TRAN HAI NAM" userId="6c1f28dc-db6e-4580-abf3-52cd9ef0a471" providerId="ADAL" clId="{E72C2616-19FF-4BC3-A579-E784D2E7E443}" dt="2024-02-17T08:42:57.534" v="745"/>
+          <ac:spMkLst>
+            <pc:docMk/>
+            <pc:sldMk cId="658638624" sldId="269"/>
+            <ac:spMk id="30" creationId="{ABA79F49-6F47-DA1C-E115-7EE4D37636F9}"/>
+          </ac:spMkLst>
+        </pc:spChg>
+        <pc:spChg chg="add mod ord">
+          <ac:chgData name="TRAN HAI NAM" userId="6c1f28dc-db6e-4580-abf3-52cd9ef0a471" providerId="ADAL" clId="{E72C2616-19FF-4BC3-A579-E784D2E7E443}" dt="2024-02-17T08:43:36.063" v="756" actId="1076"/>
+          <ac:spMkLst>
+            <pc:docMk/>
+            <pc:sldMk cId="658638624" sldId="269"/>
+            <ac:spMk id="31" creationId="{B31D4625-778C-B11B-4930-67F64B734B89}"/>
+          </ac:spMkLst>
+        </pc:spChg>
+        <pc:spChg chg="add mod ord">
+          <ac:chgData name="TRAN HAI NAM" userId="6c1f28dc-db6e-4580-abf3-52cd9ef0a471" providerId="ADAL" clId="{E72C2616-19FF-4BC3-A579-E784D2E7E443}" dt="2024-02-17T08:43:29.724" v="755" actId="1076"/>
+          <ac:spMkLst>
+            <pc:docMk/>
+            <pc:sldMk cId="658638624" sldId="269"/>
+            <ac:spMk id="32" creationId="{82A58048-7BC0-6A6A-0D48-AB58F46EE617}"/>
+          </ac:spMkLst>
+        </pc:spChg>
+        <pc:spChg chg="add mod">
+          <ac:chgData name="TRAN HAI NAM" userId="6c1f28dc-db6e-4580-abf3-52cd9ef0a471" providerId="ADAL" clId="{E72C2616-19FF-4BC3-A579-E784D2E7E443}" dt="2024-02-17T08:45:44.204" v="835" actId="1076"/>
+          <ac:spMkLst>
+            <pc:docMk/>
+            <pc:sldMk cId="658638624" sldId="269"/>
+            <ac:spMk id="33" creationId="{6F1F333E-02E4-060D-E543-6C289AD8FECB}"/>
+          </ac:spMkLst>
+        </pc:spChg>
+        <pc:spChg chg="add mod">
+          <ac:chgData name="TRAN HAI NAM" userId="6c1f28dc-db6e-4580-abf3-52cd9ef0a471" providerId="ADAL" clId="{E72C2616-19FF-4BC3-A579-E784D2E7E443}" dt="2024-02-17T08:45:47.293" v="836" actId="1076"/>
+          <ac:spMkLst>
+            <pc:docMk/>
+            <pc:sldMk cId="658638624" sldId="269"/>
+            <ac:spMk id="34" creationId="{B73BF7E6-3435-180C-1B68-7FD3E0F2418F}"/>
+          </ac:spMkLst>
+        </pc:spChg>
+        <pc:spChg chg="add mod">
+          <ac:chgData name="TRAN HAI NAM" userId="6c1f28dc-db6e-4580-abf3-52cd9ef0a471" providerId="ADAL" clId="{E72C2616-19FF-4BC3-A579-E784D2E7E443}" dt="2024-02-17T08:45:44.204" v="835" actId="1076"/>
+          <ac:spMkLst>
+            <pc:docMk/>
+            <pc:sldMk cId="658638624" sldId="269"/>
+            <ac:spMk id="35" creationId="{0C63AF10-E435-FCE4-907B-AC007E515564}"/>
+          </ac:spMkLst>
+        </pc:spChg>
+        <pc:spChg chg="add mod">
+          <ac:chgData name="TRAN HAI NAM" userId="6c1f28dc-db6e-4580-abf3-52cd9ef0a471" providerId="ADAL" clId="{E72C2616-19FF-4BC3-A579-E784D2E7E443}" dt="2024-02-17T08:45:51.816" v="837" actId="1076"/>
+          <ac:spMkLst>
+            <pc:docMk/>
+            <pc:sldMk cId="658638624" sldId="269"/>
+            <ac:spMk id="36" creationId="{2E464F00-5CFA-A581-F92F-D965780092C4}"/>
+          </ac:spMkLst>
+        </pc:spChg>
+        <pc:grpChg chg="add del mod">
+          <ac:chgData name="TRAN HAI NAM" userId="6c1f28dc-db6e-4580-abf3-52cd9ef0a471" providerId="ADAL" clId="{E72C2616-19FF-4BC3-A579-E784D2E7E443}" dt="2024-02-17T08:43:56.685" v="759" actId="165"/>
+          <ac:grpSpMkLst>
+            <pc:docMk/>
+            <pc:sldMk cId="658638624" sldId="269"/>
+            <ac:grpSpMk id="21" creationId="{EFF47AEE-9DF7-BDB0-14D5-B3CD73E40605}"/>
+          </ac:grpSpMkLst>
+        </pc:grpChg>
+        <pc:grpChg chg="add mod">
+          <ac:chgData name="TRAN HAI NAM" userId="6c1f28dc-db6e-4580-abf3-52cd9ef0a471" providerId="ADAL" clId="{E72C2616-19FF-4BC3-A579-E784D2E7E443}" dt="2024-02-17T08:43:42.700" v="757" actId="1076"/>
+          <ac:grpSpMkLst>
+            <pc:docMk/>
+            <pc:sldMk cId="658638624" sldId="269"/>
+            <ac:grpSpMk id="22" creationId="{E92E5242-2F9A-82D8-04F9-5BD65D80AEB1}"/>
+          </ac:grpSpMkLst>
+        </pc:grpChg>
+        <pc:grpChg chg="add mod">
+          <ac:chgData name="TRAN HAI NAM" userId="6c1f28dc-db6e-4580-abf3-52cd9ef0a471" providerId="ADAL" clId="{E72C2616-19FF-4BC3-A579-E784D2E7E443}" dt="2024-02-17T08:42:57.534" v="745"/>
+          <ac:grpSpMkLst>
+            <pc:docMk/>
+            <pc:sldMk cId="658638624" sldId="269"/>
+            <ac:grpSpMk id="23" creationId="{D5B51062-C706-D976-03F9-4915AE79D915}"/>
+          </ac:grpSpMkLst>
+        </pc:grpChg>
+        <pc:picChg chg="add del mod">
+          <ac:chgData name="TRAN HAI NAM" userId="6c1f28dc-db6e-4580-abf3-52cd9ef0a471" providerId="ADAL" clId="{E72C2616-19FF-4BC3-A579-E784D2E7E443}" dt="2024-02-17T07:47:59.408" v="478" actId="478"/>
+          <ac:picMkLst>
+            <pc:docMk/>
+            <pc:sldMk cId="658638624" sldId="269"/>
+            <ac:picMk id="8" creationId="{ADBB2448-0690-94F6-C6B0-67DDEE582E19}"/>
+          </ac:picMkLst>
+        </pc:picChg>
+        <pc:picChg chg="mod">
+          <ac:chgData name="TRAN HAI NAM" userId="6c1f28dc-db6e-4580-abf3-52cd9ef0a471" providerId="ADAL" clId="{E72C2616-19FF-4BC3-A579-E784D2E7E443}" dt="2024-02-17T08:42:57.534" v="745"/>
+          <ac:picMkLst>
+            <pc:docMk/>
+            <pc:sldMk cId="658638624" sldId="269"/>
+            <ac:picMk id="29" creationId="{1D2DAA10-50E8-8ECB-DE1B-5F487263D954}"/>
+          </ac:picMkLst>
+        </pc:picChg>
+        <pc:picChg chg="add del">
+          <ac:chgData name="TRAN HAI NAM" userId="6c1f28dc-db6e-4580-abf3-52cd9ef0a471" providerId="ADAL" clId="{E72C2616-19FF-4BC3-A579-E784D2E7E443}" dt="2024-02-17T07:47:49.582" v="472" actId="478"/>
+          <ac:picMkLst>
+            <pc:docMk/>
+            <pc:sldMk cId="658638624" sldId="269"/>
+            <ac:picMk id="2050" creationId="{65B8A140-E815-F271-6EE5-574120013874}"/>
+          </ac:picMkLst>
+        </pc:picChg>
+        <pc:picChg chg="add mod topLvl">
+          <ac:chgData name="TRAN HAI NAM" userId="6c1f28dc-db6e-4580-abf3-52cd9ef0a471" providerId="ADAL" clId="{E72C2616-19FF-4BC3-A579-E784D2E7E443}" dt="2024-02-17T08:43:56.685" v="759" actId="165"/>
+          <ac:picMkLst>
+            <pc:docMk/>
+            <pc:sldMk cId="658638624" sldId="269"/>
+            <ac:picMk id="2058" creationId="{91C265C2-26E4-8D02-B910-2DBA2D3422D7}"/>
+          </ac:picMkLst>
+        </pc:picChg>
+        <pc:picChg chg="add mod">
+          <ac:chgData name="TRAN HAI NAM" userId="6c1f28dc-db6e-4580-abf3-52cd9ef0a471" providerId="ADAL" clId="{E72C2616-19FF-4BC3-A579-E784D2E7E443}" dt="2024-02-17T08:43:42.700" v="757" actId="1076"/>
+          <ac:picMkLst>
+            <pc:docMk/>
+            <pc:sldMk cId="658638624" sldId="269"/>
+            <ac:picMk id="2060" creationId="{2C73B22A-738D-9884-468B-83269A45523C}"/>
+          </ac:picMkLst>
+        </pc:picChg>
+        <pc:picChg chg="add del mod">
+          <ac:chgData name="TRAN HAI NAM" userId="6c1f28dc-db6e-4580-abf3-52cd9ef0a471" providerId="ADAL" clId="{E72C2616-19FF-4BC3-A579-E784D2E7E443}" dt="2024-02-17T08:22:00.431" v="592" actId="478"/>
+          <ac:picMkLst>
+            <pc:docMk/>
+            <pc:sldMk cId="658638624" sldId="269"/>
+            <ac:picMk id="2062" creationId="{B55B64C4-D7D3-D535-972F-4FEB702AB338}"/>
+          </ac:picMkLst>
+        </pc:picChg>
+        <pc:picChg chg="add del">
+          <ac:chgData name="TRAN HAI NAM" userId="6c1f28dc-db6e-4580-abf3-52cd9ef0a471" providerId="ADAL" clId="{E72C2616-19FF-4BC3-A579-E784D2E7E443}" dt="2024-02-17T08:22:15.704" v="594" actId="478"/>
+          <ac:picMkLst>
+            <pc:docMk/>
+            <pc:sldMk cId="658638624" sldId="269"/>
+            <ac:picMk id="2064" creationId="{D3A54E69-47C4-C664-C54F-4F8491276485}"/>
+          </ac:picMkLst>
+        </pc:picChg>
+        <pc:picChg chg="add mod">
+          <ac:chgData name="TRAN HAI NAM" userId="6c1f28dc-db6e-4580-abf3-52cd9ef0a471" providerId="ADAL" clId="{E72C2616-19FF-4BC3-A579-E784D2E7E443}" dt="2024-02-17T08:43:42.700" v="757" actId="1076"/>
+          <ac:picMkLst>
+            <pc:docMk/>
+            <pc:sldMk cId="658638624" sldId="269"/>
+            <ac:picMk id="2066" creationId="{5A879CB4-6BA0-0357-EFF9-DFA1411F305D}"/>
+          </ac:picMkLst>
+        </pc:picChg>
+        <pc:picChg chg="add mod">
+          <ac:chgData name="TRAN HAI NAM" userId="6c1f28dc-db6e-4580-abf3-52cd9ef0a471" providerId="ADAL" clId="{E72C2616-19FF-4BC3-A579-E784D2E7E443}" dt="2024-02-17T08:43:42.700" v="757" actId="1076"/>
+          <ac:picMkLst>
+            <pc:docMk/>
+            <pc:sldMk cId="658638624" sldId="269"/>
+            <ac:picMk id="2068" creationId="{23A6B80D-1963-1582-E970-5888027C9DA2}"/>
+          </ac:picMkLst>
+        </pc:picChg>
+        <pc:picChg chg="add mod">
+          <ac:chgData name="TRAN HAI NAM" userId="6c1f28dc-db6e-4580-abf3-52cd9ef0a471" providerId="ADAL" clId="{E72C2616-19FF-4BC3-A579-E784D2E7E443}" dt="2024-02-17T08:43:36.063" v="756" actId="1076"/>
+          <ac:picMkLst>
+            <pc:docMk/>
+            <pc:sldMk cId="658638624" sldId="269"/>
+            <ac:picMk id="2070" creationId="{25CE2BF6-837E-7B61-FEEB-029F569BB5A2}"/>
+          </ac:picMkLst>
+        </pc:picChg>
+        <pc:picChg chg="add del">
+          <ac:chgData name="TRAN HAI NAM" userId="6c1f28dc-db6e-4580-abf3-52cd9ef0a471" providerId="ADAL" clId="{E72C2616-19FF-4BC3-A579-E784D2E7E443}" dt="2024-02-17T08:26:43.226" v="609" actId="478"/>
+          <ac:picMkLst>
+            <pc:docMk/>
+            <pc:sldMk cId="658638624" sldId="269"/>
+            <ac:picMk id="2072" creationId="{E68171BD-2119-BC45-5CFE-04E696872CE8}"/>
+          </ac:picMkLst>
+        </pc:picChg>
+        <pc:picChg chg="add mod">
+          <ac:chgData name="TRAN HAI NAM" userId="6c1f28dc-db6e-4580-abf3-52cd9ef0a471" providerId="ADAL" clId="{E72C2616-19FF-4BC3-A579-E784D2E7E443}" dt="2024-02-17T08:27:01.449" v="613" actId="1076"/>
+          <ac:picMkLst>
+            <pc:docMk/>
+            <pc:sldMk cId="658638624" sldId="269"/>
+            <ac:picMk id="2074" creationId="{B1F73343-114C-4BCA-2270-72AAB5FFBCB9}"/>
+          </ac:picMkLst>
+        </pc:picChg>
+      </pc:sldChg>
+      <pc:sldChg chg="new del">
+        <pc:chgData name="TRAN HAI NAM" userId="6c1f28dc-db6e-4580-abf3-52cd9ef0a471" providerId="ADAL" clId="{E72C2616-19FF-4BC3-A579-E784D2E7E443}" dt="2024-02-17T07:11:26.406" v="174" actId="47"/>
+        <pc:sldMkLst>
+          <pc:docMk/>
+          <pc:sldMk cId="2220167825" sldId="269"/>
+        </pc:sldMkLst>
+      </pc:sldChg>
+      <pc:sldChg chg="addSp delSp modSp add mod">
+        <pc:chgData name="TRAN HAI NAM" userId="6c1f28dc-db6e-4580-abf3-52cd9ef0a471" providerId="ADAL" clId="{E72C2616-19FF-4BC3-A579-E784D2E7E443}" dt="2024-02-17T14:29:50.979" v="1968"/>
+        <pc:sldMkLst>
+          <pc:docMk/>
+          <pc:sldMk cId="1556732261" sldId="270"/>
+        </pc:sldMkLst>
+        <pc:spChg chg="add del mod">
+          <ac:chgData name="TRAN HAI NAM" userId="6c1f28dc-db6e-4580-abf3-52cd9ef0a471" providerId="ADAL" clId="{E72C2616-19FF-4BC3-A579-E784D2E7E443}" dt="2024-02-17T13:17:54.654" v="844" actId="478"/>
+          <ac:spMkLst>
+            <pc:docMk/>
+            <pc:sldMk cId="1556732261" sldId="270"/>
+            <ac:spMk id="2" creationId="{7159A37B-8B4E-9DDD-D0D0-84AFC8AE69A0}"/>
+          </ac:spMkLst>
+        </pc:spChg>
+        <pc:spChg chg="del">
+          <ac:chgData name="TRAN HAI NAM" userId="6c1f28dc-db6e-4580-abf3-52cd9ef0a471" providerId="ADAL" clId="{E72C2616-19FF-4BC3-A579-E784D2E7E443}" dt="2024-02-17T08:10:38.519" v="568" actId="478"/>
+          <ac:spMkLst>
+            <pc:docMk/>
+            <pc:sldMk cId="1556732261" sldId="270"/>
+            <ac:spMk id="3" creationId="{D871C03C-D214-72EA-21E9-5898E890FCF2}"/>
+          </ac:spMkLst>
+        </pc:spChg>
+        <pc:spChg chg="del">
+          <ac:chgData name="TRAN HAI NAM" userId="6c1f28dc-db6e-4580-abf3-52cd9ef0a471" providerId="ADAL" clId="{E72C2616-19FF-4BC3-A579-E784D2E7E443}" dt="2024-02-17T08:10:36.346" v="567" actId="478"/>
+          <ac:spMkLst>
+            <pc:docMk/>
+            <pc:sldMk cId="1556732261" sldId="270"/>
+            <ac:spMk id="4" creationId="{749FE430-87D9-6370-85DD-7825EA2C4F09}"/>
+          </ac:spMkLst>
+        </pc:spChg>
+        <pc:spChg chg="del">
+          <ac:chgData name="TRAN HAI NAM" userId="6c1f28dc-db6e-4580-abf3-52cd9ef0a471" providerId="ADAL" clId="{E72C2616-19FF-4BC3-A579-E784D2E7E443}" dt="2024-02-17T08:10:33.849" v="565" actId="478"/>
+          <ac:spMkLst>
+            <pc:docMk/>
+            <pc:sldMk cId="1556732261" sldId="270"/>
+            <ac:spMk id="5" creationId="{D8165789-DF09-8DDC-AD77-5E4227F6D449}"/>
+          </ac:spMkLst>
+        </pc:spChg>
+        <pc:spChg chg="del">
+          <ac:chgData name="TRAN HAI NAM" userId="6c1f28dc-db6e-4580-abf3-52cd9ef0a471" providerId="ADAL" clId="{E72C2616-19FF-4BC3-A579-E784D2E7E443}" dt="2024-02-17T08:10:34.460" v="566" actId="478"/>
+          <ac:spMkLst>
+            <pc:docMk/>
+            <pc:sldMk cId="1556732261" sldId="270"/>
+            <ac:spMk id="6" creationId="{59CEEA8E-CEA8-CB2A-681C-E785E5283AB3}"/>
+          </ac:spMkLst>
+        </pc:spChg>
+        <pc:spChg chg="add mod">
+          <ac:chgData name="TRAN HAI NAM" userId="6c1f28dc-db6e-4580-abf3-52cd9ef0a471" providerId="ADAL" clId="{E72C2616-19FF-4BC3-A579-E784D2E7E443}" dt="2024-02-17T13:41:59.535" v="1158" actId="164"/>
+          <ac:spMkLst>
+            <pc:docMk/>
+            <pc:sldMk cId="1556732261" sldId="270"/>
+            <ac:spMk id="7" creationId="{2C0AF58F-7534-4674-E63D-2A5D332AEB65}"/>
+          </ac:spMkLst>
+        </pc:spChg>
+        <pc:spChg chg="add mod">
+          <ac:chgData name="TRAN HAI NAM" userId="6c1f28dc-db6e-4580-abf3-52cd9ef0a471" providerId="ADAL" clId="{E72C2616-19FF-4BC3-A579-E784D2E7E443}" dt="2024-02-17T13:41:59.535" v="1158" actId="164"/>
+          <ac:spMkLst>
+            <pc:docMk/>
+            <pc:sldMk cId="1556732261" sldId="270"/>
+            <ac:spMk id="8" creationId="{1CE10A28-4EA1-5214-1AE8-C3A3A5286B19}"/>
+          </ac:spMkLst>
+        </pc:spChg>
+        <pc:spChg chg="add mod">
+          <ac:chgData name="TRAN HAI NAM" userId="6c1f28dc-db6e-4580-abf3-52cd9ef0a471" providerId="ADAL" clId="{E72C2616-19FF-4BC3-A579-E784D2E7E443}" dt="2024-02-17T13:41:59.535" v="1158" actId="164"/>
+          <ac:spMkLst>
+            <pc:docMk/>
+            <pc:sldMk cId="1556732261" sldId="270"/>
+            <ac:spMk id="10" creationId="{0AD8A04D-E3F4-CA82-DE99-8EE7A1D66E4D}"/>
+          </ac:spMkLst>
+        </pc:spChg>
+        <pc:spChg chg="add mod">
+          <ac:chgData name="TRAN HAI NAM" userId="6c1f28dc-db6e-4580-abf3-52cd9ef0a471" providerId="ADAL" clId="{E72C2616-19FF-4BC3-A579-E784D2E7E443}" dt="2024-02-17T13:41:59.535" v="1158" actId="164"/>
+          <ac:spMkLst>
+            <pc:docMk/>
+            <pc:sldMk cId="1556732261" sldId="270"/>
+            <ac:spMk id="11" creationId="{EE6AE505-0A9F-9181-F93C-745475E3F008}"/>
+          </ac:spMkLst>
+        </pc:spChg>
+        <pc:spChg chg="del">
+          <ac:chgData name="TRAN HAI NAM" userId="6c1f28dc-db6e-4580-abf3-52cd9ef0a471" providerId="ADAL" clId="{E72C2616-19FF-4BC3-A579-E784D2E7E443}" dt="2024-02-17T08:10:41.211" v="569" actId="478"/>
+          <ac:spMkLst>
+            <pc:docMk/>
+            <pc:sldMk cId="1556732261" sldId="270"/>
+            <ac:spMk id="12" creationId="{C3FC04CB-BC4E-D5B7-A705-2886BAF39672}"/>
+          </ac:spMkLst>
+        </pc:spChg>
+        <pc:spChg chg="del mod">
+          <ac:chgData name="TRAN HAI NAM" userId="6c1f28dc-db6e-4580-abf3-52cd9ef0a471" providerId="ADAL" clId="{E72C2616-19FF-4BC3-A579-E784D2E7E443}" dt="2024-02-17T08:46:05.847" v="838" actId="478"/>
+          <ac:spMkLst>
+            <pc:docMk/>
+            <pc:sldMk cId="1556732261" sldId="270"/>
+            <ac:spMk id="13" creationId="{00C55D04-D679-FE71-A39B-5D4304EADE2F}"/>
+          </ac:spMkLst>
+        </pc:spChg>
+        <pc:spChg chg="add mod">
+          <ac:chgData name="TRAN HAI NAM" userId="6c1f28dc-db6e-4580-abf3-52cd9ef0a471" providerId="ADAL" clId="{E72C2616-19FF-4BC3-A579-E784D2E7E443}" dt="2024-02-17T13:41:59.535" v="1158" actId="164"/>
+          <ac:spMkLst>
+            <pc:docMk/>
+            <pc:sldMk cId="1556732261" sldId="270"/>
+            <ac:spMk id="14" creationId="{F844FE93-8C4E-5856-7928-0384D1996CD3}"/>
+          </ac:spMkLst>
+        </pc:spChg>
+        <pc:spChg chg="add del mod">
+          <ac:chgData name="TRAN HAI NAM" userId="6c1f28dc-db6e-4580-abf3-52cd9ef0a471" providerId="ADAL" clId="{E72C2616-19FF-4BC3-A579-E784D2E7E443}" dt="2024-02-17T13:18:39.458" v="856" actId="478"/>
+          <ac:spMkLst>
+            <pc:docMk/>
+            <pc:sldMk cId="1556732261" sldId="270"/>
+            <ac:spMk id="15" creationId="{A1AB1738-8EB0-3C86-C06F-D2832F991CA2}"/>
+          </ac:spMkLst>
+        </pc:spChg>
+        <pc:spChg chg="add mod">
+          <ac:chgData name="TRAN HAI NAM" userId="6c1f28dc-db6e-4580-abf3-52cd9ef0a471" providerId="ADAL" clId="{E72C2616-19FF-4BC3-A579-E784D2E7E443}" dt="2024-02-17T13:41:59.535" v="1158" actId="164"/>
+          <ac:spMkLst>
+            <pc:docMk/>
+            <pc:sldMk cId="1556732261" sldId="270"/>
+            <ac:spMk id="18" creationId="{F1C15066-1D5F-37B7-F694-FC483FCAABB3}"/>
+          </ac:spMkLst>
+        </pc:spChg>
+        <pc:spChg chg="add mod">
+          <ac:chgData name="TRAN HAI NAM" userId="6c1f28dc-db6e-4580-abf3-52cd9ef0a471" providerId="ADAL" clId="{E72C2616-19FF-4BC3-A579-E784D2E7E443}" dt="2024-02-17T13:41:59.535" v="1158" actId="164"/>
+          <ac:spMkLst>
+            <pc:docMk/>
+            <pc:sldMk cId="1556732261" sldId="270"/>
+            <ac:spMk id="19" creationId="{50D0AE31-B142-9AD6-DC83-902A84BD1BF3}"/>
+          </ac:spMkLst>
+        </pc:spChg>
+        <pc:spChg chg="add del">
+          <ac:chgData name="TRAN HAI NAM" userId="6c1f28dc-db6e-4580-abf3-52cd9ef0a471" providerId="ADAL" clId="{E72C2616-19FF-4BC3-A579-E784D2E7E443}" dt="2024-02-17T13:23:00.737" v="930" actId="11529"/>
+          <ac:spMkLst>
+            <pc:docMk/>
+            <pc:sldMk cId="1556732261" sldId="270"/>
+            <ac:spMk id="20" creationId="{6413A585-FFB2-92E6-4381-CAC991527848}"/>
+          </ac:spMkLst>
+        </pc:spChg>
+        <pc:spChg chg="add mod">
+          <ac:chgData name="TRAN HAI NAM" userId="6c1f28dc-db6e-4580-abf3-52cd9ef0a471" providerId="ADAL" clId="{E72C2616-19FF-4BC3-A579-E784D2E7E443}" dt="2024-02-17T14:29:49.043" v="1963"/>
+          <ac:spMkLst>
+            <pc:docMk/>
+            <pc:sldMk cId="1556732261" sldId="270"/>
+            <ac:spMk id="21" creationId="{1A99F384-2F8F-1853-20B5-FE6B994935FF}"/>
+          </ac:spMkLst>
+        </pc:spChg>
+        <pc:spChg chg="add mod">
+          <ac:chgData name="TRAN HAI NAM" userId="6c1f28dc-db6e-4580-abf3-52cd9ef0a471" providerId="ADAL" clId="{E72C2616-19FF-4BC3-A579-E784D2E7E443}" dt="2024-02-17T14:29:47.490" v="1958"/>
+          <ac:spMkLst>
+            <pc:docMk/>
+            <pc:sldMk cId="1556732261" sldId="270"/>
+            <ac:spMk id="22" creationId="{D48FB8EA-5804-0653-A37C-29560B9E3908}"/>
+          </ac:spMkLst>
+        </pc:spChg>
+        <pc:spChg chg="add mod">
+          <ac:chgData name="TRAN HAI NAM" userId="6c1f28dc-db6e-4580-abf3-52cd9ef0a471" providerId="ADAL" clId="{E72C2616-19FF-4BC3-A579-E784D2E7E443}" dt="2024-02-17T14:29:50.979" v="1968"/>
+          <ac:spMkLst>
+            <pc:docMk/>
+            <pc:sldMk cId="1556732261" sldId="270"/>
+            <ac:spMk id="23" creationId="{8E085923-8D52-CF9D-9A53-A57A089E1693}"/>
+          </ac:spMkLst>
+        </pc:spChg>
+        <pc:spChg chg="add mod">
+          <ac:chgData name="TRAN HAI NAM" userId="6c1f28dc-db6e-4580-abf3-52cd9ef0a471" providerId="ADAL" clId="{E72C2616-19FF-4BC3-A579-E784D2E7E443}" dt="2024-02-17T13:41:59.535" v="1158" actId="164"/>
+          <ac:spMkLst>
+            <pc:docMk/>
+            <pc:sldMk cId="1556732261" sldId="270"/>
+            <ac:spMk id="24" creationId="{C0FAB4B5-CF8A-E2DC-4658-B9F95B3AA467}"/>
+          </ac:spMkLst>
+        </pc:spChg>
+        <pc:spChg chg="add mod">
+          <ac:chgData name="TRAN HAI NAM" userId="6c1f28dc-db6e-4580-abf3-52cd9ef0a471" providerId="ADAL" clId="{E72C2616-19FF-4BC3-A579-E784D2E7E443}" dt="2024-02-17T13:41:59.535" v="1158" actId="164"/>
+          <ac:spMkLst>
+            <pc:docMk/>
+            <pc:sldMk cId="1556732261" sldId="270"/>
+            <ac:spMk id="25" creationId="{50CE472D-2768-28CF-301A-8733EFD8178C}"/>
+          </ac:spMkLst>
+        </pc:spChg>
+        <pc:spChg chg="add mod">
+          <ac:chgData name="TRAN HAI NAM" userId="6c1f28dc-db6e-4580-abf3-52cd9ef0a471" providerId="ADAL" clId="{E72C2616-19FF-4BC3-A579-E784D2E7E443}" dt="2024-02-17T13:41:59.535" v="1158" actId="164"/>
+          <ac:spMkLst>
+            <pc:docMk/>
+            <pc:sldMk cId="1556732261" sldId="270"/>
+            <ac:spMk id="26" creationId="{2BCE3F47-54DA-CEA5-3E66-B208D34A67A7}"/>
+          </ac:spMkLst>
+        </pc:spChg>
+        <pc:spChg chg="add mod">
+          <ac:chgData name="TRAN HAI NAM" userId="6c1f28dc-db6e-4580-abf3-52cd9ef0a471" providerId="ADAL" clId="{E72C2616-19FF-4BC3-A579-E784D2E7E443}" dt="2024-02-17T13:41:59.535" v="1158" actId="164"/>
+          <ac:spMkLst>
+            <pc:docMk/>
+            <pc:sldMk cId="1556732261" sldId="270"/>
+            <ac:spMk id="27" creationId="{E5C43DA5-F59F-60DA-3683-095236327B31}"/>
+          </ac:spMkLst>
+        </pc:spChg>
+        <pc:spChg chg="add mod">
+          <ac:chgData name="TRAN HAI NAM" userId="6c1f28dc-db6e-4580-abf3-52cd9ef0a471" providerId="ADAL" clId="{E72C2616-19FF-4BC3-A579-E784D2E7E443}" dt="2024-02-17T13:41:59.535" v="1158" actId="164"/>
+          <ac:spMkLst>
+            <pc:docMk/>
+            <pc:sldMk cId="1556732261" sldId="270"/>
+            <ac:spMk id="28" creationId="{6AA9CA38-6944-82DF-639A-CE138576E500}"/>
+          </ac:spMkLst>
+        </pc:spChg>
+        <pc:spChg chg="add mod">
+          <ac:chgData name="TRAN HAI NAM" userId="6c1f28dc-db6e-4580-abf3-52cd9ef0a471" providerId="ADAL" clId="{E72C2616-19FF-4BC3-A579-E784D2E7E443}" dt="2024-02-17T13:41:59.535" v="1158" actId="164"/>
+          <ac:spMkLst>
+            <pc:docMk/>
+            <pc:sldMk cId="1556732261" sldId="270"/>
+            <ac:spMk id="29" creationId="{A5A388ED-43B9-0E14-1CD1-B7290171D627}"/>
+          </ac:spMkLst>
+        </pc:spChg>
+        <pc:spChg chg="add mod">
+          <ac:chgData name="TRAN HAI NAM" userId="6c1f28dc-db6e-4580-abf3-52cd9ef0a471" providerId="ADAL" clId="{E72C2616-19FF-4BC3-A579-E784D2E7E443}" dt="2024-02-17T13:41:59.535" v="1158" actId="164"/>
+          <ac:spMkLst>
+            <pc:docMk/>
+            <pc:sldMk cId="1556732261" sldId="270"/>
+            <ac:spMk id="30" creationId="{E4086D93-07F7-14CE-1B76-052F48FF4110}"/>
+          </ac:spMkLst>
+        </pc:spChg>
+        <pc:spChg chg="add mod">
+          <ac:chgData name="TRAN HAI NAM" userId="6c1f28dc-db6e-4580-abf3-52cd9ef0a471" providerId="ADAL" clId="{E72C2616-19FF-4BC3-A579-E784D2E7E443}" dt="2024-02-17T13:32:14.241" v="1097"/>
+          <ac:spMkLst>
+            <pc:docMk/>
+            <pc:sldMk cId="1556732261" sldId="270"/>
+            <ac:spMk id="31" creationId="{9370456B-907C-1E18-EFE2-B8FC7E274AF5}"/>
+          </ac:spMkLst>
+        </pc:spChg>
+        <pc:spChg chg="add mod">
+          <ac:chgData name="TRAN HAI NAM" userId="6c1f28dc-db6e-4580-abf3-52cd9ef0a471" providerId="ADAL" clId="{E72C2616-19FF-4BC3-A579-E784D2E7E443}" dt="2024-02-17T13:32:14.241" v="1097"/>
+          <ac:spMkLst>
+            <pc:docMk/>
+            <pc:sldMk cId="1556732261" sldId="270"/>
+            <ac:spMk id="32" creationId="{23775BA5-799D-5A72-95FC-F50DCAE1740D}"/>
+          </ac:spMkLst>
+        </pc:spChg>
+        <pc:spChg chg="add mod">
+          <ac:chgData name="TRAN HAI NAM" userId="6c1f28dc-db6e-4580-abf3-52cd9ef0a471" providerId="ADAL" clId="{E72C2616-19FF-4BC3-A579-E784D2E7E443}" dt="2024-02-17T13:32:14.241" v="1097"/>
+          <ac:spMkLst>
+            <pc:docMk/>
+            <pc:sldMk cId="1556732261" sldId="270"/>
+            <ac:spMk id="33" creationId="{AFC41252-BE45-259A-D72B-B2D7437030E7}"/>
+          </ac:spMkLst>
+        </pc:spChg>
+        <pc:spChg chg="add mod">
+          <ac:chgData name="TRAN HAI NAM" userId="6c1f28dc-db6e-4580-abf3-52cd9ef0a471" providerId="ADAL" clId="{E72C2616-19FF-4BC3-A579-E784D2E7E443}" dt="2024-02-17T13:41:59.535" v="1158" actId="164"/>
+          <ac:spMkLst>
+            <pc:docMk/>
+            <pc:sldMk cId="1556732261" sldId="270"/>
+            <ac:spMk id="34" creationId="{09AEAF6E-266A-D320-39CF-9A4192A14032}"/>
+          </ac:spMkLst>
+        </pc:spChg>
+        <pc:spChg chg="add mod">
+          <ac:chgData name="TRAN HAI NAM" userId="6c1f28dc-db6e-4580-abf3-52cd9ef0a471" providerId="ADAL" clId="{E72C2616-19FF-4BC3-A579-E784D2E7E443}" dt="2024-02-17T13:41:59.535" v="1158" actId="164"/>
+          <ac:spMkLst>
+            <pc:docMk/>
+            <pc:sldMk cId="1556732261" sldId="270"/>
+            <ac:spMk id="35" creationId="{326498EA-3C21-C40B-C9FC-02703C0CB9C6}"/>
+          </ac:spMkLst>
+        </pc:spChg>
+        <pc:spChg chg="add mod">
+          <ac:chgData name="TRAN HAI NAM" userId="6c1f28dc-db6e-4580-abf3-52cd9ef0a471" providerId="ADAL" clId="{E72C2616-19FF-4BC3-A579-E784D2E7E443}" dt="2024-02-17T13:41:59.535" v="1158" actId="164"/>
+          <ac:spMkLst>
+            <pc:docMk/>
+            <pc:sldMk cId="1556732261" sldId="270"/>
+            <ac:spMk id="36" creationId="{AC636069-3E53-AF62-6707-56B5EC3B3D5B}"/>
+          </ac:spMkLst>
+        </pc:spChg>
+        <pc:spChg chg="add del mod">
+          <ac:chgData name="TRAN HAI NAM" userId="6c1f28dc-db6e-4580-abf3-52cd9ef0a471" providerId="ADAL" clId="{E72C2616-19FF-4BC3-A579-E784D2E7E443}" dt="2024-02-17T13:37:09.056" v="1132" actId="478"/>
+          <ac:spMkLst>
+            <pc:docMk/>
+            <pc:sldMk cId="1556732261" sldId="270"/>
+            <ac:spMk id="37" creationId="{C8D47A18-EDE3-0440-84DA-565129A7A615}"/>
+          </ac:spMkLst>
+        </pc:spChg>
+        <pc:spChg chg="add del mod">
+          <ac:chgData name="TRAN HAI NAM" userId="6c1f28dc-db6e-4580-abf3-52cd9ef0a471" providerId="ADAL" clId="{E72C2616-19FF-4BC3-A579-E784D2E7E443}" dt="2024-02-17T13:43:32.331" v="1162"/>
+          <ac:spMkLst>
+            <pc:docMk/>
+            <pc:sldMk cId="1556732261" sldId="270"/>
+            <ac:spMk id="39" creationId="{F1DFBF1F-2B23-F442-A292-16B5AE1A69F6}"/>
+          </ac:spMkLst>
+        </pc:spChg>
+        <pc:spChg chg="add mod">
+          <ac:chgData name="TRAN HAI NAM" userId="6c1f28dc-db6e-4580-abf3-52cd9ef0a471" providerId="ADAL" clId="{E72C2616-19FF-4BC3-A579-E784D2E7E443}" dt="2024-02-17T13:43:49.932" v="1173" actId="20577"/>
+          <ac:spMkLst>
+            <pc:docMk/>
+            <pc:sldMk cId="1556732261" sldId="270"/>
+            <ac:spMk id="40" creationId="{E5C70A72-A8D5-0665-17C4-FB0D3E2ED1E9}"/>
+          </ac:spMkLst>
+        </pc:spChg>
+        <pc:grpChg chg="add mod">
+          <ac:chgData name="TRAN HAI NAM" userId="6c1f28dc-db6e-4580-abf3-52cd9ef0a471" providerId="ADAL" clId="{E72C2616-19FF-4BC3-A579-E784D2E7E443}" dt="2024-02-17T13:42:04.709" v="1159" actId="1076"/>
+          <ac:grpSpMkLst>
+            <pc:docMk/>
+            <pc:sldMk cId="1556732261" sldId="270"/>
+            <ac:grpSpMk id="38" creationId="{EBFCA216-3E87-8899-31F9-2A1044A71878}"/>
+          </ac:grpSpMkLst>
+        </pc:grpChg>
+        <pc:picChg chg="del">
+          <ac:chgData name="TRAN HAI NAM" userId="6c1f28dc-db6e-4580-abf3-52cd9ef0a471" providerId="ADAL" clId="{E72C2616-19FF-4BC3-A579-E784D2E7E443}" dt="2024-02-17T08:10:33.028" v="564" actId="478"/>
+          <ac:picMkLst>
+            <pc:docMk/>
+            <pc:sldMk cId="1556732261" sldId="270"/>
+            <ac:picMk id="2058" creationId="{2EEAF36B-2A27-90A2-4C7B-D69A2F27059F}"/>
+          </ac:picMkLst>
+        </pc:picChg>
+        <pc:cxnChg chg="add del mod">
+          <ac:chgData name="TRAN HAI NAM" userId="6c1f28dc-db6e-4580-abf3-52cd9ef0a471" providerId="ADAL" clId="{E72C2616-19FF-4BC3-A579-E784D2E7E443}" dt="2024-02-17T13:19:26.667" v="871" actId="478"/>
+          <ac:cxnSpMkLst>
+            <pc:docMk/>
+            <pc:sldMk cId="1556732261" sldId="270"/>
+            <ac:cxnSpMk id="17" creationId="{D4942C34-A4C3-B164-0706-B017D865FFBD}"/>
+          </ac:cxnSpMkLst>
+        </pc:cxnChg>
+      </pc:sldChg>
+      <pc:sldChg chg="add del">
+        <pc:chgData name="TRAN HAI NAM" userId="6c1f28dc-db6e-4580-abf3-52cd9ef0a471" providerId="ADAL" clId="{E72C2616-19FF-4BC3-A579-E784D2E7E443}" dt="2024-02-17T07:53:17.391" v="556" actId="47"/>
+        <pc:sldMkLst>
+          <pc:docMk/>
+          <pc:sldMk cId="2809531987" sldId="270"/>
+        </pc:sldMkLst>
+      </pc:sldChg>
+      <pc:sldChg chg="new del">
+        <pc:chgData name="TRAN HAI NAM" userId="6c1f28dc-db6e-4580-abf3-52cd9ef0a471" providerId="ADAL" clId="{E72C2616-19FF-4BC3-A579-E784D2E7E443}" dt="2024-02-17T07:53:22.612" v="558" actId="47"/>
+        <pc:sldMkLst>
+          <pc:docMk/>
+          <pc:sldMk cId="2947196210" sldId="270"/>
+        </pc:sldMkLst>
+      </pc:sldChg>
+      <pc:sldChg chg="new del">
+        <pc:chgData name="TRAN HAI NAM" userId="6c1f28dc-db6e-4580-abf3-52cd9ef0a471" providerId="ADAL" clId="{E72C2616-19FF-4BC3-A579-E784D2E7E443}" dt="2024-02-17T13:45:03.944" v="1175" actId="47"/>
+        <pc:sldMkLst>
+          <pc:docMk/>
+          <pc:sldMk cId="1350730776" sldId="271"/>
+        </pc:sldMkLst>
+      </pc:sldChg>
+      <pc:sldChg chg="addSp delSp modSp add mod">
+        <pc:chgData name="TRAN HAI NAM" userId="6c1f28dc-db6e-4580-abf3-52cd9ef0a471" providerId="ADAL" clId="{E72C2616-19FF-4BC3-A579-E784D2E7E443}" dt="2024-02-17T14:06:56.435" v="1904" actId="1076"/>
+        <pc:sldMkLst>
+          <pc:docMk/>
+          <pc:sldMk cId="1474147711" sldId="271"/>
+        </pc:sldMkLst>
+        <pc:spChg chg="add mod">
+          <ac:chgData name="TRAN HAI NAM" userId="6c1f28dc-db6e-4580-abf3-52cd9ef0a471" providerId="ADAL" clId="{E72C2616-19FF-4BC3-A579-E784D2E7E443}" dt="2024-02-17T13:59:58.617" v="1657" actId="20577"/>
+          <ac:spMkLst>
+            <pc:docMk/>
+            <pc:sldMk cId="1474147711" sldId="271"/>
+            <ac:spMk id="2" creationId="{3A73BDD1-602D-2E0E-5CB1-9D7D3C8DC923}"/>
+          </ac:spMkLst>
+        </pc:spChg>
+        <pc:spChg chg="add mod">
+          <ac:chgData name="TRAN HAI NAM" userId="6c1f28dc-db6e-4580-abf3-52cd9ef0a471" providerId="ADAL" clId="{E72C2616-19FF-4BC3-A579-E784D2E7E443}" dt="2024-02-17T13:51:45.111" v="1247" actId="13822"/>
+          <ac:spMkLst>
+            <pc:docMk/>
+            <pc:sldMk cId="1474147711" sldId="271"/>
+            <ac:spMk id="3" creationId="{2F31EAAD-9126-EE4F-A3B9-8F02FCD573C2}"/>
+          </ac:spMkLst>
+        </pc:spChg>
+        <pc:spChg chg="add mod">
+          <ac:chgData name="TRAN HAI NAM" userId="6c1f28dc-db6e-4580-abf3-52cd9ef0a471" providerId="ADAL" clId="{E72C2616-19FF-4BC3-A579-E784D2E7E443}" dt="2024-02-17T13:58:26.665" v="1593" actId="20577"/>
+          <ac:spMkLst>
+            <pc:docMk/>
+            <pc:sldMk cId="1474147711" sldId="271"/>
+            <ac:spMk id="4" creationId="{D33F30B5-0484-D8EA-8831-E9B495954AFB}"/>
+          </ac:spMkLst>
+        </pc:spChg>
+        <pc:spChg chg="add mod">
+          <ac:chgData name="TRAN HAI NAM" userId="6c1f28dc-db6e-4580-abf3-52cd9ef0a471" providerId="ADAL" clId="{E72C2616-19FF-4BC3-A579-E784D2E7E443}" dt="2024-02-17T14:06:29.779" v="1875" actId="1076"/>
+          <ac:spMkLst>
+            <pc:docMk/>
+            <pc:sldMk cId="1474147711" sldId="271"/>
+            <ac:spMk id="5" creationId="{C4713468-1C01-345E-6958-B840C2FAA897}"/>
+          </ac:spMkLst>
+        </pc:spChg>
+        <pc:spChg chg="add mod">
+          <ac:chgData name="TRAN HAI NAM" userId="6c1f28dc-db6e-4580-abf3-52cd9ef0a471" providerId="ADAL" clId="{E72C2616-19FF-4BC3-A579-E784D2E7E443}" dt="2024-02-17T14:03:29.819" v="1835" actId="120"/>
+          <ac:spMkLst>
+            <pc:docMk/>
+            <pc:sldMk cId="1474147711" sldId="271"/>
+            <ac:spMk id="6" creationId="{96B8FB6C-BA6A-85B0-AC12-164F070441CF}"/>
+          </ac:spMkLst>
+        </pc:spChg>
+        <pc:spChg chg="mod">
+          <ac:chgData name="TRAN HAI NAM" userId="6c1f28dc-db6e-4580-abf3-52cd9ef0a471" providerId="ADAL" clId="{E72C2616-19FF-4BC3-A579-E784D2E7E443}" dt="2024-02-17T13:46:34.388" v="1236" actId="20577"/>
+          <ac:spMkLst>
+            <pc:docMk/>
+            <pc:sldMk cId="1474147711" sldId="271"/>
+            <ac:spMk id="7" creationId="{33DA5212-A0E4-F59D-7D9E-CAC3BAF1CA66}"/>
+          </ac:spMkLst>
+        </pc:spChg>
+        <pc:spChg chg="add mod">
+          <ac:chgData name="TRAN HAI NAM" userId="6c1f28dc-db6e-4580-abf3-52cd9ef0a471" providerId="ADAL" clId="{E72C2616-19FF-4BC3-A579-E784D2E7E443}" dt="2024-02-17T13:52:20.482" v="1255" actId="13822"/>
+          <ac:spMkLst>
+            <pc:docMk/>
+            <pc:sldMk cId="1474147711" sldId="271"/>
+            <ac:spMk id="12" creationId="{5ED59AD8-A7AF-4405-A40B-CA2F91807171}"/>
+          </ac:spMkLst>
+        </pc:spChg>
+        <pc:spChg chg="add mod">
+          <ac:chgData name="TRAN HAI NAM" userId="6c1f28dc-db6e-4580-abf3-52cd9ef0a471" providerId="ADAL" clId="{E72C2616-19FF-4BC3-A579-E784D2E7E443}" dt="2024-02-17T13:52:20.482" v="1255" actId="13822"/>
+          <ac:spMkLst>
+            <pc:docMk/>
+            <pc:sldMk cId="1474147711" sldId="271"/>
+            <ac:spMk id="13" creationId="{CD0B001B-27D8-6977-F995-CAF6941738C8}"/>
+          </ac:spMkLst>
+        </pc:spChg>
+        <pc:spChg chg="add mod">
+          <ac:chgData name="TRAN HAI NAM" userId="6c1f28dc-db6e-4580-abf3-52cd9ef0a471" providerId="ADAL" clId="{E72C2616-19FF-4BC3-A579-E784D2E7E443}" dt="2024-02-17T13:54:48.188" v="1352" actId="20577"/>
+          <ac:spMkLst>
+            <pc:docMk/>
+            <pc:sldMk cId="1474147711" sldId="271"/>
+            <ac:spMk id="15" creationId="{686CB7CA-195F-B591-7C09-2C849FC0135D}"/>
+          </ac:spMkLst>
+        </pc:spChg>
+        <pc:spChg chg="add mod">
+          <ac:chgData name="TRAN HAI NAM" userId="6c1f28dc-db6e-4580-abf3-52cd9ef0a471" providerId="ADAL" clId="{E72C2616-19FF-4BC3-A579-E784D2E7E443}" dt="2024-02-17T14:00:08.884" v="1658" actId="207"/>
+          <ac:spMkLst>
+            <pc:docMk/>
+            <pc:sldMk cId="1474147711" sldId="271"/>
+            <ac:spMk id="16" creationId="{508F8EFF-0B5C-D20B-F581-F7CFACDACE92}"/>
+          </ac:spMkLst>
+        </pc:spChg>
+        <pc:spChg chg="add mod">
+          <ac:chgData name="TRAN HAI NAM" userId="6c1f28dc-db6e-4580-abf3-52cd9ef0a471" providerId="ADAL" clId="{E72C2616-19FF-4BC3-A579-E784D2E7E443}" dt="2024-02-17T14:00:08.884" v="1658" actId="207"/>
+          <ac:spMkLst>
+            <pc:docMk/>
+            <pc:sldMk cId="1474147711" sldId="271"/>
+            <ac:spMk id="17" creationId="{404FBF9F-F02C-D529-346C-2BC8F68E263B}"/>
+          </ac:spMkLst>
+        </pc:spChg>
+        <pc:spChg chg="mod">
+          <ac:chgData name="TRAN HAI NAM" userId="6c1f28dc-db6e-4580-abf3-52cd9ef0a471" providerId="ADAL" clId="{E72C2616-19FF-4BC3-A579-E784D2E7E443}" dt="2024-02-17T13:48:08.907" v="1240" actId="1076"/>
+          <ac:spMkLst>
+            <pc:docMk/>
+            <pc:sldMk cId="1474147711" sldId="271"/>
+            <ac:spMk id="40" creationId="{6E25CE27-DA94-DAF4-8288-0431339ED4FD}"/>
+          </ac:spMkLst>
+        </pc:spChg>
+        <pc:spChg chg="add mod">
+          <ac:chgData name="TRAN HAI NAM" userId="6c1f28dc-db6e-4580-abf3-52cd9ef0a471" providerId="ADAL" clId="{E72C2616-19FF-4BC3-A579-E784D2E7E443}" dt="2024-02-17T14:06:56.435" v="1904" actId="1076"/>
+          <ac:spMkLst>
+            <pc:docMk/>
+            <pc:sldMk cId="1474147711" sldId="271"/>
+            <ac:spMk id="64" creationId="{F9298006-F42E-DFBC-7E0F-0521C4E41255}"/>
+          </ac:spMkLst>
+        </pc:spChg>
+        <pc:grpChg chg="del">
+          <ac:chgData name="TRAN HAI NAM" userId="6c1f28dc-db6e-4580-abf3-52cd9ef0a471" providerId="ADAL" clId="{E72C2616-19FF-4BC3-A579-E784D2E7E443}" dt="2024-02-17T13:47:41.384" v="1237" actId="478"/>
+          <ac:grpSpMkLst>
+            <pc:docMk/>
+            <pc:sldMk cId="1474147711" sldId="271"/>
+            <ac:grpSpMk id="38" creationId="{ADE8187F-36E2-9BB1-BF61-161054C0EED9}"/>
+          </ac:grpSpMkLst>
+        </pc:grpChg>
+        <pc:cxnChg chg="add del">
+          <ac:chgData name="TRAN HAI NAM" userId="6c1f28dc-db6e-4580-abf3-52cd9ef0a471" providerId="ADAL" clId="{E72C2616-19FF-4BC3-A579-E784D2E7E443}" dt="2024-02-17T14:03:36.728" v="1837" actId="11529"/>
+          <ac:cxnSpMkLst>
+            <pc:docMk/>
+            <pc:sldMk cId="1474147711" sldId="271"/>
+            <ac:cxnSpMk id="31" creationId="{61E926BB-F93C-A5D4-A07B-F468A20BBE76}"/>
+          </ac:cxnSpMkLst>
+        </pc:cxnChg>
+        <pc:cxnChg chg="add del mod">
+          <ac:chgData name="TRAN HAI NAM" userId="6c1f28dc-db6e-4580-abf3-52cd9ef0a471" providerId="ADAL" clId="{E72C2616-19FF-4BC3-A579-E784D2E7E443}" dt="2024-02-17T14:04:46.347" v="1850" actId="478"/>
+          <ac:cxnSpMkLst>
+            <pc:docMk/>
+            <pc:sldMk cId="1474147711" sldId="271"/>
+            <ac:cxnSpMk id="33" creationId="{85DBA2D4-A956-6F09-8A97-5DEFCF2B55FE}"/>
+          </ac:cxnSpMkLst>
+        </pc:cxnChg>
+        <pc:cxnChg chg="add del mod">
+          <ac:chgData name="TRAN HAI NAM" userId="6c1f28dc-db6e-4580-abf3-52cd9ef0a471" providerId="ADAL" clId="{E72C2616-19FF-4BC3-A579-E784D2E7E443}" dt="2024-02-17T14:04:47.336" v="1851" actId="478"/>
+          <ac:cxnSpMkLst>
+            <pc:docMk/>
+            <pc:sldMk cId="1474147711" sldId="271"/>
+            <ac:cxnSpMk id="39" creationId="{53287DB3-4B8A-83B7-DD49-BDAB7E158664}"/>
+          </ac:cxnSpMkLst>
+        </pc:cxnChg>
+        <pc:cxnChg chg="add del mod">
+          <ac:chgData name="TRAN HAI NAM" userId="6c1f28dc-db6e-4580-abf3-52cd9ef0a471" providerId="ADAL" clId="{E72C2616-19FF-4BC3-A579-E784D2E7E443}" dt="2024-02-17T14:04:48.534" v="1852" actId="478"/>
+          <ac:cxnSpMkLst>
+            <pc:docMk/>
+            <pc:sldMk cId="1474147711" sldId="271"/>
+            <ac:cxnSpMk id="42" creationId="{20B32769-6D28-BC0B-8215-95B1D5F65340}"/>
+          </ac:cxnSpMkLst>
+        </pc:cxnChg>
+        <pc:cxnChg chg="add del mod">
+          <ac:chgData name="TRAN HAI NAM" userId="6c1f28dc-db6e-4580-abf3-52cd9ef0a471" providerId="ADAL" clId="{E72C2616-19FF-4BC3-A579-E784D2E7E443}" dt="2024-02-17T14:04:49.529" v="1853" actId="478"/>
+          <ac:cxnSpMkLst>
+            <pc:docMk/>
+            <pc:sldMk cId="1474147711" sldId="271"/>
+            <ac:cxnSpMk id="44" creationId="{9F62CF56-B6C7-4222-F0C7-B19881F980EE}"/>
+          </ac:cxnSpMkLst>
+        </pc:cxnChg>
+        <pc:cxnChg chg="add del">
+          <ac:chgData name="TRAN HAI NAM" userId="6c1f28dc-db6e-4580-abf3-52cd9ef0a471" providerId="ADAL" clId="{E72C2616-19FF-4BC3-A579-E784D2E7E443}" dt="2024-02-17T14:04:50.419" v="1854" actId="478"/>
+          <ac:cxnSpMkLst>
+            <pc:docMk/>
+            <pc:sldMk cId="1474147711" sldId="271"/>
+            <ac:cxnSpMk id="46" creationId="{BD8DAD30-7F79-12C4-E31D-C9C4E481B29C}"/>
+          </ac:cxnSpMkLst>
+        </pc:cxnChg>
+        <pc:cxnChg chg="add mod">
+          <ac:chgData name="TRAN HAI NAM" userId="6c1f28dc-db6e-4580-abf3-52cd9ef0a471" providerId="ADAL" clId="{E72C2616-19FF-4BC3-A579-E784D2E7E443}" dt="2024-02-17T14:05:00.309" v="1856" actId="13822"/>
+          <ac:cxnSpMkLst>
+            <pc:docMk/>
+            <pc:sldMk cId="1474147711" sldId="271"/>
+            <ac:cxnSpMk id="48" creationId="{D24B6478-E743-838A-6D15-EEB06EBDAADD}"/>
+          </ac:cxnSpMkLst>
+        </pc:cxnChg>
+        <pc:cxnChg chg="add mod">
+          <ac:chgData name="TRAN HAI NAM" userId="6c1f28dc-db6e-4580-abf3-52cd9ef0a471" providerId="ADAL" clId="{E72C2616-19FF-4BC3-A579-E784D2E7E443}" dt="2024-02-17T14:05:58.803" v="1872" actId="14100"/>
+          <ac:cxnSpMkLst>
+            <pc:docMk/>
+            <pc:sldMk cId="1474147711" sldId="271"/>
+            <ac:cxnSpMk id="50" creationId="{D4D30DFD-F225-0B81-C4C6-946B6D0806C0}"/>
+          </ac:cxnSpMkLst>
+        </pc:cxnChg>
+        <pc:cxnChg chg="add mod">
+          <ac:chgData name="TRAN HAI NAM" userId="6c1f28dc-db6e-4580-abf3-52cd9ef0a471" providerId="ADAL" clId="{E72C2616-19FF-4BC3-A579-E784D2E7E443}" dt="2024-02-17T14:05:21.057" v="1860" actId="13822"/>
+          <ac:cxnSpMkLst>
+            <pc:docMk/>
+            <pc:sldMk cId="1474147711" sldId="271"/>
+            <ac:cxnSpMk id="52" creationId="{209E44B9-8ED8-DBA4-B817-0CBE54320A4A}"/>
+          </ac:cxnSpMkLst>
+        </pc:cxnChg>
+        <pc:cxnChg chg="add mod">
+          <ac:chgData name="TRAN HAI NAM" userId="6c1f28dc-db6e-4580-abf3-52cd9ef0a471" providerId="ADAL" clId="{E72C2616-19FF-4BC3-A579-E784D2E7E443}" dt="2024-02-17T14:05:30.057" v="1862" actId="13822"/>
+          <ac:cxnSpMkLst>
+            <pc:docMk/>
+            <pc:sldMk cId="1474147711" sldId="271"/>
+            <ac:cxnSpMk id="54" creationId="{6C119036-AB46-1F8F-842A-956A084FA604}"/>
+          </ac:cxnSpMkLst>
+        </pc:cxnChg>
+        <pc:cxnChg chg="add mod">
+          <ac:chgData name="TRAN HAI NAM" userId="6c1f28dc-db6e-4580-abf3-52cd9ef0a471" providerId="ADAL" clId="{E72C2616-19FF-4BC3-A579-E784D2E7E443}" dt="2024-02-17T14:06:01.339" v="1873" actId="14100"/>
+          <ac:cxnSpMkLst>
+            <pc:docMk/>
+            <pc:sldMk cId="1474147711" sldId="271"/>
+            <ac:cxnSpMk id="56" creationId="{631133B0-F521-AEEE-A7E0-A8C167DFCE0C}"/>
+          </ac:cxnSpMkLst>
+        </pc:cxnChg>
+        <pc:cxnChg chg="add del">
+          <ac:chgData name="TRAN HAI NAM" userId="6c1f28dc-db6e-4580-abf3-52cd9ef0a471" providerId="ADAL" clId="{E72C2616-19FF-4BC3-A579-E784D2E7E443}" dt="2024-02-17T14:05:41.386" v="1865" actId="11529"/>
+          <ac:cxnSpMkLst>
+            <pc:docMk/>
+            <pc:sldMk cId="1474147711" sldId="271"/>
+            <ac:cxnSpMk id="58" creationId="{6BCEB96B-A795-366D-4293-900CEC7F509E}"/>
+          </ac:cxnSpMkLst>
+        </pc:cxnChg>
+        <pc:cxnChg chg="add mod">
+          <ac:chgData name="TRAN HAI NAM" userId="6c1f28dc-db6e-4580-abf3-52cd9ef0a471" providerId="ADAL" clId="{E72C2616-19FF-4BC3-A579-E784D2E7E443}" dt="2024-02-17T14:05:48.829" v="1868" actId="13822"/>
+          <ac:cxnSpMkLst>
+            <pc:docMk/>
+            <pc:sldMk cId="1474147711" sldId="271"/>
+            <ac:cxnSpMk id="60" creationId="{4C4E1D0F-8DE3-BC3F-E9F0-0E693900F3E0}"/>
+          </ac:cxnSpMkLst>
+        </pc:cxnChg>
+      </pc:sldChg>
+      <pc:sldChg chg="add del setBg">
+        <pc:chgData name="TRAN HAI NAM" userId="6c1f28dc-db6e-4580-abf3-52cd9ef0a471" providerId="ADAL" clId="{E72C2616-19FF-4BC3-A579-E784D2E7E443}" dt="2024-02-17T07:51:05.129" v="518" actId="47"/>
+        <pc:sldMkLst>
+          <pc:docMk/>
+          <pc:sldMk cId="3454129680" sldId="271"/>
+        </pc:sldMkLst>
+      </pc:sldChg>
+      <pc:sldChg chg="addSp delSp modSp add mod">
+        <pc:chgData name="TRAN HAI NAM" userId="6c1f28dc-db6e-4580-abf3-52cd9ef0a471" providerId="ADAL" clId="{E72C2616-19FF-4BC3-A579-E784D2E7E443}" dt="2024-02-17T14:14:06.172" v="1953" actId="1076"/>
+        <pc:sldMkLst>
+          <pc:docMk/>
+          <pc:sldMk cId="633986513" sldId="272"/>
+        </pc:sldMkLst>
+        <pc:spChg chg="del">
+          <ac:chgData name="TRAN HAI NAM" userId="6c1f28dc-db6e-4580-abf3-52cd9ef0a471" providerId="ADAL" clId="{E72C2616-19FF-4BC3-A579-E784D2E7E443}" dt="2024-02-17T14:08:44.738" v="1909" actId="478"/>
+          <ac:spMkLst>
+            <pc:docMk/>
+            <pc:sldMk cId="633986513" sldId="272"/>
+            <ac:spMk id="2" creationId="{C09214F7-0F5E-D507-3A84-CFA8C8DC30D6}"/>
+          </ac:spMkLst>
+        </pc:spChg>
+        <pc:spChg chg="del">
+          <ac:chgData name="TRAN HAI NAM" userId="6c1f28dc-db6e-4580-abf3-52cd9ef0a471" providerId="ADAL" clId="{E72C2616-19FF-4BC3-A579-E784D2E7E443}" dt="2024-02-17T14:08:40.282" v="1906" actId="478"/>
+          <ac:spMkLst>
+            <pc:docMk/>
+            <pc:sldMk cId="633986513" sldId="272"/>
+            <ac:spMk id="3" creationId="{F05D6B23-AEB1-7992-DA28-3DA4AAD43681}"/>
+          </ac:spMkLst>
+        </pc:spChg>
+        <pc:spChg chg="del">
+          <ac:chgData name="TRAN HAI NAM" userId="6c1f28dc-db6e-4580-abf3-52cd9ef0a471" providerId="ADAL" clId="{E72C2616-19FF-4BC3-A579-E784D2E7E443}" dt="2024-02-17T14:08:41.469" v="1907" actId="478"/>
+          <ac:spMkLst>
+            <pc:docMk/>
+            <pc:sldMk cId="633986513" sldId="272"/>
+            <ac:spMk id="4" creationId="{E9F40E9D-7D4E-6A43-A1BC-8C3E61809379}"/>
+          </ac:spMkLst>
+        </pc:spChg>
+        <pc:spChg chg="del">
+          <ac:chgData name="TRAN HAI NAM" userId="6c1f28dc-db6e-4580-abf3-52cd9ef0a471" providerId="ADAL" clId="{E72C2616-19FF-4BC3-A579-E784D2E7E443}" dt="2024-02-17T14:08:44.738" v="1909" actId="478"/>
+          <ac:spMkLst>
+            <pc:docMk/>
+            <pc:sldMk cId="633986513" sldId="272"/>
+            <ac:spMk id="5" creationId="{AFF07167-03AB-90D8-59D1-344F9DF54F98}"/>
+          </ac:spMkLst>
+        </pc:spChg>
+        <pc:spChg chg="del">
+          <ac:chgData name="TRAN HAI NAM" userId="6c1f28dc-db6e-4580-abf3-52cd9ef0a471" providerId="ADAL" clId="{E72C2616-19FF-4BC3-A579-E784D2E7E443}" dt="2024-02-17T14:08:44.738" v="1909" actId="478"/>
+          <ac:spMkLst>
+            <pc:docMk/>
+            <pc:sldMk cId="633986513" sldId="272"/>
+            <ac:spMk id="6" creationId="{0724ACCC-5C6E-3C12-A69F-C0857B9B5795}"/>
+          </ac:spMkLst>
+        </pc:spChg>
+        <pc:spChg chg="del">
+          <ac:chgData name="TRAN HAI NAM" userId="6c1f28dc-db6e-4580-abf3-52cd9ef0a471" providerId="ADAL" clId="{E72C2616-19FF-4BC3-A579-E784D2E7E443}" dt="2024-02-17T14:08:44.738" v="1909" actId="478"/>
+          <ac:spMkLst>
+            <pc:docMk/>
+            <pc:sldMk cId="633986513" sldId="272"/>
+            <ac:spMk id="9" creationId="{86F9CC01-08BD-963A-06B4-058712F70FFC}"/>
+          </ac:spMkLst>
+        </pc:spChg>
+        <pc:spChg chg="del">
+          <ac:chgData name="TRAN HAI NAM" userId="6c1f28dc-db6e-4580-abf3-52cd9ef0a471" providerId="ADAL" clId="{E72C2616-19FF-4BC3-A579-E784D2E7E443}" dt="2024-02-17T14:08:44.738" v="1909" actId="478"/>
+          <ac:spMkLst>
+            <pc:docMk/>
+            <pc:sldMk cId="633986513" sldId="272"/>
+            <ac:spMk id="12" creationId="{F3C9CF6F-76FF-316E-9B81-1962E7FD45BB}"/>
+          </ac:spMkLst>
+        </pc:spChg>
+        <pc:spChg chg="del">
+          <ac:chgData name="TRAN HAI NAM" userId="6c1f28dc-db6e-4580-abf3-52cd9ef0a471" providerId="ADAL" clId="{E72C2616-19FF-4BC3-A579-E784D2E7E443}" dt="2024-02-17T14:08:44.738" v="1909" actId="478"/>
+          <ac:spMkLst>
+            <pc:docMk/>
+            <pc:sldMk cId="633986513" sldId="272"/>
+            <ac:spMk id="13" creationId="{54C73687-6FE9-7206-BEBC-B478B3A5F649}"/>
+          </ac:spMkLst>
+        </pc:spChg>
+        <pc:spChg chg="del">
+          <ac:chgData name="TRAN HAI NAM" userId="6c1f28dc-db6e-4580-abf3-52cd9ef0a471" providerId="ADAL" clId="{E72C2616-19FF-4BC3-A579-E784D2E7E443}" dt="2024-02-17T14:08:42.363" v="1908" actId="478"/>
+          <ac:spMkLst>
+            <pc:docMk/>
+            <pc:sldMk cId="633986513" sldId="272"/>
+            <ac:spMk id="15" creationId="{00255F8C-52F5-2F2D-E8F3-13B79760D9F8}"/>
+          </ac:spMkLst>
+        </pc:spChg>
+        <pc:spChg chg="del">
+          <ac:chgData name="TRAN HAI NAM" userId="6c1f28dc-db6e-4580-abf3-52cd9ef0a471" providerId="ADAL" clId="{E72C2616-19FF-4BC3-A579-E784D2E7E443}" dt="2024-02-17T14:08:44.738" v="1909" actId="478"/>
+          <ac:spMkLst>
+            <pc:docMk/>
+            <pc:sldMk cId="633986513" sldId="272"/>
+            <ac:spMk id="16" creationId="{6187F594-57D4-59AF-D8B5-E41276C3EF9C}"/>
+          </ac:spMkLst>
+        </pc:spChg>
+        <pc:spChg chg="del">
+          <ac:chgData name="TRAN HAI NAM" userId="6c1f28dc-db6e-4580-abf3-52cd9ef0a471" providerId="ADAL" clId="{E72C2616-19FF-4BC3-A579-E784D2E7E443}" dt="2024-02-17T14:08:44.738" v="1909" actId="478"/>
+          <ac:spMkLst>
+            <pc:docMk/>
+            <pc:sldMk cId="633986513" sldId="272"/>
+            <ac:spMk id="17" creationId="{23CD7ECD-2ED0-B7DA-0BD2-8630C0BD9AB4}"/>
+          </ac:spMkLst>
+        </pc:spChg>
+        <pc:spChg chg="mod">
+          <ac:chgData name="TRAN HAI NAM" userId="6c1f28dc-db6e-4580-abf3-52cd9ef0a471" providerId="ADAL" clId="{E72C2616-19FF-4BC3-A579-E784D2E7E443}" dt="2024-02-17T14:09:48.092" v="1939"/>
+          <ac:spMkLst>
+            <pc:docMk/>
+            <pc:sldMk cId="633986513" sldId="272"/>
+            <ac:spMk id="40" creationId="{2BDEE205-757C-1F18-5B8F-BE9FA81EB417}"/>
+          </ac:spMkLst>
+        </pc:spChg>
+        <pc:spChg chg="del mod">
+          <ac:chgData name="TRAN HAI NAM" userId="6c1f28dc-db6e-4580-abf3-52cd9ef0a471" providerId="ADAL" clId="{E72C2616-19FF-4BC3-A579-E784D2E7E443}" dt="2024-02-17T14:08:49.097" v="1911" actId="478"/>
+          <ac:spMkLst>
+            <pc:docMk/>
+            <pc:sldMk cId="633986513" sldId="272"/>
+            <ac:spMk id="64" creationId="{49E9826A-2203-43E3-C39C-703462493ADB}"/>
+          </ac:spMkLst>
+        </pc:spChg>
+        <pc:picChg chg="add mod">
+          <ac:chgData name="TRAN HAI NAM" userId="6c1f28dc-db6e-4580-abf3-52cd9ef0a471" providerId="ADAL" clId="{E72C2616-19FF-4BC3-A579-E784D2E7E443}" dt="2024-02-17T14:11:25.069" v="1944" actId="14100"/>
+          <ac:picMkLst>
+            <pc:docMk/>
+            <pc:sldMk cId="633986513" sldId="272"/>
+            <ac:picMk id="8" creationId="{83F638B1-57DC-2B99-B61B-EC549215EF80}"/>
+          </ac:picMkLst>
+        </pc:picChg>
+        <pc:picChg chg="add mod">
+          <ac:chgData name="TRAN HAI NAM" userId="6c1f28dc-db6e-4580-abf3-52cd9ef0a471" providerId="ADAL" clId="{E72C2616-19FF-4BC3-A579-E784D2E7E443}" dt="2024-02-17T14:13:58.874" v="1950" actId="1076"/>
+          <ac:picMkLst>
+            <pc:docMk/>
+            <pc:sldMk cId="633986513" sldId="272"/>
+            <ac:picMk id="10" creationId="{1C6B500D-34F1-BC82-AF72-DE58399FC053}"/>
+          </ac:picMkLst>
+        </pc:picChg>
+        <pc:picChg chg="add mod">
+          <ac:chgData name="TRAN HAI NAM" userId="6c1f28dc-db6e-4580-abf3-52cd9ef0a471" providerId="ADAL" clId="{E72C2616-19FF-4BC3-A579-E784D2E7E443}" dt="2024-02-17T14:14:06.172" v="1953" actId="1076"/>
+          <ac:picMkLst>
+            <pc:docMk/>
+            <pc:sldMk cId="633986513" sldId="272"/>
+            <ac:picMk id="14" creationId="{5C8EA4C8-BDE2-705F-45AE-8333B0DDFFA6}"/>
+          </ac:picMkLst>
+        </pc:picChg>
+        <pc:cxnChg chg="del">
+          <ac:chgData name="TRAN HAI NAM" userId="6c1f28dc-db6e-4580-abf3-52cd9ef0a471" providerId="ADAL" clId="{E72C2616-19FF-4BC3-A579-E784D2E7E443}" dt="2024-02-17T14:08:44.738" v="1909" actId="478"/>
+          <ac:cxnSpMkLst>
+            <pc:docMk/>
+            <pc:sldMk cId="633986513" sldId="272"/>
+            <ac:cxnSpMk id="48" creationId="{C23B3CDA-EA92-EF0D-5144-F8ACAAF9F63F}"/>
+          </ac:cxnSpMkLst>
+        </pc:cxnChg>
+        <pc:cxnChg chg="del">
+          <ac:chgData name="TRAN HAI NAM" userId="6c1f28dc-db6e-4580-abf3-52cd9ef0a471" providerId="ADAL" clId="{E72C2616-19FF-4BC3-A579-E784D2E7E443}" dt="2024-02-17T14:08:44.738" v="1909" actId="478"/>
+          <ac:cxnSpMkLst>
+            <pc:docMk/>
+            <pc:sldMk cId="633986513" sldId="272"/>
+            <ac:cxnSpMk id="50" creationId="{9A6C4C8F-7335-EA6E-8E22-57FA7EF34B51}"/>
+          </ac:cxnSpMkLst>
+        </pc:cxnChg>
+        <pc:cxnChg chg="del">
+          <ac:chgData name="TRAN HAI NAM" userId="6c1f28dc-db6e-4580-abf3-52cd9ef0a471" providerId="ADAL" clId="{E72C2616-19FF-4BC3-A579-E784D2E7E443}" dt="2024-02-17T14:08:44.738" v="1909" actId="478"/>
+          <ac:cxnSpMkLst>
+            <pc:docMk/>
+            <pc:sldMk cId="633986513" sldId="272"/>
+            <ac:cxnSpMk id="52" creationId="{E0D6F9C3-6060-087B-8FBB-F1F093C6006F}"/>
+          </ac:cxnSpMkLst>
+        </pc:cxnChg>
+        <pc:cxnChg chg="del">
+          <ac:chgData name="TRAN HAI NAM" userId="6c1f28dc-db6e-4580-abf3-52cd9ef0a471" providerId="ADAL" clId="{E72C2616-19FF-4BC3-A579-E784D2E7E443}" dt="2024-02-17T14:08:44.738" v="1909" actId="478"/>
+          <ac:cxnSpMkLst>
+            <pc:docMk/>
+            <pc:sldMk cId="633986513" sldId="272"/>
+            <ac:cxnSpMk id="54" creationId="{066E0D35-6806-B816-584A-3FBACD97EB76}"/>
+          </ac:cxnSpMkLst>
+        </pc:cxnChg>
+        <pc:cxnChg chg="del">
+          <ac:chgData name="TRAN HAI NAM" userId="6c1f28dc-db6e-4580-abf3-52cd9ef0a471" providerId="ADAL" clId="{E72C2616-19FF-4BC3-A579-E784D2E7E443}" dt="2024-02-17T14:08:44.738" v="1909" actId="478"/>
+          <ac:cxnSpMkLst>
+            <pc:docMk/>
+            <pc:sldMk cId="633986513" sldId="272"/>
+            <ac:cxnSpMk id="56" creationId="{294D53D0-93E3-E294-CDB8-83CF8557B2C1}"/>
+          </ac:cxnSpMkLst>
+        </pc:cxnChg>
+        <pc:cxnChg chg="del">
+          <ac:chgData name="TRAN HAI NAM" userId="6c1f28dc-db6e-4580-abf3-52cd9ef0a471" providerId="ADAL" clId="{E72C2616-19FF-4BC3-A579-E784D2E7E443}" dt="2024-02-17T14:08:44.738" v="1909" actId="478"/>
+          <ac:cxnSpMkLst>
+            <pc:docMk/>
+            <pc:sldMk cId="633986513" sldId="272"/>
+            <ac:cxnSpMk id="60" creationId="{C7544EFF-A5CE-9D35-68CB-4296B326CE7F}"/>
+          </ac:cxnSpMkLst>
+        </pc:cxnChg>
+      </pc:sldChg>
     </pc:docChg>
   </pc:docChgLst>
 </pc:chgInfo>
+</file>
+
+<file path=ppt/notesMasters/notesMaster1.xml><?xml version="1.0" encoding="utf-8"?>
+<p:notesMaster xmlns:a="http://schemas.openxmlformats.org/drawingml/2006/main" xmlns:r="http://schemas.openxmlformats.org/officeDocument/2006/relationships" xmlns:p="http://schemas.openxmlformats.org/presentationml/2006/main">
+  <p:cSld>
+    <p:bg>
+      <p:bgRef idx="1001">
+        <a:schemeClr val="bg1"/>
+      </p:bgRef>
+    </p:bg>
+    <p:spTree>
+      <p:nvGrpSpPr>
+        <p:cNvPr id="1" name=""/>
+        <p:cNvGrpSpPr/>
+        <p:nvPr/>
+      </p:nvGrpSpPr>
+      <p:grpSpPr>
+        <a:xfrm>
+          <a:off x="0" y="0"/>
+          <a:ext cx="0" cy="0"/>
+          <a:chOff x="0" y="0"/>
+          <a:chExt cx="0" cy="0"/>
+        </a:xfrm>
+      </p:grpSpPr>
+      <p:sp>
+        <p:nvSpPr>
+          <p:cNvPr id="2" name="Header Placeholder 1"/>
+          <p:cNvSpPr>
+            <a:spLocks noGrp="1"/>
+          </p:cNvSpPr>
+          <p:nvPr>
+            <p:ph type="hdr" sz="quarter"/>
+          </p:nvPr>
+        </p:nvSpPr>
+        <p:spPr>
+          <a:xfrm>
+            <a:off x="0" y="0"/>
+            <a:ext cx="2971800" cy="458788"/>
+          </a:xfrm>
+          <a:prstGeom prst="rect">
+            <a:avLst/>
+          </a:prstGeom>
+        </p:spPr>
+        <p:txBody>
+          <a:bodyPr vert="horz" lIns="91440" tIns="45720" rIns="91440" bIns="45720" rtlCol="0"/>
+          <a:lstStyle>
+            <a:lvl1pPr algn="l">
+              <a:defRPr sz="1200"/>
+            </a:lvl1pPr>
+          </a:lstStyle>
+          <a:p>
+            <a:endParaRPr lang="vi-VN"/>
+          </a:p>
+        </p:txBody>
+      </p:sp>
+      <p:sp>
+        <p:nvSpPr>
+          <p:cNvPr id="3" name="Date Placeholder 2"/>
+          <p:cNvSpPr>
+            <a:spLocks noGrp="1"/>
+          </p:cNvSpPr>
+          <p:nvPr>
+            <p:ph type="dt" idx="1"/>
+          </p:nvPr>
+        </p:nvSpPr>
+        <p:spPr>
+          <a:xfrm>
+            <a:off x="3884613" y="0"/>
+            <a:ext cx="2971800" cy="458788"/>
+          </a:xfrm>
+          <a:prstGeom prst="rect">
+            <a:avLst/>
+          </a:prstGeom>
+        </p:spPr>
+        <p:txBody>
+          <a:bodyPr vert="horz" lIns="91440" tIns="45720" rIns="91440" bIns="45720" rtlCol="0"/>
+          <a:lstStyle>
+            <a:lvl1pPr algn="r">
+              <a:defRPr sz="1200"/>
+            </a:lvl1pPr>
+          </a:lstStyle>
+          <a:p>
+            <a:fld id="{6C20F5F3-911F-420A-92CA-E446210B822D}" type="datetimeFigureOut">
+              <a:rPr lang="vi-VN" smtClean="0"/>
+              <a:t>17/02/2024</a:t>
+            </a:fld>
+            <a:endParaRPr lang="vi-VN"/>
+          </a:p>
+        </p:txBody>
+      </p:sp>
+      <p:sp>
+        <p:nvSpPr>
+          <p:cNvPr id="4" name="Slide Image Placeholder 3"/>
+          <p:cNvSpPr>
+            <a:spLocks noGrp="1" noRot="1" noChangeAspect="1"/>
+          </p:cNvSpPr>
+          <p:nvPr>
+            <p:ph type="sldImg" idx="2"/>
+          </p:nvPr>
+        </p:nvSpPr>
+        <p:spPr>
+          <a:xfrm>
+            <a:off x="685800" y="1143000"/>
+            <a:ext cx="5486400" cy="3086100"/>
+          </a:xfrm>
+          <a:prstGeom prst="rect">
+            <a:avLst/>
+          </a:prstGeom>
+          <a:noFill/>
+          <a:ln w="12700">
+            <a:solidFill>
+              <a:prstClr val="black"/>
+            </a:solidFill>
+          </a:ln>
+        </p:spPr>
+        <p:txBody>
+          <a:bodyPr vert="horz" lIns="91440" tIns="45720" rIns="91440" bIns="45720" rtlCol="0" anchor="ctr"/>
+          <a:lstStyle/>
+          <a:p>
+            <a:endParaRPr lang="vi-VN"/>
+          </a:p>
+        </p:txBody>
+      </p:sp>
+      <p:sp>
+        <p:nvSpPr>
+          <p:cNvPr id="5" name="Notes Placeholder 4"/>
+          <p:cNvSpPr>
+            <a:spLocks noGrp="1"/>
+          </p:cNvSpPr>
+          <p:nvPr>
+            <p:ph type="body" sz="quarter" idx="3"/>
+          </p:nvPr>
+        </p:nvSpPr>
+        <p:spPr>
+          <a:xfrm>
+            <a:off x="685800" y="4400550"/>
+            <a:ext cx="5486400" cy="3600450"/>
+          </a:xfrm>
+          <a:prstGeom prst="rect">
+            <a:avLst/>
+          </a:prstGeom>
+        </p:spPr>
+        <p:txBody>
+          <a:bodyPr vert="horz" lIns="91440" tIns="45720" rIns="91440" bIns="45720" rtlCol="0"/>
+          <a:lstStyle/>
+          <a:p>
+            <a:pPr lvl="0"/>
+            <a:r>
+              <a:rPr lang="en-US"/>
+              <a:t>Click to edit Master text styles</a:t>
+            </a:r>
+          </a:p>
+          <a:p>
+            <a:pPr lvl="1"/>
+            <a:r>
+              <a:rPr lang="en-US"/>
+              <a:t>Second level</a:t>
+            </a:r>
+          </a:p>
+          <a:p>
+            <a:pPr lvl="2"/>
+            <a:r>
+              <a:rPr lang="en-US"/>
+              <a:t>Third level</a:t>
+            </a:r>
+          </a:p>
+          <a:p>
+            <a:pPr lvl="3"/>
+            <a:r>
+              <a:rPr lang="en-US"/>
+              <a:t>Fourth level</a:t>
+            </a:r>
+          </a:p>
+          <a:p>
+            <a:pPr lvl="4"/>
+            <a:r>
+              <a:rPr lang="en-US"/>
+              <a:t>Fifth level</a:t>
+            </a:r>
+            <a:endParaRPr lang="vi-VN"/>
+          </a:p>
+        </p:txBody>
+      </p:sp>
+      <p:sp>
+        <p:nvSpPr>
+          <p:cNvPr id="6" name="Footer Placeholder 5"/>
+          <p:cNvSpPr>
+            <a:spLocks noGrp="1"/>
+          </p:cNvSpPr>
+          <p:nvPr>
+            <p:ph type="ftr" sz="quarter" idx="4"/>
+          </p:nvPr>
+        </p:nvSpPr>
+        <p:spPr>
+          <a:xfrm>
+            <a:off x="0" y="8685213"/>
+            <a:ext cx="2971800" cy="458787"/>
+          </a:xfrm>
+          <a:prstGeom prst="rect">
+            <a:avLst/>
+          </a:prstGeom>
+        </p:spPr>
+        <p:txBody>
+          <a:bodyPr vert="horz" lIns="91440" tIns="45720" rIns="91440" bIns="45720" rtlCol="0" anchor="b"/>
+          <a:lstStyle>
+            <a:lvl1pPr algn="l">
+              <a:defRPr sz="1200"/>
+            </a:lvl1pPr>
+          </a:lstStyle>
+          <a:p>
+            <a:endParaRPr lang="vi-VN"/>
+          </a:p>
+        </p:txBody>
+      </p:sp>
+      <p:sp>
+        <p:nvSpPr>
+          <p:cNvPr id="7" name="Slide Number Placeholder 6"/>
+          <p:cNvSpPr>
+            <a:spLocks noGrp="1"/>
+          </p:cNvSpPr>
+          <p:nvPr>
+            <p:ph type="sldNum" sz="quarter" idx="5"/>
+          </p:nvPr>
+        </p:nvSpPr>
+        <p:spPr>
+          <a:xfrm>
+            <a:off x="3884613" y="8685213"/>
+            <a:ext cx="2971800" cy="458787"/>
+          </a:xfrm>
+          <a:prstGeom prst="rect">
+            <a:avLst/>
+          </a:prstGeom>
+        </p:spPr>
+        <p:txBody>
+          <a:bodyPr vert="horz" lIns="91440" tIns="45720" rIns="91440" bIns="45720" rtlCol="0" anchor="b"/>
+          <a:lstStyle>
+            <a:lvl1pPr algn="r">
+              <a:defRPr sz="1200"/>
+            </a:lvl1pPr>
+          </a:lstStyle>
+          <a:p>
+            <a:fld id="{35B65A38-7DD4-4288-BEEC-86C2273E8F31}" type="slidenum">
+              <a:rPr lang="vi-VN" smtClean="0"/>
+              <a:t>‹#›</a:t>
+            </a:fld>
+            <a:endParaRPr lang="vi-VN"/>
+          </a:p>
+        </p:txBody>
+      </p:sp>
+    </p:spTree>
+    <p:extLst>
+      <p:ext uri="{BB962C8B-B14F-4D97-AF65-F5344CB8AC3E}">
+        <p14:creationId xmlns:p14="http://schemas.microsoft.com/office/powerpoint/2010/main" val="1377542290"/>
+      </p:ext>
+    </p:extLst>
+  </p:cSld>
+  <p:clrMap bg1="lt1" tx1="dk1" bg2="lt2" tx2="dk2" accent1="accent1" accent2="accent2" accent3="accent3" accent4="accent4" accent5="accent5" accent6="accent6" hlink="hlink" folHlink="folHlink"/>
+  <p:notesStyle>
+    <a:lvl1pPr marL="0" algn="l" defTabSz="914400" rtl="0" eaLnBrk="1" latinLnBrk="0" hangingPunct="1">
+      <a:defRPr sz="1200" kern="1200">
+        <a:solidFill>
+          <a:schemeClr val="tx1"/>
+        </a:solidFill>
+        <a:latin typeface="+mn-lt"/>
+        <a:ea typeface="+mn-ea"/>
+        <a:cs typeface="+mn-cs"/>
+      </a:defRPr>
+    </a:lvl1pPr>
+    <a:lvl2pPr marL="457200" algn="l" defTabSz="914400" rtl="0" eaLnBrk="1" latinLnBrk="0" hangingPunct="1">
+      <a:defRPr sz="1200" kern="1200">
+        <a:solidFill>
+          <a:schemeClr val="tx1"/>
+        </a:solidFill>
+        <a:latin typeface="+mn-lt"/>
+        <a:ea typeface="+mn-ea"/>
+        <a:cs typeface="+mn-cs"/>
+      </a:defRPr>
+    </a:lvl2pPr>
+    <a:lvl3pPr marL="914400" algn="l" defTabSz="914400" rtl="0" eaLnBrk="1" latinLnBrk="0" hangingPunct="1">
+      <a:defRPr sz="1200" kern="1200">
+        <a:solidFill>
+          <a:schemeClr val="tx1"/>
+        </a:solidFill>
+        <a:latin typeface="+mn-lt"/>
+        <a:ea typeface="+mn-ea"/>
+        <a:cs typeface="+mn-cs"/>
+      </a:defRPr>
+    </a:lvl3pPr>
+    <a:lvl4pPr marL="1371600" algn="l" defTabSz="914400" rtl="0" eaLnBrk="1" latinLnBrk="0" hangingPunct="1">
+      <a:defRPr sz="1200" kern="1200">
+        <a:solidFill>
+          <a:schemeClr val="tx1"/>
+        </a:solidFill>
+        <a:latin typeface="+mn-lt"/>
+        <a:ea typeface="+mn-ea"/>
+        <a:cs typeface="+mn-cs"/>
+      </a:defRPr>
+    </a:lvl4pPr>
+    <a:lvl5pPr marL="1828800" algn="l" defTabSz="914400" rtl="0" eaLnBrk="1" latinLnBrk="0" hangingPunct="1">
+      <a:defRPr sz="1200" kern="1200">
+        <a:solidFill>
+          <a:schemeClr val="tx1"/>
+        </a:solidFill>
+        <a:latin typeface="+mn-lt"/>
+        <a:ea typeface="+mn-ea"/>
+        <a:cs typeface="+mn-cs"/>
+      </a:defRPr>
+    </a:lvl5pPr>
+    <a:lvl6pPr marL="2286000" algn="l" defTabSz="914400" rtl="0" eaLnBrk="1" latinLnBrk="0" hangingPunct="1">
+      <a:defRPr sz="1200" kern="1200">
+        <a:solidFill>
+          <a:schemeClr val="tx1"/>
+        </a:solidFill>
+        <a:latin typeface="+mn-lt"/>
+        <a:ea typeface="+mn-ea"/>
+        <a:cs typeface="+mn-cs"/>
+      </a:defRPr>
+    </a:lvl6pPr>
+    <a:lvl7pPr marL="2743200" algn="l" defTabSz="914400" rtl="0" eaLnBrk="1" latinLnBrk="0" hangingPunct="1">
+      <a:defRPr sz="1200" kern="1200">
+        <a:solidFill>
+          <a:schemeClr val="tx1"/>
+        </a:solidFill>
+        <a:latin typeface="+mn-lt"/>
+        <a:ea typeface="+mn-ea"/>
+        <a:cs typeface="+mn-cs"/>
+      </a:defRPr>
+    </a:lvl7pPr>
+    <a:lvl8pPr marL="3200400" algn="l" defTabSz="914400" rtl="0" eaLnBrk="1" latinLnBrk="0" hangingPunct="1">
+      <a:defRPr sz="1200" kern="1200">
+        <a:solidFill>
+          <a:schemeClr val="tx1"/>
+        </a:solidFill>
+        <a:latin typeface="+mn-lt"/>
+        <a:ea typeface="+mn-ea"/>
+        <a:cs typeface="+mn-cs"/>
+      </a:defRPr>
+    </a:lvl8pPr>
+    <a:lvl9pPr marL="3657600" algn="l" defTabSz="914400" rtl="0" eaLnBrk="1" latinLnBrk="0" hangingPunct="1">
+      <a:defRPr sz="1200" kern="1200">
+        <a:solidFill>
+          <a:schemeClr val="tx1"/>
+        </a:solidFill>
+        <a:latin typeface="+mn-lt"/>
+        <a:ea typeface="+mn-ea"/>
+        <a:cs typeface="+mn-cs"/>
+      </a:defRPr>
+    </a:lvl9pPr>
+  </p:notesStyle>
+</p:notesMaster>
+</file>
+
+<file path=ppt/notesSlides/notesSlide1.xml><?xml version="1.0" encoding="utf-8"?>
+<p:notes xmlns:a="http://schemas.openxmlformats.org/drawingml/2006/main" xmlns:r="http://schemas.openxmlformats.org/officeDocument/2006/relationships" xmlns:p="http://schemas.openxmlformats.org/presentationml/2006/main">
+  <p:cSld>
+    <p:spTree>
+      <p:nvGrpSpPr>
+        <p:cNvPr id="1" name=""/>
+        <p:cNvGrpSpPr/>
+        <p:nvPr/>
+      </p:nvGrpSpPr>
+      <p:grpSpPr>
+        <a:xfrm>
+          <a:off x="0" y="0"/>
+          <a:ext cx="0" cy="0"/>
+          <a:chOff x="0" y="0"/>
+          <a:chExt cx="0" cy="0"/>
+        </a:xfrm>
+      </p:grpSpPr>
+      <p:sp>
+        <p:nvSpPr>
+          <p:cNvPr id="2" name="Slide Image Placeholder 1"/>
+          <p:cNvSpPr>
+            <a:spLocks noGrp="1" noRot="1" noChangeAspect="1"/>
+          </p:cNvSpPr>
+          <p:nvPr>
+            <p:ph type="sldImg"/>
+          </p:nvPr>
+        </p:nvSpPr>
+        <p:spPr/>
+      </p:sp>
+      <p:sp>
+        <p:nvSpPr>
+          <p:cNvPr id="3" name="Notes Placeholder 2"/>
+          <p:cNvSpPr>
+            <a:spLocks noGrp="1"/>
+          </p:cNvSpPr>
+          <p:nvPr>
+            <p:ph type="body" idx="1"/>
+          </p:nvPr>
+        </p:nvSpPr>
+        <p:spPr/>
+        <p:txBody>
+          <a:bodyPr/>
+          <a:lstStyle/>
+          <a:p>
+            <a:endParaRPr lang="vi-VN" dirty="0"/>
+          </a:p>
+        </p:txBody>
+      </p:sp>
+      <p:sp>
+        <p:nvSpPr>
+          <p:cNvPr id="4" name="Slide Number Placeholder 3"/>
+          <p:cNvSpPr>
+            <a:spLocks noGrp="1"/>
+          </p:cNvSpPr>
+          <p:nvPr>
+            <p:ph type="sldNum" sz="quarter" idx="5"/>
+          </p:nvPr>
+        </p:nvSpPr>
+        <p:spPr/>
+        <p:txBody>
+          <a:bodyPr/>
+          <a:lstStyle/>
+          <a:p>
+            <a:fld id="{35B65A38-7DD4-4288-BEEC-86C2273E8F31}" type="slidenum">
+              <a:rPr lang="vi-VN" smtClean="0"/>
+              <a:t>9</a:t>
+            </a:fld>
+            <a:endParaRPr lang="vi-VN"/>
+          </a:p>
+        </p:txBody>
+      </p:sp>
+    </p:spTree>
+    <p:extLst>
+      <p:ext uri="{BB962C8B-B14F-4D97-AF65-F5344CB8AC3E}">
+        <p14:creationId xmlns:p14="http://schemas.microsoft.com/office/powerpoint/2010/main" val="2632772485"/>
+      </p:ext>
+    </p:extLst>
+  </p:cSld>
+  <p:clrMapOvr>
+    <a:masterClrMapping/>
+  </p:clrMapOvr>
+</p:notes>
 </file>
 
 <file path=ppt/slideLayouts/slideLayout1.xml><?xml version="1.0" encoding="utf-8"?>
@@ -381,7 +2208,7 @@
             <a:fld id="{1D8BD707-D9CF-40AE-B4C6-C98DA3205C09}" type="datetimeFigureOut">
               <a:rPr lang="en-US" smtClean="0"/>
               <a:pPr/>
-              <a:t>2/16/2024</a:t>
+              <a:t>2/17/2024</a:t>
             </a:fld>
             <a:endParaRPr lang="en-US"/>
           </a:p>
@@ -546,7 +2373,7 @@
             <a:fld id="{1D8BD707-D9CF-40AE-B4C6-C98DA3205C09}" type="datetimeFigureOut">
               <a:rPr lang="en-US" smtClean="0"/>
               <a:pPr/>
-              <a:t>2/16/2024</a:t>
+              <a:t>2/17/2024</a:t>
             </a:fld>
             <a:endParaRPr lang="en-US"/>
           </a:p>
@@ -721,7 +2548,7 @@
             <a:fld id="{1D8BD707-D9CF-40AE-B4C6-C98DA3205C09}" type="datetimeFigureOut">
               <a:rPr lang="en-US" smtClean="0"/>
               <a:pPr/>
-              <a:t>2/16/2024</a:t>
+              <a:t>2/17/2024</a:t>
             </a:fld>
             <a:endParaRPr lang="en-US"/>
           </a:p>
@@ -886,7 +2713,7 @@
             <a:fld id="{1D8BD707-D9CF-40AE-B4C6-C98DA3205C09}" type="datetimeFigureOut">
               <a:rPr lang="en-US" smtClean="0"/>
               <a:pPr/>
-              <a:t>2/16/2024</a:t>
+              <a:t>2/17/2024</a:t>
             </a:fld>
             <a:endParaRPr lang="en-US"/>
           </a:p>
@@ -1128,7 +2955,7 @@
             <a:fld id="{1D8BD707-D9CF-40AE-B4C6-C98DA3205C09}" type="datetimeFigureOut">
               <a:rPr lang="en-US" smtClean="0"/>
               <a:pPr/>
-              <a:t>2/16/2024</a:t>
+              <a:t>2/17/2024</a:t>
             </a:fld>
             <a:endParaRPr lang="en-US"/>
           </a:p>
@@ -1410,7 +3237,7 @@
             <a:fld id="{1D8BD707-D9CF-40AE-B4C6-C98DA3205C09}" type="datetimeFigureOut">
               <a:rPr lang="en-US" smtClean="0"/>
               <a:pPr/>
-              <a:t>2/16/2024</a:t>
+              <a:t>2/17/2024</a:t>
             </a:fld>
             <a:endParaRPr lang="en-US"/>
           </a:p>
@@ -1826,7 +3653,7 @@
             <a:fld id="{1D8BD707-D9CF-40AE-B4C6-C98DA3205C09}" type="datetimeFigureOut">
               <a:rPr lang="en-US" smtClean="0"/>
               <a:pPr/>
-              <a:t>2/16/2024</a:t>
+              <a:t>2/17/2024</a:t>
             </a:fld>
             <a:endParaRPr lang="en-US"/>
           </a:p>
@@ -1940,7 +3767,7 @@
             <a:fld id="{1D8BD707-D9CF-40AE-B4C6-C98DA3205C09}" type="datetimeFigureOut">
               <a:rPr lang="en-US" smtClean="0"/>
               <a:pPr/>
-              <a:t>2/16/2024</a:t>
+              <a:t>2/17/2024</a:t>
             </a:fld>
             <a:endParaRPr lang="en-US"/>
           </a:p>
@@ -2032,7 +3859,7 @@
             <a:fld id="{1D8BD707-D9CF-40AE-B4C6-C98DA3205C09}" type="datetimeFigureOut">
               <a:rPr lang="en-US" smtClean="0"/>
               <a:pPr/>
-              <a:t>2/16/2024</a:t>
+              <a:t>2/17/2024</a:t>
             </a:fld>
             <a:endParaRPr lang="en-US"/>
           </a:p>
@@ -2304,7 +4131,7 @@
             <a:fld id="{1D8BD707-D9CF-40AE-B4C6-C98DA3205C09}" type="datetimeFigureOut">
               <a:rPr lang="en-US" smtClean="0"/>
               <a:pPr/>
-              <a:t>2/16/2024</a:t>
+              <a:t>2/17/2024</a:t>
             </a:fld>
             <a:endParaRPr lang="en-US"/>
           </a:p>
@@ -2553,7 +4380,7 @@
             <a:fld id="{1D8BD707-D9CF-40AE-B4C6-C98DA3205C09}" type="datetimeFigureOut">
               <a:rPr lang="en-US" smtClean="0"/>
               <a:pPr/>
-              <a:t>2/16/2024</a:t>
+              <a:t>2/17/2024</a:t>
             </a:fld>
             <a:endParaRPr lang="en-US"/>
           </a:p>
@@ -2761,7 +4588,7 @@
             <a:fld id="{1D8BD707-D9CF-40AE-B4C6-C98DA3205C09}" type="datetimeFigureOut">
               <a:rPr lang="en-US" smtClean="0"/>
               <a:pPr/>
-              <a:t>2/16/2024</a:t>
+              <a:t>2/17/2024</a:t>
             </a:fld>
             <a:endParaRPr lang="en-US"/>
           </a:p>
@@ -3571,6 +5398,192 @@
     </p:bg>
     <p:spTree>
       <p:nvGrpSpPr>
+        <p:cNvPr id="1" name="">
+          <a:extLst>
+            <a:ext uri="{FF2B5EF4-FFF2-40B4-BE49-F238E27FC236}">
+              <a16:creationId xmlns:a16="http://schemas.microsoft.com/office/drawing/2014/main" id="{130B16AC-1408-9386-9B79-F9964CAD8FA5}"/>
+            </a:ext>
+          </a:extLst>
+        </p:cNvPr>
+        <p:cNvGrpSpPr/>
+        <p:nvPr/>
+      </p:nvGrpSpPr>
+      <p:grpSpPr>
+        <a:xfrm>
+          <a:off x="0" y="0"/>
+          <a:ext cx="0" cy="0"/>
+          <a:chOff x="0" y="0"/>
+          <a:chExt cx="0" cy="0"/>
+        </a:xfrm>
+      </p:grpSpPr>
+      <p:sp>
+        <p:nvSpPr>
+          <p:cNvPr id="5" name="Arrow: Pentagon 4">
+            <a:extLst>
+              <a:ext uri="{FF2B5EF4-FFF2-40B4-BE49-F238E27FC236}">
+                <a16:creationId xmlns:a16="http://schemas.microsoft.com/office/drawing/2014/main" id="{C38173B5-6038-245D-B94C-E4DEB9D6E4DB}"/>
+              </a:ext>
+            </a:extLst>
+          </p:cNvPr>
+          <p:cNvSpPr/>
+          <p:nvPr/>
+        </p:nvSpPr>
+        <p:spPr>
+          <a:xfrm>
+            <a:off x="371475" y="2400300"/>
+            <a:ext cx="4810125" cy="5105400"/>
+          </a:xfrm>
+          <a:prstGeom prst="homePlate">
+            <a:avLst/>
+          </a:prstGeom>
+          <a:solidFill>
+            <a:schemeClr val="tx1">
+              <a:lumMod val="75000"/>
+              <a:lumOff val="25000"/>
+            </a:schemeClr>
+          </a:solidFill>
+          <a:ln>
+            <a:solidFill>
+              <a:schemeClr val="bg1">
+                <a:lumMod val="95000"/>
+              </a:schemeClr>
+            </a:solidFill>
+          </a:ln>
+        </p:spPr>
+        <p:style>
+          <a:lnRef idx="2">
+            <a:schemeClr val="accent1">
+              <a:shade val="15000"/>
+            </a:schemeClr>
+          </a:lnRef>
+          <a:fillRef idx="1">
+            <a:schemeClr val="accent1"/>
+          </a:fillRef>
+          <a:effectRef idx="0">
+            <a:schemeClr val="accent1"/>
+          </a:effectRef>
+          <a:fontRef idx="minor">
+            <a:schemeClr val="lt1"/>
+          </a:fontRef>
+        </p:style>
+        <p:txBody>
+          <a:bodyPr rtlCol="0" anchor="ctr"/>
+          <a:lstStyle/>
+          <a:p>
+            <a:pPr algn="ctr"/>
+            <a:endParaRPr lang="vi-VN"/>
+          </a:p>
+        </p:txBody>
+      </p:sp>
+      <p:sp>
+        <p:nvSpPr>
+          <p:cNvPr id="3" name="TextBox 3">
+            <a:extLst>
+              <a:ext uri="{FF2B5EF4-FFF2-40B4-BE49-F238E27FC236}">
+                <a16:creationId xmlns:a16="http://schemas.microsoft.com/office/drawing/2014/main" id="{71875CCC-1F63-33ED-5678-77C46B1B1715}"/>
+              </a:ext>
+            </a:extLst>
+          </p:cNvPr>
+          <p:cNvSpPr txBox="1"/>
+          <p:nvPr/>
+        </p:nvSpPr>
+        <p:spPr>
+          <a:xfrm>
+            <a:off x="477621" y="3619500"/>
+            <a:ext cx="3562350" cy="2353080"/>
+          </a:xfrm>
+          <a:prstGeom prst="rect">
+            <a:avLst/>
+          </a:prstGeom>
+        </p:spPr>
+        <p:txBody>
+          <a:bodyPr wrap="square" lIns="0" tIns="0" rIns="0" bIns="0" rtlCol="0" anchor="t">
+            <a:spAutoFit/>
+          </a:bodyPr>
+          <a:lstStyle/>
+          <a:p>
+            <a:pPr marL="0" lvl="0" indent="0">
+              <a:lnSpc>
+                <a:spcPts val="9600"/>
+              </a:lnSpc>
+            </a:pPr>
+            <a:r>
+              <a:rPr lang="en-US" sz="6000" dirty="0">
+                <a:solidFill>
+                  <a:srgbClr val="FFFFFF"/>
+                </a:solidFill>
+                <a:latin typeface="Noto Sans"/>
+              </a:rPr>
+              <a:t>D</a:t>
+            </a:r>
+            <a:r>
+              <a:rPr lang="en-US" sz="6000" u="none" dirty="0">
+                <a:solidFill>
+                  <a:srgbClr val="FFFFFF"/>
+                </a:solidFill>
+                <a:latin typeface="Noto Sans"/>
+              </a:rPr>
+              <a:t>atabase diagram</a:t>
+            </a:r>
+          </a:p>
+        </p:txBody>
+      </p:sp>
+      <p:pic>
+        <p:nvPicPr>
+          <p:cNvPr id="2" name="Picture 1" descr="A screenshot of a computer&#10;&#10;Description automatically generated">
+            <a:extLst>
+              <a:ext uri="{FF2B5EF4-FFF2-40B4-BE49-F238E27FC236}">
+                <a16:creationId xmlns:a16="http://schemas.microsoft.com/office/drawing/2014/main" id="{6BA95D22-0B9D-BFB3-00EA-D3B8889AEED6}"/>
+              </a:ext>
+            </a:extLst>
+          </p:cNvPr>
+          <p:cNvPicPr>
+            <a:picLocks noChangeAspect="1"/>
+          </p:cNvPicPr>
+          <p:nvPr/>
+        </p:nvPicPr>
+        <p:blipFill>
+          <a:blip r:embed="rId2"/>
+          <a:stretch>
+            <a:fillRect/>
+          </a:stretch>
+        </p:blipFill>
+        <p:spPr>
+          <a:xfrm>
+            <a:off x="5657850" y="723900"/>
+            <a:ext cx="12171579" cy="8534400"/>
+          </a:xfrm>
+          <a:prstGeom prst="rect">
+            <a:avLst/>
+          </a:prstGeom>
+        </p:spPr>
+      </p:pic>
+    </p:spTree>
+    <p:extLst>
+      <p:ext uri="{BB962C8B-B14F-4D97-AF65-F5344CB8AC3E}">
+        <p14:creationId xmlns:p14="http://schemas.microsoft.com/office/powerpoint/2010/main" val="1655092188"/>
+      </p:ext>
+    </p:extLst>
+  </p:cSld>
+  <p:clrMapOvr>
+    <a:masterClrMapping/>
+  </p:clrMapOvr>
+</p:sld>
+</file>
+
+<file path=ppt/slides/slide11.xml><?xml version="1.0" encoding="utf-8"?>
+<p:sld xmlns:a="http://schemas.openxmlformats.org/drawingml/2006/main" xmlns:r="http://schemas.openxmlformats.org/officeDocument/2006/relationships" xmlns:p="http://schemas.openxmlformats.org/presentationml/2006/main">
+  <p:cSld>
+    <p:bg>
+      <p:bgPr>
+        <a:solidFill>
+          <a:srgbClr val="2B4B82"/>
+        </a:solidFill>
+        <a:effectLst/>
+      </p:bgPr>
+    </p:bg>
+    <p:spTree>
+      <p:nvGrpSpPr>
         <p:cNvPr id="1" name=""/>
         <p:cNvGrpSpPr/>
         <p:nvPr/>
@@ -3591,8 +5604,8 @@
         </p:nvSpPr>
         <p:spPr>
           <a:xfrm>
-            <a:off x="3583569" y="1906358"/>
-            <a:ext cx="11120862" cy="1056084"/>
+            <a:off x="5334000" y="3857625"/>
+            <a:ext cx="7620000" cy="2571750"/>
           </a:xfrm>
           <a:prstGeom prst="rect">
             <a:avLst/>
@@ -3606,37 +5619,671 @@
           <a:p>
             <a:pPr marL="0" lvl="0" indent="0" algn="ctr">
               <a:lnSpc>
-                <a:spcPts val="8146"/>
+                <a:spcPts val="10199"/>
               </a:lnSpc>
             </a:pPr>
             <a:r>
-              <a:rPr lang="en-US" sz="7406">
+              <a:rPr lang="en-US" sz="8499" dirty="0">
                 <a:solidFill>
                   <a:srgbClr val="FFFFFF"/>
                 </a:solidFill>
-                <a:latin typeface="Montserrat"/>
+                <a:latin typeface="Josefin Sans Bold Bold"/>
               </a:rPr>
-              <a:t>Technical</a:t>
-            </a:r>
-          </a:p>
-        </p:txBody>
-      </p:sp>
-      <p:sp>
-        <p:nvSpPr>
-          <p:cNvPr id="3" name="TextBox 3"/>
+              <a:t>Deploy and Demo</a:t>
+            </a:r>
+          </a:p>
+        </p:txBody>
+      </p:sp>
+      <p:grpSp>
+        <p:nvGrpSpPr>
+          <p:cNvPr id="3" name="Group 3"/>
+          <p:cNvGrpSpPr/>
+          <p:nvPr/>
+        </p:nvGrpSpPr>
+        <p:grpSpPr>
+          <a:xfrm>
+            <a:off x="0" y="4445872"/>
+            <a:ext cx="2713624" cy="5841128"/>
+            <a:chOff x="0" y="0"/>
+            <a:chExt cx="5355113" cy="11526982"/>
+          </a:xfrm>
+        </p:grpSpPr>
+        <p:sp>
+          <p:nvSpPr>
+            <p:cNvPr id="4" name="Freeform 4"/>
+            <p:cNvSpPr/>
+            <p:nvPr/>
+          </p:nvSpPr>
+          <p:spPr>
+            <a:xfrm>
+              <a:off x="0" y="0"/>
+              <a:ext cx="5355113" cy="11526982"/>
+            </a:xfrm>
+            <a:custGeom>
+              <a:avLst/>
+              <a:gdLst/>
+              <a:ahLst/>
+              <a:cxnLst/>
+              <a:rect l="l" t="t" r="r" b="b"/>
+              <a:pathLst>
+                <a:path w="5355113" h="11526982">
+                  <a:moveTo>
+                    <a:pt x="5355113" y="11526982"/>
+                  </a:moveTo>
+                  <a:lnTo>
+                    <a:pt x="0" y="11526982"/>
+                  </a:lnTo>
+                  <a:lnTo>
+                    <a:pt x="0" y="0"/>
+                  </a:lnTo>
+                  <a:lnTo>
+                    <a:pt x="5355113" y="11526982"/>
+                  </a:lnTo>
+                  <a:close/>
+                </a:path>
+              </a:pathLst>
+            </a:custGeom>
+            <a:solidFill>
+              <a:srgbClr val="C6C6C6"/>
+            </a:solidFill>
+          </p:spPr>
+          <p:txBody>
+            <a:bodyPr/>
+            <a:lstStyle/>
+            <a:p>
+              <a:endParaRPr lang="vi-VN"/>
+            </a:p>
+          </p:txBody>
+        </p:sp>
+      </p:grpSp>
+      <p:grpSp>
+        <p:nvGrpSpPr>
+          <p:cNvPr id="5" name="Group 5"/>
+          <p:cNvGrpSpPr/>
+          <p:nvPr/>
+        </p:nvGrpSpPr>
+        <p:grpSpPr>
+          <a:xfrm rot="-10800000">
+            <a:off x="16258401" y="0"/>
+            <a:ext cx="2067430" cy="4450182"/>
+            <a:chOff x="0" y="0"/>
+            <a:chExt cx="5355113" cy="11526982"/>
+          </a:xfrm>
+        </p:grpSpPr>
+        <p:sp>
+          <p:nvSpPr>
+            <p:cNvPr id="6" name="Freeform 6"/>
+            <p:cNvSpPr/>
+            <p:nvPr/>
+          </p:nvSpPr>
+          <p:spPr>
+            <a:xfrm>
+              <a:off x="0" y="0"/>
+              <a:ext cx="5355113" cy="11526982"/>
+            </a:xfrm>
+            <a:custGeom>
+              <a:avLst/>
+              <a:gdLst/>
+              <a:ahLst/>
+              <a:cxnLst/>
+              <a:rect l="l" t="t" r="r" b="b"/>
+              <a:pathLst>
+                <a:path w="5355113" h="11526982">
+                  <a:moveTo>
+                    <a:pt x="5355113" y="11526982"/>
+                  </a:moveTo>
+                  <a:lnTo>
+                    <a:pt x="0" y="11526982"/>
+                  </a:lnTo>
+                  <a:lnTo>
+                    <a:pt x="0" y="0"/>
+                  </a:lnTo>
+                  <a:lnTo>
+                    <a:pt x="5355113" y="11526982"/>
+                  </a:lnTo>
+                  <a:close/>
+                </a:path>
+              </a:pathLst>
+            </a:custGeom>
+            <a:solidFill>
+              <a:srgbClr val="C6C6C6"/>
+            </a:solidFill>
+          </p:spPr>
+          <p:txBody>
+            <a:bodyPr/>
+            <a:lstStyle/>
+            <a:p>
+              <a:endParaRPr lang="vi-VN"/>
+            </a:p>
+          </p:txBody>
+        </p:sp>
+      </p:grpSp>
+    </p:spTree>
+  </p:cSld>
+  <p:clrMapOvr>
+    <a:masterClrMapping/>
+  </p:clrMapOvr>
+</p:sld>
+</file>
+
+<file path=ppt/slides/slide12.xml><?xml version="1.0" encoding="utf-8"?>
+<p:sld xmlns:a="http://schemas.openxmlformats.org/drawingml/2006/main" xmlns:r="http://schemas.openxmlformats.org/officeDocument/2006/relationships" xmlns:p="http://schemas.openxmlformats.org/presentationml/2006/main">
+  <p:cSld>
+    <p:bg>
+      <p:bgPr>
+        <a:solidFill>
+          <a:srgbClr val="2B4B82"/>
+        </a:solidFill>
+        <a:effectLst/>
+      </p:bgPr>
+    </p:bg>
+    <p:spTree>
+      <p:nvGrpSpPr>
+        <p:cNvPr id="1" name=""/>
+        <p:cNvGrpSpPr/>
+        <p:nvPr/>
+      </p:nvGrpSpPr>
+      <p:grpSpPr>
+        <a:xfrm>
+          <a:off x="0" y="0"/>
+          <a:ext cx="0" cy="0"/>
+          <a:chOff x="0" y="0"/>
+          <a:chExt cx="0" cy="0"/>
+        </a:xfrm>
+      </p:grpSpPr>
+      <p:sp>
+        <p:nvSpPr>
+          <p:cNvPr id="2" name="TextBox 2"/>
           <p:cNvSpPr txBox="1"/>
           <p:nvPr/>
         </p:nvSpPr>
         <p:spPr>
           <a:xfrm>
-            <a:off x="10385821" y="7872244"/>
-            <a:ext cx="4021925" cy="514350"/>
+            <a:off x="6781800" y="952500"/>
+            <a:ext cx="4114800" cy="1038746"/>
           </a:xfrm>
           <a:prstGeom prst="rect">
             <a:avLst/>
           </a:prstGeom>
         </p:spPr>
         <p:txBody>
+          <a:bodyPr wrap="square" lIns="0" tIns="0" rIns="0" bIns="0" rtlCol="0" anchor="t">
+            <a:spAutoFit/>
+          </a:bodyPr>
+          <a:lstStyle/>
+          <a:p>
+            <a:pPr marL="0" lvl="0" indent="0" algn="ctr">
+              <a:lnSpc>
+                <a:spcPts val="8146"/>
+              </a:lnSpc>
+            </a:pPr>
+            <a:r>
+              <a:rPr lang="en-US" sz="7406" dirty="0">
+                <a:solidFill>
+                  <a:srgbClr val="FFFFFF"/>
+                </a:solidFill>
+                <a:ea typeface="Meiryo" panose="020B0400000000000000" pitchFamily="34" charset="-128"/>
+              </a:rPr>
+              <a:t>Technical</a:t>
+            </a:r>
+          </a:p>
+        </p:txBody>
+      </p:sp>
+      <p:pic>
+        <p:nvPicPr>
+          <p:cNvPr id="1026" name="Picture 2" descr="What Is The MERN Stack? Introduction &amp; Examples | MongoDB">
+            <a:extLst>
+              <a:ext uri="{FF2B5EF4-FFF2-40B4-BE49-F238E27FC236}">
+                <a16:creationId xmlns:a16="http://schemas.microsoft.com/office/drawing/2014/main" id="{0A0FFB91-3EDD-6E4B-1A56-44CB23601C6B}"/>
+              </a:ext>
+            </a:extLst>
+          </p:cNvPr>
+          <p:cNvPicPr>
+            <a:picLocks noChangeAspect="1" noChangeArrowheads="1"/>
+          </p:cNvPicPr>
+          <p:nvPr/>
+        </p:nvPicPr>
+        <p:blipFill>
+          <a:blip r:embed="rId2">
+            <a:extLst>
+              <a:ext uri="{28A0092B-C50C-407E-A947-70E740481C1C}">
+                <a14:useLocalDpi xmlns:a14="http://schemas.microsoft.com/office/drawing/2010/main" val="0"/>
+              </a:ext>
+            </a:extLst>
+          </a:blip>
+          <a:srcRect/>
+          <a:stretch>
+            <a:fillRect/>
+          </a:stretch>
+        </p:blipFill>
+        <p:spPr bwMode="auto">
+          <a:xfrm>
+            <a:off x="381000" y="2628900"/>
+            <a:ext cx="10881361" cy="6248399"/>
+          </a:xfrm>
+          <a:prstGeom prst="rect">
+            <a:avLst/>
+          </a:prstGeom>
+          <a:noFill/>
+          <a:extLst>
+            <a:ext uri="{909E8E84-426E-40DD-AFC4-6F175D3DCCD1}">
+              <a14:hiddenFill xmlns:a14="http://schemas.microsoft.com/office/drawing/2010/main">
+                <a:solidFill>
+                  <a:srgbClr val="FFFFFF"/>
+                </a:solidFill>
+              </a14:hiddenFill>
+            </a:ext>
+          </a:extLst>
+        </p:spPr>
+      </p:pic>
+      <p:sp>
+        <p:nvSpPr>
+          <p:cNvPr id="10" name="TextBox 9">
+            <a:extLst>
+              <a:ext uri="{FF2B5EF4-FFF2-40B4-BE49-F238E27FC236}">
+                <a16:creationId xmlns:a16="http://schemas.microsoft.com/office/drawing/2014/main" id="{CED55CEB-D874-0039-1B0B-97D2ABCD2BED}"/>
+              </a:ext>
+            </a:extLst>
+          </p:cNvPr>
+          <p:cNvSpPr txBox="1"/>
+          <p:nvPr/>
+        </p:nvSpPr>
+        <p:spPr>
+          <a:xfrm>
+            <a:off x="11658600" y="3009900"/>
+            <a:ext cx="6248400" cy="5016758"/>
+          </a:xfrm>
+          <a:prstGeom prst="rect">
+            <a:avLst/>
+          </a:prstGeom>
+          <a:noFill/>
+        </p:spPr>
+        <p:txBody>
+          <a:bodyPr wrap="square" rtlCol="0">
+            <a:spAutoFit/>
+          </a:bodyPr>
+          <a:lstStyle/>
+          <a:p>
+            <a:r>
+              <a:rPr lang="en-US" sz="2000" b="1" dirty="0">
+                <a:solidFill>
+                  <a:schemeClr val="bg1"/>
+                </a:solidFill>
+                <a:latin typeface="Meiryo" panose="020B0604030504040204" pitchFamily="34" charset="-128"/>
+                <a:ea typeface="Meiryo" panose="020B0604030504040204" pitchFamily="34" charset="-128"/>
+              </a:rPr>
+              <a:t>What is MERN Stack?</a:t>
+            </a:r>
+          </a:p>
+          <a:p>
+            <a:endParaRPr lang="en-US" sz="2000" dirty="0">
+              <a:solidFill>
+                <a:schemeClr val="bg1"/>
+              </a:solidFill>
+              <a:latin typeface="Meiryo" panose="020B0604030504040204" pitchFamily="34" charset="-128"/>
+              <a:ea typeface="Meiryo" panose="020B0604030504040204" pitchFamily="34" charset="-128"/>
+            </a:endParaRPr>
+          </a:p>
+          <a:p>
+            <a:r>
+              <a:rPr lang="en-US" sz="2000" dirty="0">
+                <a:solidFill>
+                  <a:schemeClr val="bg1"/>
+                </a:solidFill>
+                <a:latin typeface="Meiryo" panose="020B0604030504040204" pitchFamily="34" charset="-128"/>
+                <a:ea typeface="Meiryo" panose="020B0604030504040204" pitchFamily="34" charset="-128"/>
+              </a:rPr>
+              <a:t>- MERN stands for MongoDB, Express, React, Node, after the four key technologies that make up the stack.</a:t>
+            </a:r>
+          </a:p>
+          <a:p>
+            <a:endParaRPr lang="en-US" sz="2000" dirty="0">
+              <a:solidFill>
+                <a:schemeClr val="bg1"/>
+              </a:solidFill>
+              <a:latin typeface="Meiryo" panose="020B0604030504040204" pitchFamily="34" charset="-128"/>
+              <a:ea typeface="Meiryo" panose="020B0604030504040204" pitchFamily="34" charset="-128"/>
+            </a:endParaRPr>
+          </a:p>
+          <a:p>
+            <a:r>
+              <a:rPr lang="en-US" sz="2000" b="1" dirty="0">
+                <a:solidFill>
+                  <a:schemeClr val="bg1"/>
+                </a:solidFill>
+                <a:latin typeface="Meiryo" panose="020B0604030504040204" pitchFamily="34" charset="-128"/>
+                <a:ea typeface="Meiryo" panose="020B0604030504040204" pitchFamily="34" charset="-128"/>
+              </a:rPr>
+              <a:t>Why choose the MERN stack?</a:t>
+            </a:r>
+          </a:p>
+          <a:p>
+            <a:endParaRPr lang="en-US" sz="2000" dirty="0">
+              <a:solidFill>
+                <a:schemeClr val="bg1"/>
+              </a:solidFill>
+              <a:latin typeface="Meiryo" panose="020B0604030504040204" pitchFamily="34" charset="-128"/>
+              <a:ea typeface="Meiryo" panose="020B0604030504040204" pitchFamily="34" charset="-128"/>
+            </a:endParaRPr>
+          </a:p>
+          <a:p>
+            <a:r>
+              <a:rPr lang="vi-VN" sz="2000" dirty="0">
+                <a:solidFill>
+                  <a:schemeClr val="bg1"/>
+                </a:solidFill>
+                <a:ea typeface="Meiryo" panose="020B0604030504040204" pitchFamily="34" charset="-128"/>
+              </a:rPr>
+              <a:t>-</a:t>
+            </a:r>
+            <a:r>
+              <a:rPr lang="en-US" sz="2000" dirty="0">
+                <a:solidFill>
+                  <a:schemeClr val="bg1"/>
+                </a:solidFill>
+                <a:ea typeface="Meiryo" panose="020B0604030504040204" pitchFamily="34" charset="-128"/>
+              </a:rPr>
+              <a:t> </a:t>
+            </a:r>
+            <a:r>
+              <a:rPr lang="en-US" sz="2000" dirty="0">
+                <a:solidFill>
+                  <a:schemeClr val="bg1"/>
+                </a:solidFill>
+                <a:latin typeface="Meiryo" panose="020B0604030504040204" pitchFamily="34" charset="-128"/>
+                <a:ea typeface="Meiryo" panose="020B0604030504040204" pitchFamily="34" charset="-128"/>
+              </a:rPr>
+              <a:t>Easily construct a three-tier architecture.</a:t>
+            </a:r>
+          </a:p>
+          <a:p>
+            <a:endParaRPr lang="en-US" sz="2000" dirty="0">
+              <a:solidFill>
+                <a:schemeClr val="bg1"/>
+              </a:solidFill>
+              <a:latin typeface="Meiryo" panose="020B0604030504040204" pitchFamily="34" charset="-128"/>
+              <a:ea typeface="Meiryo" panose="020B0604030504040204" pitchFamily="34" charset="-128"/>
+            </a:endParaRPr>
+          </a:p>
+          <a:p>
+            <a:r>
+              <a:rPr lang="en-US" sz="2000" dirty="0">
+                <a:solidFill>
+                  <a:schemeClr val="bg1"/>
+                </a:solidFill>
+                <a:latin typeface="Meiryo" panose="020B0604030504040204" pitchFamily="34" charset="-128"/>
+                <a:ea typeface="Meiryo" panose="020B0604030504040204" pitchFamily="34" charset="-128"/>
+              </a:rPr>
+              <a:t>- There is a large community support and many sample projects.</a:t>
+            </a:r>
+          </a:p>
+          <a:p>
+            <a:endParaRPr lang="en-US" sz="2000" dirty="0">
+              <a:solidFill>
+                <a:schemeClr val="bg1"/>
+              </a:solidFill>
+              <a:latin typeface="Meiryo" panose="020B0604030504040204" pitchFamily="34" charset="-128"/>
+              <a:ea typeface="Meiryo" panose="020B0604030504040204" pitchFamily="34" charset="-128"/>
+            </a:endParaRPr>
+          </a:p>
+          <a:p>
+            <a:r>
+              <a:rPr lang="en-US" sz="2000" dirty="0">
+                <a:solidFill>
+                  <a:schemeClr val="bg1"/>
+                </a:solidFill>
+                <a:latin typeface="Meiryo" panose="020B0604030504040204" pitchFamily="34" charset="-128"/>
+                <a:ea typeface="Meiryo" panose="020B0604030504040204" pitchFamily="34" charset="-128"/>
+              </a:rPr>
+              <a:t>- Both the front end and backend share the same JSON Data Stream, making future maintenance and upgrades easier.</a:t>
+            </a:r>
+            <a:endParaRPr lang="vi-VN" sz="2000" dirty="0">
+              <a:solidFill>
+                <a:schemeClr val="bg1"/>
+              </a:solidFill>
+              <a:ea typeface="Meiryo" panose="020B0604030504040204" pitchFamily="34" charset="-128"/>
+            </a:endParaRPr>
+          </a:p>
+        </p:txBody>
+      </p:sp>
+    </p:spTree>
+  </p:cSld>
+  <p:clrMapOvr>
+    <a:masterClrMapping/>
+  </p:clrMapOvr>
+</p:sld>
+</file>
+
+<file path=ppt/slides/slide13.xml><?xml version="1.0" encoding="utf-8"?>
+<p:sld xmlns:a="http://schemas.openxmlformats.org/drawingml/2006/main" xmlns:r="http://schemas.openxmlformats.org/officeDocument/2006/relationships" xmlns:p="http://schemas.openxmlformats.org/presentationml/2006/main">
+  <p:cSld>
+    <p:bg>
+      <p:bgPr>
+        <a:solidFill>
+          <a:srgbClr val="2B4B82"/>
+        </a:solidFill>
+        <a:effectLst/>
+      </p:bgPr>
+    </p:bg>
+    <p:spTree>
+      <p:nvGrpSpPr>
+        <p:cNvPr id="1" name="">
+          <a:extLst>
+            <a:ext uri="{FF2B5EF4-FFF2-40B4-BE49-F238E27FC236}">
+              <a16:creationId xmlns:a16="http://schemas.microsoft.com/office/drawing/2014/main" id="{E2D871B1-B658-9379-62D7-7DFE5EAB8CAF}"/>
+            </a:ext>
+          </a:extLst>
+        </p:cNvPr>
+        <p:cNvGrpSpPr/>
+        <p:nvPr/>
+      </p:nvGrpSpPr>
+      <p:grpSpPr>
+        <a:xfrm>
+          <a:off x="0" y="0"/>
+          <a:ext cx="0" cy="0"/>
+          <a:chOff x="0" y="0"/>
+          <a:chExt cx="0" cy="0"/>
+        </a:xfrm>
+      </p:grpSpPr>
+      <p:sp>
+        <p:nvSpPr>
+          <p:cNvPr id="32" name="Rectangle: Rounded Corners 31">
+            <a:extLst>
+              <a:ext uri="{FF2B5EF4-FFF2-40B4-BE49-F238E27FC236}">
+                <a16:creationId xmlns:a16="http://schemas.microsoft.com/office/drawing/2014/main" id="{82A58048-7BC0-6A6A-0D48-AB58F46EE617}"/>
+              </a:ext>
+            </a:extLst>
+          </p:cNvPr>
+          <p:cNvSpPr/>
+          <p:nvPr/>
+        </p:nvSpPr>
+        <p:spPr>
+          <a:xfrm>
+            <a:off x="10766437" y="6497499"/>
+            <a:ext cx="3581400" cy="2512141"/>
+          </a:xfrm>
+          <a:prstGeom prst="roundRect">
+            <a:avLst/>
+          </a:prstGeom>
+        </p:spPr>
+        <p:style>
+          <a:lnRef idx="1">
+            <a:schemeClr val="accent1"/>
+          </a:lnRef>
+          <a:fillRef idx="2">
+            <a:schemeClr val="accent1"/>
+          </a:fillRef>
+          <a:effectRef idx="1">
+            <a:schemeClr val="accent1"/>
+          </a:effectRef>
+          <a:fontRef idx="minor">
+            <a:schemeClr val="dk1"/>
+          </a:fontRef>
+        </p:style>
+        <p:txBody>
+          <a:bodyPr rtlCol="0" anchor="ctr"/>
+          <a:lstStyle/>
+          <a:p>
+            <a:pPr algn="ctr"/>
+            <a:endParaRPr lang="vi-VN"/>
+          </a:p>
+        </p:txBody>
+      </p:sp>
+      <p:sp>
+        <p:nvSpPr>
+          <p:cNvPr id="31" name="Rectangle: Rounded Corners 30">
+            <a:extLst>
+              <a:ext uri="{FF2B5EF4-FFF2-40B4-BE49-F238E27FC236}">
+                <a16:creationId xmlns:a16="http://schemas.microsoft.com/office/drawing/2014/main" id="{B31D4625-778C-B11B-4930-67F64B734B89}"/>
+              </a:ext>
+            </a:extLst>
+          </p:cNvPr>
+          <p:cNvSpPr/>
+          <p:nvPr/>
+        </p:nvSpPr>
+        <p:spPr>
+          <a:xfrm>
+            <a:off x="2318938" y="6377482"/>
+            <a:ext cx="3581400" cy="2512141"/>
+          </a:xfrm>
+          <a:prstGeom prst="roundRect">
+            <a:avLst/>
+          </a:prstGeom>
+        </p:spPr>
+        <p:style>
+          <a:lnRef idx="1">
+            <a:schemeClr val="accent1"/>
+          </a:lnRef>
+          <a:fillRef idx="2">
+            <a:schemeClr val="accent1"/>
+          </a:fillRef>
+          <a:effectRef idx="1">
+            <a:schemeClr val="accent1"/>
+          </a:effectRef>
+          <a:fontRef idx="minor">
+            <a:schemeClr val="dk1"/>
+          </a:fontRef>
+        </p:style>
+        <p:txBody>
+          <a:bodyPr rtlCol="0" anchor="ctr"/>
+          <a:lstStyle/>
+          <a:p>
+            <a:pPr algn="ctr"/>
+            <a:endParaRPr lang="vi-VN"/>
+          </a:p>
+        </p:txBody>
+      </p:sp>
+      <p:sp>
+        <p:nvSpPr>
+          <p:cNvPr id="9" name="AutoShape 4">
+            <a:extLst>
+              <a:ext uri="{FF2B5EF4-FFF2-40B4-BE49-F238E27FC236}">
+                <a16:creationId xmlns:a16="http://schemas.microsoft.com/office/drawing/2014/main" id="{4C9D3182-4620-3B18-4392-19FBED962E70}"/>
+              </a:ext>
+            </a:extLst>
+          </p:cNvPr>
+          <p:cNvSpPr>
+            <a:spLocks noChangeAspect="1" noChangeArrowheads="1"/>
+          </p:cNvSpPr>
+          <p:nvPr/>
+        </p:nvSpPr>
+        <p:spPr bwMode="auto">
+          <a:xfrm>
+            <a:off x="8991600" y="4991100"/>
+            <a:ext cx="3200400" cy="3200400"/>
+          </a:xfrm>
+          <a:prstGeom prst="rect">
+            <a:avLst/>
+          </a:prstGeom>
+          <a:noFill/>
+          <a:extLst>
+            <a:ext uri="{909E8E84-426E-40DD-AFC4-6F175D3DCCD1}">
+              <a14:hiddenFill xmlns:a14="http://schemas.microsoft.com/office/drawing/2010/main">
+                <a:solidFill>
+                  <a:srgbClr val="FFFFFF"/>
+                </a:solidFill>
+              </a14:hiddenFill>
+            </a:ext>
+          </a:extLst>
+        </p:spPr>
+        <p:txBody>
+          <a:bodyPr vert="horz" wrap="square" lIns="91440" tIns="45720" rIns="91440" bIns="45720" numCol="1" anchor="t" anchorCtr="0" compatLnSpc="1">
+            <a:prstTxWarp prst="textNoShape">
+              <a:avLst/>
+            </a:prstTxWarp>
+          </a:bodyPr>
+          <a:lstStyle/>
+          <a:p>
+            <a:endParaRPr lang="vi-VN"/>
+          </a:p>
+        </p:txBody>
+      </p:sp>
+      <p:sp>
+        <p:nvSpPr>
+          <p:cNvPr id="19" name="Rectangle: Rounded Corners 18">
+            <a:extLst>
+              <a:ext uri="{FF2B5EF4-FFF2-40B4-BE49-F238E27FC236}">
+                <a16:creationId xmlns:a16="http://schemas.microsoft.com/office/drawing/2014/main" id="{3CC25558-1379-6D51-5477-521DA14E1A7D}"/>
+              </a:ext>
+            </a:extLst>
+          </p:cNvPr>
+          <p:cNvSpPr/>
+          <p:nvPr/>
+        </p:nvSpPr>
+        <p:spPr>
+          <a:xfrm>
+            <a:off x="2370832" y="674535"/>
+            <a:ext cx="3991360" cy="4272609"/>
+          </a:xfrm>
+          <a:prstGeom prst="roundRect">
+            <a:avLst/>
+          </a:prstGeom>
+        </p:spPr>
+        <p:style>
+          <a:lnRef idx="1">
+            <a:schemeClr val="accent1"/>
+          </a:lnRef>
+          <a:fillRef idx="2">
+            <a:schemeClr val="accent1"/>
+          </a:fillRef>
+          <a:effectRef idx="1">
+            <a:schemeClr val="accent1"/>
+          </a:effectRef>
+          <a:fontRef idx="minor">
+            <a:schemeClr val="dk1"/>
+          </a:fontRef>
+        </p:style>
+        <p:txBody>
+          <a:bodyPr rtlCol="0" anchor="ctr"/>
+          <a:lstStyle/>
+          <a:p>
+            <a:pPr algn="ctr"/>
+            <a:endParaRPr lang="vi-VN" dirty="0"/>
+          </a:p>
+        </p:txBody>
+      </p:sp>
+      <p:sp>
+        <p:nvSpPr>
+          <p:cNvPr id="3" name="TextBox 3">
+            <a:extLst>
+              <a:ext uri="{FF2B5EF4-FFF2-40B4-BE49-F238E27FC236}">
+                <a16:creationId xmlns:a16="http://schemas.microsoft.com/office/drawing/2014/main" id="{4EAAE290-4661-D527-B018-BF278403B743}"/>
+              </a:ext>
+            </a:extLst>
+          </p:cNvPr>
+          <p:cNvSpPr txBox="1"/>
+          <p:nvPr/>
+        </p:nvSpPr>
+        <p:spPr>
+          <a:xfrm>
+            <a:off x="4260984" y="2810840"/>
+            <a:ext cx="2600847" cy="480003"/>
+          </a:xfrm>
+          <a:prstGeom prst="rect">
+            <a:avLst/>
+          </a:prstGeom>
+        </p:spPr>
+        <p:txBody>
           <a:bodyPr lIns="0" tIns="0" rIns="0" bIns="0" rtlCol="0" anchor="t">
             <a:spAutoFit/>
           </a:bodyPr>
@@ -3648,34 +6295,52 @@
               </a:lnSpc>
             </a:pPr>
             <a:r>
-              <a:rPr lang="en-US" sz="3000">
+              <a:rPr lang="en-US" sz="2400" dirty="0" err="1">
                 <a:solidFill>
-                  <a:srgbClr val="FFFFFF"/>
+                  <a:schemeClr val="tx1">
+                    <a:lumMod val="75000"/>
+                    <a:lumOff val="25000"/>
+                  </a:schemeClr>
                 </a:solidFill>
                 <a:latin typeface="Montserrat"/>
               </a:rPr>
               <a:t>Reactjs</a:t>
             </a:r>
-          </a:p>
-        </p:txBody>
-      </p:sp>
-      <p:sp>
-        <p:nvSpPr>
-          <p:cNvPr id="4" name="TextBox 4"/>
+            <a:endParaRPr lang="en-US" sz="2400" dirty="0">
+              <a:solidFill>
+                <a:schemeClr val="tx1">
+                  <a:lumMod val="75000"/>
+                  <a:lumOff val="25000"/>
+                </a:schemeClr>
+              </a:solidFill>
+              <a:latin typeface="Montserrat"/>
+            </a:endParaRPr>
+          </a:p>
+        </p:txBody>
+      </p:sp>
+      <p:sp>
+        <p:nvSpPr>
+          <p:cNvPr id="4" name="TextBox 4">
+            <a:extLst>
+              <a:ext uri="{FF2B5EF4-FFF2-40B4-BE49-F238E27FC236}">
+                <a16:creationId xmlns:a16="http://schemas.microsoft.com/office/drawing/2014/main" id="{760FDE9F-B7FB-07A9-72A0-4C5B4D1EE9EF}"/>
+              </a:ext>
+            </a:extLst>
+          </p:cNvPr>
           <p:cNvSpPr txBox="1"/>
           <p:nvPr/>
         </p:nvSpPr>
         <p:spPr>
           <a:xfrm>
-            <a:off x="3811103" y="7872244"/>
-            <a:ext cx="4021925" cy="514350"/>
+            <a:off x="2752699" y="3734339"/>
+            <a:ext cx="2480505" cy="480003"/>
           </a:xfrm>
           <a:prstGeom prst="rect">
             <a:avLst/>
           </a:prstGeom>
         </p:spPr>
         <p:txBody>
-          <a:bodyPr lIns="0" tIns="0" rIns="0" bIns="0" rtlCol="0" anchor="t">
+          <a:bodyPr wrap="square" lIns="0" tIns="0" rIns="0" bIns="0" rtlCol="0" anchor="t">
             <a:spAutoFit/>
           </a:bodyPr>
           <a:lstStyle/>
@@ -3686,9 +6351,12 @@
               </a:lnSpc>
             </a:pPr>
             <a:r>
-              <a:rPr lang="en-US" sz="3000">
+              <a:rPr lang="en-US" sz="2400" dirty="0">
                 <a:solidFill>
-                  <a:srgbClr val="FFFFFF"/>
+                  <a:schemeClr val="tx1">
+                    <a:lumMod val="75000"/>
+                    <a:lumOff val="25000"/>
+                  </a:schemeClr>
                 </a:solidFill>
                 <a:latin typeface="Montserrat"/>
               </a:rPr>
@@ -3699,14 +6367,20 @@
       </p:sp>
       <p:sp>
         <p:nvSpPr>
-          <p:cNvPr id="5" name="Freeform 5"/>
+          <p:cNvPr id="5" name="Freeform 5">
+            <a:extLst>
+              <a:ext uri="{FF2B5EF4-FFF2-40B4-BE49-F238E27FC236}">
+                <a16:creationId xmlns:a16="http://schemas.microsoft.com/office/drawing/2014/main" id="{79820EDF-878B-DCB2-5962-53F27E27E484}"/>
+              </a:ext>
+            </a:extLst>
+          </p:cNvPr>
           <p:cNvSpPr/>
           <p:nvPr/>
         </p:nvSpPr>
         <p:spPr>
           <a:xfrm>
-            <a:off x="9610768" y="3470007"/>
-            <a:ext cx="5093662" cy="3346985"/>
+            <a:off x="4797630" y="1793159"/>
+            <a:ext cx="1527558" cy="1071198"/>
           </a:xfrm>
           <a:custGeom>
             <a:avLst/>
@@ -3746,20 +6420,26 @@
           <a:bodyPr/>
           <a:lstStyle/>
           <a:p>
-            <a:endParaRPr lang="vi-VN"/>
-          </a:p>
-        </p:txBody>
-      </p:sp>
-      <p:sp>
-        <p:nvSpPr>
-          <p:cNvPr id="6" name="Freeform 6"/>
+            <a:endParaRPr lang="vi-VN" dirty="0"/>
+          </a:p>
+        </p:txBody>
+      </p:sp>
+      <p:sp>
+        <p:nvSpPr>
+          <p:cNvPr id="6" name="Freeform 6">
+            <a:extLst>
+              <a:ext uri="{FF2B5EF4-FFF2-40B4-BE49-F238E27FC236}">
+                <a16:creationId xmlns:a16="http://schemas.microsoft.com/office/drawing/2014/main" id="{F2D65B0D-B89B-5592-F997-866C60997E69}"/>
+              </a:ext>
+            </a:extLst>
+          </p:cNvPr>
           <p:cNvSpPr/>
           <p:nvPr/>
         </p:nvSpPr>
         <p:spPr>
           <a:xfrm>
-            <a:off x="3583569" y="3230235"/>
-            <a:ext cx="4249458" cy="4249458"/>
+            <a:off x="3355827" y="2663431"/>
+            <a:ext cx="1274251" cy="1298274"/>
           </a:xfrm>
           <a:custGeom>
             <a:avLst/>
@@ -3799,11 +6479,838 @@
           <a:bodyPr/>
           <a:lstStyle/>
           <a:p>
-            <a:endParaRPr lang="vi-VN"/>
+            <a:endParaRPr lang="vi-VN" dirty="0"/>
+          </a:p>
+        </p:txBody>
+      </p:sp>
+      <p:pic>
+        <p:nvPicPr>
+          <p:cNvPr id="2058" name="Picture 10">
+            <a:extLst>
+              <a:ext uri="{FF2B5EF4-FFF2-40B4-BE49-F238E27FC236}">
+                <a16:creationId xmlns:a16="http://schemas.microsoft.com/office/drawing/2014/main" id="{91C265C2-26E4-8D02-B910-2DBA2D3422D7}"/>
+              </a:ext>
+            </a:extLst>
+          </p:cNvPr>
+          <p:cNvPicPr>
+            <a:picLocks noChangeAspect="1" noChangeArrowheads="1"/>
+          </p:cNvPicPr>
+          <p:nvPr/>
+        </p:nvPicPr>
+        <p:blipFill>
+          <a:blip r:embed="rId4">
+            <a:extLst>
+              <a:ext uri="{28A0092B-C50C-407E-A947-70E740481C1C}">
+                <a14:useLocalDpi xmlns:a14="http://schemas.microsoft.com/office/drawing/2010/main" val="0"/>
+              </a:ext>
+            </a:extLst>
+          </a:blip>
+          <a:srcRect/>
+          <a:stretch>
+            <a:fillRect/>
+          </a:stretch>
+        </p:blipFill>
+        <p:spPr bwMode="auto">
+          <a:xfrm>
+            <a:off x="3149932" y="913001"/>
+            <a:ext cx="1216580" cy="1304077"/>
+          </a:xfrm>
+          <a:prstGeom prst="rect">
+            <a:avLst/>
+          </a:prstGeom>
+          <a:noFill/>
+          <a:extLst>
+            <a:ext uri="{909E8E84-426E-40DD-AFC4-6F175D3DCCD1}">
+              <a14:hiddenFill xmlns:a14="http://schemas.microsoft.com/office/drawing/2010/main">
+                <a:solidFill>
+                  <a:srgbClr val="FFFFFF"/>
+                </a:solidFill>
+              </a14:hiddenFill>
+            </a:ext>
+          </a:extLst>
+        </p:spPr>
+      </p:pic>
+      <p:sp>
+        <p:nvSpPr>
+          <p:cNvPr id="12" name="TextBox 3">
+            <a:extLst>
+              <a:ext uri="{FF2B5EF4-FFF2-40B4-BE49-F238E27FC236}">
+                <a16:creationId xmlns:a16="http://schemas.microsoft.com/office/drawing/2014/main" id="{6B5885A5-E64D-2A53-B5BA-3C7CC2240F2C}"/>
+              </a:ext>
+            </a:extLst>
+          </p:cNvPr>
+          <p:cNvSpPr txBox="1"/>
+          <p:nvPr/>
+        </p:nvSpPr>
+        <p:spPr>
+          <a:xfrm>
+            <a:off x="3374369" y="2089938"/>
+            <a:ext cx="767705" cy="480003"/>
+          </a:xfrm>
+          <a:prstGeom prst="rect">
+            <a:avLst/>
+          </a:prstGeom>
+        </p:spPr>
+        <p:txBody>
+          <a:bodyPr wrap="square" lIns="0" tIns="0" rIns="0" bIns="0" rtlCol="0" anchor="t">
+            <a:spAutoFit/>
+          </a:bodyPr>
+          <a:lstStyle/>
+          <a:p>
+            <a:pPr marL="0" lvl="0" indent="0" algn="ctr">
+              <a:lnSpc>
+                <a:spcPts val="4200"/>
+              </a:lnSpc>
+            </a:pPr>
+            <a:r>
+              <a:rPr lang="en-US" sz="2400" dirty="0" err="1">
+                <a:solidFill>
+                  <a:schemeClr val="tx1">
+                    <a:lumMod val="75000"/>
+                    <a:lumOff val="25000"/>
+                  </a:schemeClr>
+                </a:solidFill>
+                <a:latin typeface="Montserrat"/>
+              </a:rPr>
+              <a:t>Vite</a:t>
+            </a:r>
+            <a:endParaRPr lang="en-US" sz="2400" dirty="0">
+              <a:solidFill>
+                <a:schemeClr val="tx1">
+                  <a:lumMod val="75000"/>
+                  <a:lumOff val="25000"/>
+                </a:schemeClr>
+              </a:solidFill>
+              <a:latin typeface="Montserrat"/>
+            </a:endParaRPr>
+          </a:p>
+        </p:txBody>
+      </p:sp>
+      <p:pic>
+        <p:nvPicPr>
+          <p:cNvPr id="2070" name="Picture 22" descr="Node.js: how to log errors to MongoDB | Gabriele Romanato">
+            <a:extLst>
+              <a:ext uri="{FF2B5EF4-FFF2-40B4-BE49-F238E27FC236}">
+                <a16:creationId xmlns:a16="http://schemas.microsoft.com/office/drawing/2014/main" id="{25CE2BF6-837E-7B61-FEEB-029F569BB5A2}"/>
+              </a:ext>
+            </a:extLst>
+          </p:cNvPr>
+          <p:cNvPicPr>
+            <a:picLocks noChangeAspect="1" noChangeArrowheads="1"/>
+          </p:cNvPicPr>
+          <p:nvPr/>
+        </p:nvPicPr>
+        <p:blipFill>
+          <a:blip r:embed="rId5">
+            <a:extLst>
+              <a:ext uri="{28A0092B-C50C-407E-A947-70E740481C1C}">
+                <a14:useLocalDpi xmlns:a14="http://schemas.microsoft.com/office/drawing/2010/main" val="0"/>
+              </a:ext>
+            </a:extLst>
+          </a:blip>
+          <a:srcRect/>
+          <a:stretch>
+            <a:fillRect/>
+          </a:stretch>
+        </p:blipFill>
+        <p:spPr bwMode="auto">
+          <a:xfrm>
+            <a:off x="3047262" y="7012816"/>
+            <a:ext cx="2417708" cy="647700"/>
+          </a:xfrm>
+          <a:prstGeom prst="rect">
+            <a:avLst/>
+          </a:prstGeom>
+          <a:noFill/>
+          <a:extLst>
+            <a:ext uri="{909E8E84-426E-40DD-AFC4-6F175D3DCCD1}">
+              <a14:hiddenFill xmlns:a14="http://schemas.microsoft.com/office/drawing/2010/main">
+                <a:solidFill>
+                  <a:srgbClr val="FFFFFF"/>
+                </a:solidFill>
+              </a14:hiddenFill>
+            </a:ext>
+          </a:extLst>
+        </p:spPr>
+      </p:pic>
+      <p:pic>
+        <p:nvPicPr>
+          <p:cNvPr id="2074" name="Picture 26" descr="How you should think about docker containers if you understand linux. | by  Lucas Sproule | Medium">
+            <a:extLst>
+              <a:ext uri="{FF2B5EF4-FFF2-40B4-BE49-F238E27FC236}">
+                <a16:creationId xmlns:a16="http://schemas.microsoft.com/office/drawing/2014/main" id="{B1F73343-114C-4BCA-2270-72AAB5FFBCB9}"/>
+              </a:ext>
+            </a:extLst>
+          </p:cNvPr>
+          <p:cNvPicPr>
+            <a:picLocks noChangeAspect="1" noChangeArrowheads="1"/>
+          </p:cNvPicPr>
+          <p:nvPr/>
+        </p:nvPicPr>
+        <p:blipFill>
+          <a:blip r:embed="rId6">
+            <a:extLst>
+              <a:ext uri="{28A0092B-C50C-407E-A947-70E740481C1C}">
+                <a14:useLocalDpi xmlns:a14="http://schemas.microsoft.com/office/drawing/2010/main" val="0"/>
+              </a:ext>
+            </a:extLst>
+          </a:blip>
+          <a:srcRect/>
+          <a:stretch>
+            <a:fillRect/>
+          </a:stretch>
+        </p:blipFill>
+        <p:spPr bwMode="auto">
+          <a:xfrm>
+            <a:off x="11277600" y="6786562"/>
+            <a:ext cx="2619375" cy="1743075"/>
+          </a:xfrm>
+          <a:prstGeom prst="rect">
+            <a:avLst/>
+          </a:prstGeom>
+          <a:noFill/>
+          <a:extLst>
+            <a:ext uri="{909E8E84-426E-40DD-AFC4-6F175D3DCCD1}">
+              <a14:hiddenFill xmlns:a14="http://schemas.microsoft.com/office/drawing/2010/main">
+                <a:solidFill>
+                  <a:srgbClr val="FFFFFF"/>
+                </a:solidFill>
+              </a14:hiddenFill>
+            </a:ext>
+          </a:extLst>
+        </p:spPr>
+      </p:pic>
+      <p:grpSp>
+        <p:nvGrpSpPr>
+          <p:cNvPr id="22" name="Group 21">
+            <a:extLst>
+              <a:ext uri="{FF2B5EF4-FFF2-40B4-BE49-F238E27FC236}">
+                <a16:creationId xmlns:a16="http://schemas.microsoft.com/office/drawing/2014/main" id="{E92E5242-2F9A-82D8-04F9-5BD65D80AEB1}"/>
+              </a:ext>
+            </a:extLst>
+          </p:cNvPr>
+          <p:cNvGrpSpPr/>
+          <p:nvPr/>
+        </p:nvGrpSpPr>
+        <p:grpSpPr>
+          <a:xfrm>
+            <a:off x="10361995" y="901767"/>
+            <a:ext cx="4795123" cy="4298147"/>
+            <a:chOff x="9803126" y="354816"/>
+            <a:chExt cx="6172200" cy="6163814"/>
+          </a:xfrm>
+        </p:grpSpPr>
+        <p:sp>
+          <p:nvSpPr>
+            <p:cNvPr id="20" name="Rectangle: Rounded Corners 19">
+              <a:extLst>
+                <a:ext uri="{FF2B5EF4-FFF2-40B4-BE49-F238E27FC236}">
+                  <a16:creationId xmlns:a16="http://schemas.microsoft.com/office/drawing/2014/main" id="{D16533E2-B0FB-A1D7-55D5-A8D8CC52983D}"/>
+                </a:ext>
+              </a:extLst>
+            </p:cNvPr>
+            <p:cNvSpPr/>
+            <p:nvPr/>
+          </p:nvSpPr>
+          <p:spPr>
+            <a:xfrm>
+              <a:off x="9803126" y="354816"/>
+              <a:ext cx="6172200" cy="6163814"/>
+            </a:xfrm>
+            <a:prstGeom prst="roundRect">
+              <a:avLst/>
+            </a:prstGeom>
+          </p:spPr>
+          <p:style>
+            <a:lnRef idx="1">
+              <a:schemeClr val="accent1"/>
+            </a:lnRef>
+            <a:fillRef idx="2">
+              <a:schemeClr val="accent1"/>
+            </a:fillRef>
+            <a:effectRef idx="1">
+              <a:schemeClr val="accent1"/>
+            </a:effectRef>
+            <a:fontRef idx="minor">
+              <a:schemeClr val="dk1"/>
+            </a:fontRef>
+          </p:style>
+          <p:txBody>
+            <a:bodyPr rtlCol="0" anchor="ctr"/>
+            <a:lstStyle/>
+            <a:p>
+              <a:pPr algn="ctr"/>
+              <a:endParaRPr lang="vi-VN"/>
+            </a:p>
+          </p:txBody>
+        </p:sp>
+        <p:pic>
+          <p:nvPicPr>
+            <p:cNvPr id="2060" name="Picture 12" descr="Nodejs - Free brands and logotypes icons">
+              <a:extLst>
+                <a:ext uri="{FF2B5EF4-FFF2-40B4-BE49-F238E27FC236}">
+                  <a16:creationId xmlns:a16="http://schemas.microsoft.com/office/drawing/2014/main" id="{2C73B22A-738D-9884-468B-83269A45523C}"/>
+                </a:ext>
+              </a:extLst>
+            </p:cNvPr>
+            <p:cNvPicPr>
+              <a:picLocks noChangeAspect="1" noChangeArrowheads="1"/>
+            </p:cNvPicPr>
+            <p:nvPr/>
+          </p:nvPicPr>
+          <p:blipFill>
+            <a:blip r:embed="rId7">
+              <a:extLst>
+                <a:ext uri="{28A0092B-C50C-407E-A947-70E740481C1C}">
+                  <a14:useLocalDpi xmlns:a14="http://schemas.microsoft.com/office/drawing/2010/main" val="0"/>
+                </a:ext>
+              </a:extLst>
+            </a:blip>
+            <a:srcRect/>
+            <a:stretch>
+              <a:fillRect/>
+            </a:stretch>
+          </p:blipFill>
+          <p:spPr bwMode="auto">
+            <a:xfrm>
+              <a:off x="11052609" y="972716"/>
+              <a:ext cx="1656202" cy="1656202"/>
+            </a:xfrm>
+            <a:prstGeom prst="rect">
+              <a:avLst/>
+            </a:prstGeom>
+            <a:noFill/>
+            <a:extLst>
+              <a:ext uri="{909E8E84-426E-40DD-AFC4-6F175D3DCCD1}">
+                <a14:hiddenFill xmlns:a14="http://schemas.microsoft.com/office/drawing/2010/main">
+                  <a:solidFill>
+                    <a:srgbClr val="FFFFFF"/>
+                  </a:solidFill>
+                </a14:hiddenFill>
+              </a:ext>
+            </a:extLst>
+          </p:spPr>
+        </p:pic>
+        <p:pic>
+          <p:nvPicPr>
+            <p:cNvPr id="2066" name="Picture 18">
+              <a:extLst>
+                <a:ext uri="{FF2B5EF4-FFF2-40B4-BE49-F238E27FC236}">
+                  <a16:creationId xmlns:a16="http://schemas.microsoft.com/office/drawing/2014/main" id="{5A879CB4-6BA0-0357-EFF9-DFA1411F305D}"/>
+                </a:ext>
+              </a:extLst>
+            </p:cNvPr>
+            <p:cNvPicPr>
+              <a:picLocks noChangeAspect="1" noChangeArrowheads="1"/>
+            </p:cNvPicPr>
+            <p:nvPr/>
+          </p:nvPicPr>
+          <p:blipFill>
+            <a:blip r:embed="rId8">
+              <a:extLst>
+                <a:ext uri="{28A0092B-C50C-407E-A947-70E740481C1C}">
+                  <a14:useLocalDpi xmlns:a14="http://schemas.microsoft.com/office/drawing/2010/main" val="0"/>
+                </a:ext>
+              </a:extLst>
+            </a:blip>
+            <a:srcRect/>
+            <a:stretch>
+              <a:fillRect/>
+            </a:stretch>
+          </p:blipFill>
+          <p:spPr bwMode="auto">
+            <a:xfrm>
+              <a:off x="13182600" y="1562100"/>
+              <a:ext cx="1922412" cy="2561736"/>
+            </a:xfrm>
+            <a:prstGeom prst="rect">
+              <a:avLst/>
+            </a:prstGeom>
+            <a:noFill/>
+            <a:extLst>
+              <a:ext uri="{909E8E84-426E-40DD-AFC4-6F175D3DCCD1}">
+                <a14:hiddenFill xmlns:a14="http://schemas.microsoft.com/office/drawing/2010/main">
+                  <a:solidFill>
+                    <a:srgbClr val="FFFFFF"/>
+                  </a:solidFill>
+                </a14:hiddenFill>
+              </a:ext>
+            </a:extLst>
+          </p:spPr>
+        </p:pic>
+        <p:pic>
+          <p:nvPicPr>
+            <p:cNvPr id="2068" name="Picture 20" descr="Implementación de WebSockets con Socket.io">
+              <a:extLst>
+                <a:ext uri="{FF2B5EF4-FFF2-40B4-BE49-F238E27FC236}">
+                  <a16:creationId xmlns:a16="http://schemas.microsoft.com/office/drawing/2014/main" id="{23A6B80D-1963-1582-E970-5888027C9DA2}"/>
+                </a:ext>
+              </a:extLst>
+            </p:cNvPr>
+            <p:cNvPicPr>
+              <a:picLocks noChangeAspect="1" noChangeArrowheads="1"/>
+            </p:cNvPicPr>
+            <p:nvPr/>
+          </p:nvPicPr>
+          <p:blipFill>
+            <a:blip r:embed="rId9">
+              <a:extLst>
+                <a:ext uri="{28A0092B-C50C-407E-A947-70E740481C1C}">
+                  <a14:useLocalDpi xmlns:a14="http://schemas.microsoft.com/office/drawing/2010/main" val="0"/>
+                </a:ext>
+              </a:extLst>
+            </a:blip>
+            <a:srcRect/>
+            <a:stretch>
+              <a:fillRect/>
+            </a:stretch>
+          </p:blipFill>
+          <p:spPr bwMode="auto">
+            <a:xfrm>
+              <a:off x="10894872" y="3469397"/>
+              <a:ext cx="1952625" cy="1295400"/>
+            </a:xfrm>
+            <a:prstGeom prst="rect">
+              <a:avLst/>
+            </a:prstGeom>
+            <a:noFill/>
+            <a:extLst>
+              <a:ext uri="{909E8E84-426E-40DD-AFC4-6F175D3DCCD1}">
+                <a14:hiddenFill xmlns:a14="http://schemas.microsoft.com/office/drawing/2010/main">
+                  <a:solidFill>
+                    <a:srgbClr val="FFFFFF"/>
+                  </a:solidFill>
+                </a14:hiddenFill>
+              </a:ext>
+            </a:extLst>
+          </p:spPr>
+        </p:pic>
+        <p:sp>
+          <p:nvSpPr>
+            <p:cNvPr id="14" name="TextBox 3">
+              <a:extLst>
+                <a:ext uri="{FF2B5EF4-FFF2-40B4-BE49-F238E27FC236}">
+                  <a16:creationId xmlns:a16="http://schemas.microsoft.com/office/drawing/2014/main" id="{7AF8E5FA-0304-3892-803A-558DB5A2D778}"/>
+                </a:ext>
+              </a:extLst>
+            </p:cNvPr>
+            <p:cNvSpPr txBox="1"/>
+            <p:nvPr/>
+          </p:nvSpPr>
+          <p:spPr>
+            <a:xfrm>
+              <a:off x="11043084" y="2607307"/>
+              <a:ext cx="1656202" cy="499047"/>
+            </a:xfrm>
+            <a:prstGeom prst="rect">
+              <a:avLst/>
+            </a:prstGeom>
+          </p:spPr>
+          <p:txBody>
+            <a:bodyPr wrap="square" lIns="0" tIns="0" rIns="0" bIns="0" rtlCol="0" anchor="t">
+              <a:spAutoFit/>
+            </a:bodyPr>
+            <a:lstStyle/>
+            <a:p>
+              <a:pPr marL="0" lvl="0" indent="0" algn="ctr">
+                <a:lnSpc>
+                  <a:spcPts val="4200"/>
+                </a:lnSpc>
+              </a:pPr>
+              <a:r>
+                <a:rPr lang="en-US" sz="2400" dirty="0">
+                  <a:solidFill>
+                    <a:schemeClr val="tx1">
+                      <a:lumMod val="75000"/>
+                      <a:lumOff val="25000"/>
+                    </a:schemeClr>
+                  </a:solidFill>
+                  <a:latin typeface="Montserrat"/>
+                </a:rPr>
+                <a:t>Node.js</a:t>
+              </a:r>
+            </a:p>
+          </p:txBody>
+        </p:sp>
+        <p:sp>
+          <p:nvSpPr>
+            <p:cNvPr id="15" name="TextBox 3">
+              <a:extLst>
+                <a:ext uri="{FF2B5EF4-FFF2-40B4-BE49-F238E27FC236}">
+                  <a16:creationId xmlns:a16="http://schemas.microsoft.com/office/drawing/2014/main" id="{FAD6793E-9DC6-8F34-FE76-4CE2A6BD710D}"/>
+                </a:ext>
+              </a:extLst>
+            </p:cNvPr>
+            <p:cNvSpPr txBox="1"/>
+            <p:nvPr/>
+          </p:nvSpPr>
+          <p:spPr>
+            <a:xfrm>
+              <a:off x="13315705" y="4008575"/>
+              <a:ext cx="1970488" cy="499047"/>
+            </a:xfrm>
+            <a:prstGeom prst="rect">
+              <a:avLst/>
+            </a:prstGeom>
+          </p:spPr>
+          <p:txBody>
+            <a:bodyPr wrap="square" lIns="0" tIns="0" rIns="0" bIns="0" rtlCol="0" anchor="t">
+              <a:spAutoFit/>
+            </a:bodyPr>
+            <a:lstStyle/>
+            <a:p>
+              <a:pPr marL="0" lvl="0" indent="0" algn="ctr">
+                <a:lnSpc>
+                  <a:spcPts val="4200"/>
+                </a:lnSpc>
+              </a:pPr>
+              <a:r>
+                <a:rPr lang="en-US" sz="2400" dirty="0">
+                  <a:solidFill>
+                    <a:schemeClr val="tx1">
+                      <a:lumMod val="75000"/>
+                      <a:lumOff val="25000"/>
+                    </a:schemeClr>
+                  </a:solidFill>
+                  <a:latin typeface="Montserrat"/>
+                </a:rPr>
+                <a:t>Express.js</a:t>
+              </a:r>
+            </a:p>
+          </p:txBody>
+        </p:sp>
+        <p:sp>
+          <p:nvSpPr>
+            <p:cNvPr id="16" name="TextBox 3">
+              <a:extLst>
+                <a:ext uri="{FF2B5EF4-FFF2-40B4-BE49-F238E27FC236}">
+                  <a16:creationId xmlns:a16="http://schemas.microsoft.com/office/drawing/2014/main" id="{28DA63E8-07DB-4796-9F3E-D637D6D95938}"/>
+                </a:ext>
+              </a:extLst>
+            </p:cNvPr>
+            <p:cNvSpPr txBox="1"/>
+            <p:nvPr/>
+          </p:nvSpPr>
+          <p:spPr>
+            <a:xfrm>
+              <a:off x="10885940" y="4846205"/>
+              <a:ext cx="1970488" cy="499047"/>
+            </a:xfrm>
+            <a:prstGeom prst="rect">
+              <a:avLst/>
+            </a:prstGeom>
+          </p:spPr>
+          <p:txBody>
+            <a:bodyPr wrap="square" lIns="0" tIns="0" rIns="0" bIns="0" rtlCol="0" anchor="t">
+              <a:spAutoFit/>
+            </a:bodyPr>
+            <a:lstStyle/>
+            <a:p>
+              <a:pPr marL="0" lvl="0" indent="0" algn="ctr">
+                <a:lnSpc>
+                  <a:spcPts val="4200"/>
+                </a:lnSpc>
+              </a:pPr>
+              <a:r>
+                <a:rPr lang="en-US" sz="2400" dirty="0">
+                  <a:solidFill>
+                    <a:schemeClr val="tx1">
+                      <a:lumMod val="75000"/>
+                      <a:lumOff val="25000"/>
+                    </a:schemeClr>
+                  </a:solidFill>
+                  <a:latin typeface="Montserrat"/>
+                </a:rPr>
+                <a:t>Socket.IO</a:t>
+              </a:r>
+            </a:p>
+          </p:txBody>
+        </p:sp>
+      </p:grpSp>
+      <p:sp>
+        <p:nvSpPr>
+          <p:cNvPr id="17" name="TextBox 3">
+            <a:extLst>
+              <a:ext uri="{FF2B5EF4-FFF2-40B4-BE49-F238E27FC236}">
+                <a16:creationId xmlns:a16="http://schemas.microsoft.com/office/drawing/2014/main" id="{E09FAEDE-11B6-FD2D-56E5-33907AE95C2C}"/>
+              </a:ext>
+            </a:extLst>
+          </p:cNvPr>
+          <p:cNvSpPr txBox="1"/>
+          <p:nvPr/>
+        </p:nvSpPr>
+        <p:spPr>
+          <a:xfrm>
+            <a:off x="2098676" y="7660516"/>
+            <a:ext cx="4021925" cy="480003"/>
+          </a:xfrm>
+          <a:prstGeom prst="rect">
+            <a:avLst/>
+          </a:prstGeom>
+        </p:spPr>
+        <p:txBody>
+          <a:bodyPr lIns="0" tIns="0" rIns="0" bIns="0" rtlCol="0" anchor="t">
+            <a:spAutoFit/>
+          </a:bodyPr>
+          <a:lstStyle/>
+          <a:p>
+            <a:pPr marL="0" lvl="0" indent="0" algn="ctr">
+              <a:lnSpc>
+                <a:spcPts val="4200"/>
+              </a:lnSpc>
+            </a:pPr>
+            <a:r>
+              <a:rPr lang="en-US" sz="2400" dirty="0">
+                <a:solidFill>
+                  <a:schemeClr val="tx1">
+                    <a:lumMod val="75000"/>
+                    <a:lumOff val="25000"/>
+                  </a:schemeClr>
+                </a:solidFill>
+                <a:latin typeface="Montserrat"/>
+              </a:rPr>
+              <a:t>MongoDB</a:t>
+            </a:r>
+          </a:p>
+        </p:txBody>
+      </p:sp>
+      <p:sp>
+        <p:nvSpPr>
+          <p:cNvPr id="18" name="TextBox 3">
+            <a:extLst>
+              <a:ext uri="{FF2B5EF4-FFF2-40B4-BE49-F238E27FC236}">
+                <a16:creationId xmlns:a16="http://schemas.microsoft.com/office/drawing/2014/main" id="{A58ACCA3-4FAB-27AF-ED93-647A412F4CFE}"/>
+              </a:ext>
+            </a:extLst>
+          </p:cNvPr>
+          <p:cNvSpPr txBox="1"/>
+          <p:nvPr/>
+        </p:nvSpPr>
+        <p:spPr>
+          <a:xfrm>
+            <a:off x="10576324" y="8529637"/>
+            <a:ext cx="4021925" cy="480003"/>
+          </a:xfrm>
+          <a:prstGeom prst="rect">
+            <a:avLst/>
+          </a:prstGeom>
+        </p:spPr>
+        <p:txBody>
+          <a:bodyPr lIns="0" tIns="0" rIns="0" bIns="0" rtlCol="0" anchor="t">
+            <a:spAutoFit/>
+          </a:bodyPr>
+          <a:lstStyle/>
+          <a:p>
+            <a:pPr marL="0" lvl="0" indent="0" algn="ctr">
+              <a:lnSpc>
+                <a:spcPts val="4200"/>
+              </a:lnSpc>
+            </a:pPr>
+            <a:r>
+              <a:rPr lang="en-US" sz="2400" dirty="0">
+                <a:solidFill>
+                  <a:schemeClr val="tx1">
+                    <a:lumMod val="75000"/>
+                    <a:lumOff val="25000"/>
+                  </a:schemeClr>
+                </a:solidFill>
+                <a:latin typeface="Montserrat"/>
+              </a:rPr>
+              <a:t>Docker</a:t>
+            </a:r>
+          </a:p>
+        </p:txBody>
+      </p:sp>
+      <p:sp>
+        <p:nvSpPr>
+          <p:cNvPr id="33" name="TextBox 32">
+            <a:extLst>
+              <a:ext uri="{FF2B5EF4-FFF2-40B4-BE49-F238E27FC236}">
+                <a16:creationId xmlns:a16="http://schemas.microsoft.com/office/drawing/2014/main" id="{6F1F333E-02E4-060D-E543-6C289AD8FECB}"/>
+              </a:ext>
+            </a:extLst>
+          </p:cNvPr>
+          <p:cNvSpPr txBox="1"/>
+          <p:nvPr/>
+        </p:nvSpPr>
+        <p:spPr>
+          <a:xfrm>
+            <a:off x="3350021" y="5143535"/>
+            <a:ext cx="2270686" cy="523220"/>
+          </a:xfrm>
+          <a:prstGeom prst="rect">
+            <a:avLst/>
+          </a:prstGeom>
+          <a:noFill/>
+        </p:spPr>
+        <p:txBody>
+          <a:bodyPr wrap="none" rtlCol="0">
+            <a:spAutoFit/>
+          </a:bodyPr>
+          <a:lstStyle/>
+          <a:p>
+            <a:r>
+              <a:rPr lang="en-US" sz="2800" dirty="0">
+                <a:solidFill>
+                  <a:schemeClr val="bg1"/>
+                </a:solidFill>
+                <a:latin typeface="+mj-lt"/>
+              </a:rPr>
+              <a:t>Front End side</a:t>
+            </a:r>
+            <a:endParaRPr lang="vi-VN" sz="2800" dirty="0">
+              <a:solidFill>
+                <a:schemeClr val="bg1"/>
+              </a:solidFill>
+              <a:latin typeface="+mj-lt"/>
+            </a:endParaRPr>
+          </a:p>
+        </p:txBody>
+      </p:sp>
+      <p:sp>
+        <p:nvSpPr>
+          <p:cNvPr id="34" name="TextBox 33">
+            <a:extLst>
+              <a:ext uri="{FF2B5EF4-FFF2-40B4-BE49-F238E27FC236}">
+                <a16:creationId xmlns:a16="http://schemas.microsoft.com/office/drawing/2014/main" id="{B73BF7E6-3435-180C-1B68-7FD3E0F2418F}"/>
+              </a:ext>
+            </a:extLst>
+          </p:cNvPr>
+          <p:cNvSpPr txBox="1"/>
+          <p:nvPr/>
+        </p:nvSpPr>
+        <p:spPr>
+          <a:xfrm>
+            <a:off x="12088845" y="5316984"/>
+            <a:ext cx="1789080" cy="523220"/>
+          </a:xfrm>
+          <a:prstGeom prst="rect">
+            <a:avLst/>
+          </a:prstGeom>
+          <a:noFill/>
+        </p:spPr>
+        <p:txBody>
+          <a:bodyPr wrap="none" rtlCol="0">
+            <a:spAutoFit/>
+          </a:bodyPr>
+          <a:lstStyle/>
+          <a:p>
+            <a:r>
+              <a:rPr lang="en-US" sz="2800" dirty="0">
+                <a:solidFill>
+                  <a:schemeClr val="bg1"/>
+                </a:solidFill>
+                <a:latin typeface="+mj-lt"/>
+              </a:rPr>
+              <a:t>Server side</a:t>
+            </a:r>
+            <a:endParaRPr lang="vi-VN" sz="2800" dirty="0">
+              <a:solidFill>
+                <a:schemeClr val="bg1"/>
+              </a:solidFill>
+              <a:latin typeface="+mj-lt"/>
+            </a:endParaRPr>
+          </a:p>
+        </p:txBody>
+      </p:sp>
+      <p:sp>
+        <p:nvSpPr>
+          <p:cNvPr id="35" name="TextBox 34">
+            <a:extLst>
+              <a:ext uri="{FF2B5EF4-FFF2-40B4-BE49-F238E27FC236}">
+                <a16:creationId xmlns:a16="http://schemas.microsoft.com/office/drawing/2014/main" id="{0C63AF10-E435-FCE4-907B-AC007E515564}"/>
+              </a:ext>
+            </a:extLst>
+          </p:cNvPr>
+          <p:cNvSpPr txBox="1"/>
+          <p:nvPr/>
+        </p:nvSpPr>
+        <p:spPr>
+          <a:xfrm>
+            <a:off x="3327252" y="8861396"/>
+            <a:ext cx="1547540" cy="523220"/>
+          </a:xfrm>
+          <a:prstGeom prst="rect">
+            <a:avLst/>
+          </a:prstGeom>
+          <a:noFill/>
+        </p:spPr>
+        <p:txBody>
+          <a:bodyPr wrap="none" rtlCol="0">
+            <a:spAutoFit/>
+          </a:bodyPr>
+          <a:lstStyle/>
+          <a:p>
+            <a:r>
+              <a:rPr lang="en-US" sz="2800" dirty="0" err="1">
+                <a:solidFill>
+                  <a:schemeClr val="bg1"/>
+                </a:solidFill>
+                <a:latin typeface="+mj-lt"/>
+              </a:rPr>
+              <a:t>DataBase</a:t>
+            </a:r>
+            <a:endParaRPr lang="vi-VN" sz="2800" dirty="0">
+              <a:solidFill>
+                <a:schemeClr val="bg1"/>
+              </a:solidFill>
+              <a:latin typeface="+mj-lt"/>
+            </a:endParaRPr>
+          </a:p>
+        </p:txBody>
+      </p:sp>
+      <p:sp>
+        <p:nvSpPr>
+          <p:cNvPr id="36" name="TextBox 35">
+            <a:extLst>
+              <a:ext uri="{FF2B5EF4-FFF2-40B4-BE49-F238E27FC236}">
+                <a16:creationId xmlns:a16="http://schemas.microsoft.com/office/drawing/2014/main" id="{2E464F00-5CFA-A581-F92F-D965780092C4}"/>
+              </a:ext>
+            </a:extLst>
+          </p:cNvPr>
+          <p:cNvSpPr txBox="1"/>
+          <p:nvPr/>
+        </p:nvSpPr>
+        <p:spPr>
+          <a:xfrm>
+            <a:off x="11569751" y="9027637"/>
+            <a:ext cx="1974771" cy="523220"/>
+          </a:xfrm>
+          <a:prstGeom prst="rect">
+            <a:avLst/>
+          </a:prstGeom>
+          <a:noFill/>
+        </p:spPr>
+        <p:txBody>
+          <a:bodyPr wrap="none" rtlCol="0">
+            <a:spAutoFit/>
+          </a:bodyPr>
+          <a:lstStyle/>
+          <a:p>
+            <a:r>
+              <a:rPr lang="en-US" sz="2800" dirty="0">
+                <a:solidFill>
+                  <a:schemeClr val="bg1"/>
+                </a:solidFill>
+                <a:latin typeface="+mj-lt"/>
+              </a:rPr>
+              <a:t>Deployment</a:t>
+            </a:r>
+            <a:endParaRPr lang="vi-VN" sz="2800" dirty="0">
+              <a:solidFill>
+                <a:schemeClr val="bg1"/>
+              </a:solidFill>
+              <a:latin typeface="+mj-lt"/>
+            </a:endParaRPr>
           </a:p>
         </p:txBody>
       </p:sp>
     </p:spTree>
+    <p:extLst>
+      <p:ext uri="{BB962C8B-B14F-4D97-AF65-F5344CB8AC3E}">
+        <p14:creationId xmlns:p14="http://schemas.microsoft.com/office/powerpoint/2010/main" val="658638624"/>
+      </p:ext>
+    </p:extLst>
   </p:cSld>
   <p:clrMapOvr>
     <a:masterClrMapping/>
@@ -3811,7 +7318,2394 @@
 </p:sld>
 </file>
 
-<file path=ppt/slides/slide11.xml><?xml version="1.0" encoding="utf-8"?>
+<file path=ppt/slides/slide14.xml><?xml version="1.0" encoding="utf-8"?>
+<p:sld xmlns:a="http://schemas.openxmlformats.org/drawingml/2006/main" xmlns:r="http://schemas.openxmlformats.org/officeDocument/2006/relationships" xmlns:p="http://schemas.openxmlformats.org/presentationml/2006/main">
+  <p:cSld>
+    <p:bg>
+      <p:bgPr>
+        <a:solidFill>
+          <a:srgbClr val="2B4B82"/>
+        </a:solidFill>
+        <a:effectLst/>
+      </p:bgPr>
+    </p:bg>
+    <p:spTree>
+      <p:nvGrpSpPr>
+        <p:cNvPr id="1" name="">
+          <a:extLst>
+            <a:ext uri="{FF2B5EF4-FFF2-40B4-BE49-F238E27FC236}">
+              <a16:creationId xmlns:a16="http://schemas.microsoft.com/office/drawing/2014/main" id="{ACEAB29E-BC7B-F82D-794D-67E61B47D901}"/>
+            </a:ext>
+          </a:extLst>
+        </p:cNvPr>
+        <p:cNvGrpSpPr/>
+        <p:nvPr/>
+      </p:nvGrpSpPr>
+      <p:grpSpPr>
+        <a:xfrm>
+          <a:off x="0" y="0"/>
+          <a:ext cx="0" cy="0"/>
+          <a:chOff x="0" y="0"/>
+          <a:chExt cx="0" cy="0"/>
+        </a:xfrm>
+      </p:grpSpPr>
+      <p:sp>
+        <p:nvSpPr>
+          <p:cNvPr id="9" name="AutoShape 4">
+            <a:extLst>
+              <a:ext uri="{FF2B5EF4-FFF2-40B4-BE49-F238E27FC236}">
+                <a16:creationId xmlns:a16="http://schemas.microsoft.com/office/drawing/2014/main" id="{4F71D078-E9C9-7E4A-E2E5-DED737A6FF7C}"/>
+              </a:ext>
+            </a:extLst>
+          </p:cNvPr>
+          <p:cNvSpPr>
+            <a:spLocks noChangeAspect="1" noChangeArrowheads="1"/>
+          </p:cNvSpPr>
+          <p:nvPr/>
+        </p:nvSpPr>
+        <p:spPr bwMode="auto">
+          <a:xfrm>
+            <a:off x="8991600" y="4991100"/>
+            <a:ext cx="3200400" cy="3200400"/>
+          </a:xfrm>
+          <a:prstGeom prst="rect">
+            <a:avLst/>
+          </a:prstGeom>
+          <a:noFill/>
+          <a:extLst>
+            <a:ext uri="{909E8E84-426E-40DD-AFC4-6F175D3DCCD1}">
+              <a14:hiddenFill xmlns:a14="http://schemas.microsoft.com/office/drawing/2010/main">
+                <a:solidFill>
+                  <a:srgbClr val="FFFFFF"/>
+                </a:solidFill>
+              </a14:hiddenFill>
+            </a:ext>
+          </a:extLst>
+        </p:spPr>
+        <p:txBody>
+          <a:bodyPr vert="horz" wrap="square" lIns="91440" tIns="45720" rIns="91440" bIns="45720" numCol="1" anchor="t" anchorCtr="0" compatLnSpc="1">
+            <a:prstTxWarp prst="textNoShape">
+              <a:avLst/>
+            </a:prstTxWarp>
+          </a:bodyPr>
+          <a:lstStyle/>
+          <a:p>
+            <a:endParaRPr lang="vi-VN"/>
+          </a:p>
+        </p:txBody>
+      </p:sp>
+      <p:grpSp>
+        <p:nvGrpSpPr>
+          <p:cNvPr id="38" name="Group 37">
+            <a:extLst>
+              <a:ext uri="{FF2B5EF4-FFF2-40B4-BE49-F238E27FC236}">
+                <a16:creationId xmlns:a16="http://schemas.microsoft.com/office/drawing/2014/main" id="{EBFCA216-3E87-8899-31F9-2A1044A71878}"/>
+              </a:ext>
+            </a:extLst>
+          </p:cNvPr>
+          <p:cNvGrpSpPr/>
+          <p:nvPr/>
+        </p:nvGrpSpPr>
+        <p:grpSpPr>
+          <a:xfrm>
+            <a:off x="1828800" y="3086100"/>
+            <a:ext cx="15337827" cy="5739613"/>
+            <a:chOff x="1921473" y="1104900"/>
+            <a:chExt cx="15337827" cy="5739613"/>
+          </a:xfrm>
+        </p:grpSpPr>
+        <p:sp>
+          <p:nvSpPr>
+            <p:cNvPr id="7" name="Oval 6">
+              <a:extLst>
+                <a:ext uri="{FF2B5EF4-FFF2-40B4-BE49-F238E27FC236}">
+                  <a16:creationId xmlns:a16="http://schemas.microsoft.com/office/drawing/2014/main" id="{2C0AF58F-7534-4674-E63D-2A5D332AEB65}"/>
+                </a:ext>
+              </a:extLst>
+            </p:cNvPr>
+            <p:cNvSpPr/>
+            <p:nvPr/>
+          </p:nvSpPr>
+          <p:spPr>
+            <a:xfrm>
+              <a:off x="1921473" y="3162300"/>
+              <a:ext cx="2590800" cy="1676400"/>
+            </a:xfrm>
+            <a:prstGeom prst="ellipse">
+              <a:avLst/>
+            </a:prstGeom>
+          </p:spPr>
+          <p:style>
+            <a:lnRef idx="1">
+              <a:schemeClr val="accent1"/>
+            </a:lnRef>
+            <a:fillRef idx="2">
+              <a:schemeClr val="accent1"/>
+            </a:fillRef>
+            <a:effectRef idx="1">
+              <a:schemeClr val="accent1"/>
+            </a:effectRef>
+            <a:fontRef idx="minor">
+              <a:schemeClr val="dk1"/>
+            </a:fontRef>
+          </p:style>
+          <p:txBody>
+            <a:bodyPr rtlCol="0" anchor="ctr"/>
+            <a:lstStyle/>
+            <a:p>
+              <a:pPr algn="ctr"/>
+              <a:r>
+                <a:rPr lang="en-US" dirty="0"/>
+                <a:t>Users</a:t>
+              </a:r>
+              <a:endParaRPr lang="vi-VN" dirty="0"/>
+            </a:p>
+          </p:txBody>
+        </p:sp>
+        <p:sp>
+          <p:nvSpPr>
+            <p:cNvPr id="8" name="Arrow: Right 7">
+              <a:extLst>
+                <a:ext uri="{FF2B5EF4-FFF2-40B4-BE49-F238E27FC236}">
+                  <a16:creationId xmlns:a16="http://schemas.microsoft.com/office/drawing/2014/main" id="{1CE10A28-4EA1-5214-1AE8-C3A3A5286B19}"/>
+                </a:ext>
+              </a:extLst>
+            </p:cNvPr>
+            <p:cNvSpPr/>
+            <p:nvPr/>
+          </p:nvSpPr>
+          <p:spPr>
+            <a:xfrm rot="19411478">
+              <a:off x="8429876" y="2976041"/>
+              <a:ext cx="2739856" cy="107818"/>
+            </a:xfrm>
+            <a:prstGeom prst="rightArrow">
+              <a:avLst/>
+            </a:prstGeom>
+          </p:spPr>
+          <p:style>
+            <a:lnRef idx="2">
+              <a:schemeClr val="accent1"/>
+            </a:lnRef>
+            <a:fillRef idx="1">
+              <a:schemeClr val="lt1"/>
+            </a:fillRef>
+            <a:effectRef idx="0">
+              <a:schemeClr val="accent1"/>
+            </a:effectRef>
+            <a:fontRef idx="minor">
+              <a:schemeClr val="dk1"/>
+            </a:fontRef>
+          </p:style>
+          <p:txBody>
+            <a:bodyPr rtlCol="0" anchor="ctr"/>
+            <a:lstStyle/>
+            <a:p>
+              <a:pPr algn="ctr"/>
+              <a:endParaRPr lang="vi-VN"/>
+            </a:p>
+          </p:txBody>
+        </p:sp>
+        <p:sp>
+          <p:nvSpPr>
+            <p:cNvPr id="10" name="Rectangle 9">
+              <a:extLst>
+                <a:ext uri="{FF2B5EF4-FFF2-40B4-BE49-F238E27FC236}">
+                  <a16:creationId xmlns:a16="http://schemas.microsoft.com/office/drawing/2014/main" id="{0AD8A04D-E3F4-CA82-DE99-8EE7A1D66E4D}"/>
+                </a:ext>
+              </a:extLst>
+            </p:cNvPr>
+            <p:cNvSpPr/>
+            <p:nvPr/>
+          </p:nvSpPr>
+          <p:spPr>
+            <a:xfrm>
+              <a:off x="6678817" y="3196819"/>
+              <a:ext cx="1905000" cy="1676400"/>
+            </a:xfrm>
+            <a:prstGeom prst="rect">
+              <a:avLst/>
+            </a:prstGeom>
+          </p:spPr>
+          <p:style>
+            <a:lnRef idx="1">
+              <a:schemeClr val="accent1"/>
+            </a:lnRef>
+            <a:fillRef idx="2">
+              <a:schemeClr val="accent1"/>
+            </a:fillRef>
+            <a:effectRef idx="1">
+              <a:schemeClr val="accent1"/>
+            </a:effectRef>
+            <a:fontRef idx="minor">
+              <a:schemeClr val="dk1"/>
+            </a:fontRef>
+          </p:style>
+          <p:txBody>
+            <a:bodyPr rtlCol="0" anchor="ctr"/>
+            <a:lstStyle/>
+            <a:p>
+              <a:pPr algn="ctr"/>
+              <a:r>
+                <a:rPr lang="vi-VN" dirty="0" err="1"/>
+                <a:t>Authentication</a:t>
+              </a:r>
+              <a:r>
+                <a:rPr lang="vi-VN" dirty="0"/>
+                <a:t> &amp;&amp;</a:t>
+              </a:r>
+            </a:p>
+            <a:p>
+              <a:pPr algn="ctr"/>
+              <a:r>
+                <a:rPr lang="vi-VN" dirty="0"/>
+                <a:t> </a:t>
+              </a:r>
+              <a:r>
+                <a:rPr lang="vi-VN" dirty="0" err="1"/>
+                <a:t>Authorization</a:t>
+              </a:r>
+              <a:endParaRPr lang="vi-VN" dirty="0"/>
+            </a:p>
+          </p:txBody>
+        </p:sp>
+        <p:sp>
+          <p:nvSpPr>
+            <p:cNvPr id="11" name="Arrow: Right 10">
+              <a:extLst>
+                <a:ext uri="{FF2B5EF4-FFF2-40B4-BE49-F238E27FC236}">
+                  <a16:creationId xmlns:a16="http://schemas.microsoft.com/office/drawing/2014/main" id="{EE6AE505-0A9F-9181-F93C-745475E3F008}"/>
+                </a:ext>
+              </a:extLst>
+            </p:cNvPr>
+            <p:cNvSpPr/>
+            <p:nvPr/>
+          </p:nvSpPr>
+          <p:spPr>
+            <a:xfrm>
+              <a:off x="8693543" y="4000499"/>
+              <a:ext cx="2268151" cy="91669"/>
+            </a:xfrm>
+            <a:prstGeom prst="rightArrow">
+              <a:avLst/>
+            </a:prstGeom>
+          </p:spPr>
+          <p:style>
+            <a:lnRef idx="2">
+              <a:schemeClr val="accent1"/>
+            </a:lnRef>
+            <a:fillRef idx="1">
+              <a:schemeClr val="lt1"/>
+            </a:fillRef>
+            <a:effectRef idx="0">
+              <a:schemeClr val="accent1"/>
+            </a:effectRef>
+            <a:fontRef idx="minor">
+              <a:schemeClr val="dk1"/>
+            </a:fontRef>
+          </p:style>
+          <p:txBody>
+            <a:bodyPr rtlCol="0" anchor="ctr"/>
+            <a:lstStyle/>
+            <a:p>
+              <a:pPr algn="ctr"/>
+              <a:endParaRPr lang="vi-VN"/>
+            </a:p>
+          </p:txBody>
+        </p:sp>
+        <p:sp>
+          <p:nvSpPr>
+            <p:cNvPr id="14" name="Arrow: Right 13">
+              <a:extLst>
+                <a:ext uri="{FF2B5EF4-FFF2-40B4-BE49-F238E27FC236}">
+                  <a16:creationId xmlns:a16="http://schemas.microsoft.com/office/drawing/2014/main" id="{F844FE93-8C4E-5856-7928-0384D1996CD3}"/>
+                </a:ext>
+              </a:extLst>
+            </p:cNvPr>
+            <p:cNvSpPr/>
+            <p:nvPr/>
+          </p:nvSpPr>
+          <p:spPr>
+            <a:xfrm rot="1661054">
+              <a:off x="8539461" y="4795388"/>
+              <a:ext cx="2519783" cy="79268"/>
+            </a:xfrm>
+            <a:prstGeom prst="rightArrow">
+              <a:avLst/>
+            </a:prstGeom>
+          </p:spPr>
+          <p:style>
+            <a:lnRef idx="2">
+              <a:schemeClr val="accent1"/>
+            </a:lnRef>
+            <a:fillRef idx="1">
+              <a:schemeClr val="lt1"/>
+            </a:fillRef>
+            <a:effectRef idx="0">
+              <a:schemeClr val="accent1"/>
+            </a:effectRef>
+            <a:fontRef idx="minor">
+              <a:schemeClr val="dk1"/>
+            </a:fontRef>
+          </p:style>
+          <p:txBody>
+            <a:bodyPr rtlCol="0" anchor="ctr"/>
+            <a:lstStyle/>
+            <a:p>
+              <a:pPr algn="ctr"/>
+              <a:endParaRPr lang="vi-VN"/>
+            </a:p>
+          </p:txBody>
+        </p:sp>
+        <p:sp>
+          <p:nvSpPr>
+            <p:cNvPr id="18" name="Arrow: Right 17">
+              <a:extLst>
+                <a:ext uri="{FF2B5EF4-FFF2-40B4-BE49-F238E27FC236}">
+                  <a16:creationId xmlns:a16="http://schemas.microsoft.com/office/drawing/2014/main" id="{F1C15066-1D5F-37B7-F694-FC483FCAABB3}"/>
+                </a:ext>
+              </a:extLst>
+            </p:cNvPr>
+            <p:cNvSpPr/>
+            <p:nvPr/>
+          </p:nvSpPr>
+          <p:spPr>
+            <a:xfrm>
+              <a:off x="4528745" y="3977869"/>
+              <a:ext cx="2133600" cy="114300"/>
+            </a:xfrm>
+            <a:prstGeom prst="rightArrow">
+              <a:avLst/>
+            </a:prstGeom>
+          </p:spPr>
+          <p:style>
+            <a:lnRef idx="2">
+              <a:schemeClr val="accent1"/>
+            </a:lnRef>
+            <a:fillRef idx="1">
+              <a:schemeClr val="lt1"/>
+            </a:fillRef>
+            <a:effectRef idx="0">
+              <a:schemeClr val="accent1"/>
+            </a:effectRef>
+            <a:fontRef idx="minor">
+              <a:schemeClr val="dk1"/>
+            </a:fontRef>
+          </p:style>
+          <p:txBody>
+            <a:bodyPr rtlCol="0" anchor="ctr"/>
+            <a:lstStyle/>
+            <a:p>
+              <a:pPr algn="ctr"/>
+              <a:endParaRPr lang="vi-VN"/>
+            </a:p>
+          </p:txBody>
+        </p:sp>
+        <p:sp>
+          <p:nvSpPr>
+            <p:cNvPr id="19" name="TextBox 18">
+              <a:extLst>
+                <a:ext uri="{FF2B5EF4-FFF2-40B4-BE49-F238E27FC236}">
+                  <a16:creationId xmlns:a16="http://schemas.microsoft.com/office/drawing/2014/main" id="{50D0AE31-B142-9AD6-DC83-902A84BD1BF3}"/>
+                </a:ext>
+              </a:extLst>
+            </p:cNvPr>
+            <p:cNvSpPr txBox="1"/>
+            <p:nvPr/>
+          </p:nvSpPr>
+          <p:spPr>
+            <a:xfrm>
+              <a:off x="4884966" y="3640693"/>
+              <a:ext cx="1456681" cy="369332"/>
+            </a:xfrm>
+            <a:prstGeom prst="rect">
+              <a:avLst/>
+            </a:prstGeom>
+            <a:noFill/>
+          </p:spPr>
+          <p:txBody>
+            <a:bodyPr wrap="none" rtlCol="0">
+              <a:spAutoFit/>
+            </a:bodyPr>
+            <a:lstStyle/>
+            <a:p>
+              <a:r>
+                <a:rPr lang="en-US" dirty="0">
+                  <a:solidFill>
+                    <a:schemeClr val="bg1"/>
+                  </a:solidFill>
+                </a:rPr>
+                <a:t>Login request</a:t>
+              </a:r>
+              <a:endParaRPr lang="vi-VN" dirty="0">
+                <a:solidFill>
+                  <a:schemeClr val="bg1"/>
+                </a:solidFill>
+              </a:endParaRPr>
+            </a:p>
+          </p:txBody>
+        </p:sp>
+        <p:sp>
+          <p:nvSpPr>
+            <p:cNvPr id="21" name="Rectangle 20">
+              <a:extLst>
+                <a:ext uri="{FF2B5EF4-FFF2-40B4-BE49-F238E27FC236}">
+                  <a16:creationId xmlns:a16="http://schemas.microsoft.com/office/drawing/2014/main" id="{1A99F384-2F8F-1853-20B5-FE6B994935FF}"/>
+                </a:ext>
+              </a:extLst>
+            </p:cNvPr>
+            <p:cNvSpPr/>
+            <p:nvPr/>
+          </p:nvSpPr>
+          <p:spPr>
+            <a:xfrm>
+              <a:off x="11010900" y="3182433"/>
+              <a:ext cx="1905000" cy="1676400"/>
+            </a:xfrm>
+            <a:prstGeom prst="rect">
+              <a:avLst/>
+            </a:prstGeom>
+          </p:spPr>
+          <p:style>
+            <a:lnRef idx="1">
+              <a:schemeClr val="accent1"/>
+            </a:lnRef>
+            <a:fillRef idx="2">
+              <a:schemeClr val="accent1"/>
+            </a:fillRef>
+            <a:effectRef idx="1">
+              <a:schemeClr val="accent1"/>
+            </a:effectRef>
+            <a:fontRef idx="minor">
+              <a:schemeClr val="dk1"/>
+            </a:fontRef>
+          </p:style>
+          <p:txBody>
+            <a:bodyPr rtlCol="0" anchor="ctr"/>
+            <a:lstStyle/>
+            <a:p>
+              <a:pPr algn="ctr"/>
+              <a:r>
+                <a:rPr lang="vi-VN" dirty="0" err="1"/>
+                <a:t>Pages</a:t>
+              </a:r>
+              <a:r>
+                <a:rPr lang="vi-VN" dirty="0"/>
+                <a:t> </a:t>
+              </a:r>
+              <a:r>
+                <a:rPr lang="vi-VN" dirty="0" err="1"/>
+                <a:t>for</a:t>
+              </a:r>
+              <a:r>
+                <a:rPr lang="vi-VN" dirty="0"/>
+                <a:t> </a:t>
+              </a:r>
+              <a:r>
+                <a:rPr lang="vi-VN" dirty="0" err="1"/>
+                <a:t>Teacher</a:t>
+              </a:r>
+              <a:endParaRPr lang="vi-VN" dirty="0"/>
+            </a:p>
+          </p:txBody>
+        </p:sp>
+        <p:sp>
+          <p:nvSpPr>
+            <p:cNvPr id="22" name="Rectangle 21">
+              <a:extLst>
+                <a:ext uri="{FF2B5EF4-FFF2-40B4-BE49-F238E27FC236}">
+                  <a16:creationId xmlns:a16="http://schemas.microsoft.com/office/drawing/2014/main" id="{D48FB8EA-5804-0653-A37C-29560B9E3908}"/>
+                </a:ext>
+              </a:extLst>
+            </p:cNvPr>
+            <p:cNvSpPr/>
+            <p:nvPr/>
+          </p:nvSpPr>
+          <p:spPr>
+            <a:xfrm>
+              <a:off x="11010900" y="1104900"/>
+              <a:ext cx="1905000" cy="1676400"/>
+            </a:xfrm>
+            <a:prstGeom prst="rect">
+              <a:avLst/>
+            </a:prstGeom>
+          </p:spPr>
+          <p:style>
+            <a:lnRef idx="1">
+              <a:schemeClr val="accent1"/>
+            </a:lnRef>
+            <a:fillRef idx="2">
+              <a:schemeClr val="accent1"/>
+            </a:fillRef>
+            <a:effectRef idx="1">
+              <a:schemeClr val="accent1"/>
+            </a:effectRef>
+            <a:fontRef idx="minor">
+              <a:schemeClr val="dk1"/>
+            </a:fontRef>
+          </p:style>
+          <p:txBody>
+            <a:bodyPr rtlCol="0" anchor="ctr"/>
+            <a:lstStyle/>
+            <a:p>
+              <a:pPr algn="ctr"/>
+              <a:r>
+                <a:rPr lang="vi-VN" dirty="0" err="1"/>
+                <a:t>Pages</a:t>
+              </a:r>
+              <a:r>
+                <a:rPr lang="vi-VN" dirty="0"/>
+                <a:t> </a:t>
+              </a:r>
+              <a:r>
+                <a:rPr lang="vi-VN" dirty="0" err="1"/>
+                <a:t>for</a:t>
+              </a:r>
+              <a:r>
+                <a:rPr lang="vi-VN" dirty="0"/>
+                <a:t> </a:t>
+              </a:r>
+              <a:r>
+                <a:rPr lang="vi-VN" dirty="0" err="1"/>
+                <a:t>Student</a:t>
+              </a:r>
+              <a:endParaRPr lang="vi-VN" dirty="0"/>
+            </a:p>
+          </p:txBody>
+        </p:sp>
+        <p:sp>
+          <p:nvSpPr>
+            <p:cNvPr id="23" name="Rectangle 22">
+              <a:extLst>
+                <a:ext uri="{FF2B5EF4-FFF2-40B4-BE49-F238E27FC236}">
+                  <a16:creationId xmlns:a16="http://schemas.microsoft.com/office/drawing/2014/main" id="{8E085923-8D52-CF9D-9A53-A57A089E1693}"/>
+                </a:ext>
+              </a:extLst>
+            </p:cNvPr>
+            <p:cNvSpPr/>
+            <p:nvPr/>
+          </p:nvSpPr>
+          <p:spPr>
+            <a:xfrm>
+              <a:off x="11010900" y="5168113"/>
+              <a:ext cx="1905000" cy="1676400"/>
+            </a:xfrm>
+            <a:prstGeom prst="rect">
+              <a:avLst/>
+            </a:prstGeom>
+          </p:spPr>
+          <p:style>
+            <a:lnRef idx="1">
+              <a:schemeClr val="accent1"/>
+            </a:lnRef>
+            <a:fillRef idx="2">
+              <a:schemeClr val="accent1"/>
+            </a:fillRef>
+            <a:effectRef idx="1">
+              <a:schemeClr val="accent1"/>
+            </a:effectRef>
+            <a:fontRef idx="minor">
+              <a:schemeClr val="dk1"/>
+            </a:fontRef>
+          </p:style>
+          <p:txBody>
+            <a:bodyPr rtlCol="0" anchor="ctr"/>
+            <a:lstStyle/>
+            <a:p>
+              <a:pPr algn="ctr"/>
+              <a:r>
+                <a:rPr lang="vi-VN" dirty="0" err="1"/>
+                <a:t>Pages</a:t>
+              </a:r>
+              <a:r>
+                <a:rPr lang="vi-VN" dirty="0"/>
+                <a:t> </a:t>
+              </a:r>
+              <a:r>
+                <a:rPr lang="vi-VN" dirty="0" err="1"/>
+                <a:t>for</a:t>
+              </a:r>
+              <a:r>
+                <a:rPr lang="vi-VN" dirty="0"/>
+                <a:t> </a:t>
+              </a:r>
+              <a:r>
+                <a:rPr lang="vi-VN" dirty="0" err="1"/>
+                <a:t>administrator</a:t>
+              </a:r>
+              <a:r>
+                <a:rPr lang="vi-VN" dirty="0"/>
+                <a:t> </a:t>
+              </a:r>
+            </a:p>
+          </p:txBody>
+        </p:sp>
+        <p:sp>
+          <p:nvSpPr>
+            <p:cNvPr id="24" name="Rectangle 23">
+              <a:extLst>
+                <a:ext uri="{FF2B5EF4-FFF2-40B4-BE49-F238E27FC236}">
+                  <a16:creationId xmlns:a16="http://schemas.microsoft.com/office/drawing/2014/main" id="{C0FAB4B5-CF8A-E2DC-4658-B9F95B3AA467}"/>
+                </a:ext>
+              </a:extLst>
+            </p:cNvPr>
+            <p:cNvSpPr/>
+            <p:nvPr/>
+          </p:nvSpPr>
+          <p:spPr>
+            <a:xfrm>
+              <a:off x="13106400" y="1104900"/>
+              <a:ext cx="4114800" cy="304800"/>
+            </a:xfrm>
+            <a:prstGeom prst="rect">
+              <a:avLst/>
+            </a:prstGeom>
+          </p:spPr>
+          <p:style>
+            <a:lnRef idx="2">
+              <a:schemeClr val="accent1"/>
+            </a:lnRef>
+            <a:fillRef idx="1">
+              <a:schemeClr val="lt1"/>
+            </a:fillRef>
+            <a:effectRef idx="0">
+              <a:schemeClr val="accent1"/>
+            </a:effectRef>
+            <a:fontRef idx="minor">
+              <a:schemeClr val="dk1"/>
+            </a:fontRef>
+          </p:style>
+          <p:txBody>
+            <a:bodyPr rtlCol="0" anchor="ctr"/>
+            <a:lstStyle/>
+            <a:p>
+              <a:pPr algn="ctr"/>
+              <a:r>
+                <a:rPr lang="en-US" dirty="0">
+                  <a:latin typeface="Arial" panose="020B0604020202020204" pitchFamily="34" charset="0"/>
+                  <a:cs typeface="Arial" panose="020B0604020202020204" pitchFamily="34" charset="0"/>
+                </a:rPr>
+                <a:t>Pages related to jobs and companies</a:t>
+              </a:r>
+              <a:endParaRPr lang="vi-VN" dirty="0">
+                <a:latin typeface="Arial" panose="020B0604020202020204" pitchFamily="34" charset="0"/>
+                <a:cs typeface="Arial" panose="020B0604020202020204" pitchFamily="34" charset="0"/>
+              </a:endParaRPr>
+            </a:p>
+          </p:txBody>
+        </p:sp>
+        <p:sp>
+          <p:nvSpPr>
+            <p:cNvPr id="25" name="Rectangle 24">
+              <a:extLst>
+                <a:ext uri="{FF2B5EF4-FFF2-40B4-BE49-F238E27FC236}">
+                  <a16:creationId xmlns:a16="http://schemas.microsoft.com/office/drawing/2014/main" id="{50CE472D-2768-28CF-301A-8733EFD8178C}"/>
+                </a:ext>
+              </a:extLst>
+            </p:cNvPr>
+            <p:cNvSpPr/>
+            <p:nvPr/>
+          </p:nvSpPr>
+          <p:spPr>
+            <a:xfrm>
+              <a:off x="13144500" y="1582751"/>
+              <a:ext cx="4114800" cy="304800"/>
+            </a:xfrm>
+            <a:prstGeom prst="rect">
+              <a:avLst/>
+            </a:prstGeom>
+          </p:spPr>
+          <p:style>
+            <a:lnRef idx="2">
+              <a:schemeClr val="accent1"/>
+            </a:lnRef>
+            <a:fillRef idx="1">
+              <a:schemeClr val="lt1"/>
+            </a:fillRef>
+            <a:effectRef idx="0">
+              <a:schemeClr val="accent1"/>
+            </a:effectRef>
+            <a:fontRef idx="minor">
+              <a:schemeClr val="dk1"/>
+            </a:fontRef>
+          </p:style>
+          <p:txBody>
+            <a:bodyPr rtlCol="0" anchor="ctr"/>
+            <a:lstStyle/>
+            <a:p>
+              <a:pPr algn="ctr"/>
+              <a:r>
+                <a:rPr lang="en-US" dirty="0">
+                  <a:latin typeface="Arial" panose="020B0604020202020204" pitchFamily="34" charset="0"/>
+                  <a:cs typeface="Arial" panose="020B0604020202020204" pitchFamily="34" charset="0"/>
+                </a:rPr>
+                <a:t>Page to view personal information</a:t>
+              </a:r>
+              <a:endParaRPr lang="vi-VN" dirty="0">
+                <a:latin typeface="Arial" panose="020B0604020202020204" pitchFamily="34" charset="0"/>
+                <a:cs typeface="Arial" panose="020B0604020202020204" pitchFamily="34" charset="0"/>
+              </a:endParaRPr>
+            </a:p>
+          </p:txBody>
+        </p:sp>
+        <p:sp>
+          <p:nvSpPr>
+            <p:cNvPr id="26" name="Rectangle 25">
+              <a:extLst>
+                <a:ext uri="{FF2B5EF4-FFF2-40B4-BE49-F238E27FC236}">
+                  <a16:creationId xmlns:a16="http://schemas.microsoft.com/office/drawing/2014/main" id="{2BCE3F47-54DA-CEA5-3E66-B208D34A67A7}"/>
+                </a:ext>
+              </a:extLst>
+            </p:cNvPr>
+            <p:cNvSpPr/>
+            <p:nvPr/>
+          </p:nvSpPr>
+          <p:spPr>
+            <a:xfrm>
+              <a:off x="13144500" y="2019810"/>
+              <a:ext cx="4114800" cy="304800"/>
+            </a:xfrm>
+            <a:prstGeom prst="rect">
+              <a:avLst/>
+            </a:prstGeom>
+          </p:spPr>
+          <p:style>
+            <a:lnRef idx="2">
+              <a:schemeClr val="accent1"/>
+            </a:lnRef>
+            <a:fillRef idx="1">
+              <a:schemeClr val="lt1"/>
+            </a:fillRef>
+            <a:effectRef idx="0">
+              <a:schemeClr val="accent1"/>
+            </a:effectRef>
+            <a:fontRef idx="minor">
+              <a:schemeClr val="dk1"/>
+            </a:fontRef>
+          </p:style>
+          <p:txBody>
+            <a:bodyPr rtlCol="0" anchor="ctr"/>
+            <a:lstStyle/>
+            <a:p>
+              <a:pPr algn="ctr"/>
+              <a:r>
+                <a:rPr lang="en-US" dirty="0">
+                  <a:latin typeface="Arial" panose="020B0604020202020204" pitchFamily="34" charset="0"/>
+                  <a:cs typeface="Arial" panose="020B0604020202020204" pitchFamily="34" charset="0"/>
+                </a:rPr>
+                <a:t>Pages to post CVs as well as Reports</a:t>
+              </a:r>
+              <a:endParaRPr lang="vi-VN" dirty="0">
+                <a:latin typeface="Arial" panose="020B0604020202020204" pitchFamily="34" charset="0"/>
+                <a:cs typeface="Arial" panose="020B0604020202020204" pitchFamily="34" charset="0"/>
+              </a:endParaRPr>
+            </a:p>
+          </p:txBody>
+        </p:sp>
+        <p:sp>
+          <p:nvSpPr>
+            <p:cNvPr id="27" name="Rectangle 26">
+              <a:extLst>
+                <a:ext uri="{FF2B5EF4-FFF2-40B4-BE49-F238E27FC236}">
+                  <a16:creationId xmlns:a16="http://schemas.microsoft.com/office/drawing/2014/main" id="{E5C43DA5-F59F-60DA-3683-095236327B31}"/>
+                </a:ext>
+              </a:extLst>
+            </p:cNvPr>
+            <p:cNvSpPr/>
+            <p:nvPr/>
+          </p:nvSpPr>
+          <p:spPr>
+            <a:xfrm>
+              <a:off x="13106400" y="3340013"/>
+              <a:ext cx="4114800" cy="304800"/>
+            </a:xfrm>
+            <a:prstGeom prst="rect">
+              <a:avLst/>
+            </a:prstGeom>
+          </p:spPr>
+          <p:style>
+            <a:lnRef idx="2">
+              <a:schemeClr val="accent1"/>
+            </a:lnRef>
+            <a:fillRef idx="1">
+              <a:schemeClr val="lt1"/>
+            </a:fillRef>
+            <a:effectRef idx="0">
+              <a:schemeClr val="accent1"/>
+            </a:effectRef>
+            <a:fontRef idx="minor">
+              <a:schemeClr val="dk1"/>
+            </a:fontRef>
+          </p:style>
+          <p:txBody>
+            <a:bodyPr rtlCol="0" anchor="ctr"/>
+            <a:lstStyle/>
+            <a:p>
+              <a:pPr algn="ctr"/>
+              <a:r>
+                <a:rPr lang="vi-VN" dirty="0" err="1">
+                  <a:latin typeface="Arial" panose="020B0604020202020204" pitchFamily="34" charset="0"/>
+                  <a:cs typeface="Arial" panose="020B0604020202020204" pitchFamily="34" charset="0"/>
+                </a:rPr>
+                <a:t>Pages</a:t>
+              </a:r>
+              <a:r>
+                <a:rPr lang="vi-VN" dirty="0">
+                  <a:latin typeface="Arial" panose="020B0604020202020204" pitchFamily="34" charset="0"/>
+                  <a:cs typeface="Arial" panose="020B0604020202020204" pitchFamily="34" charset="0"/>
+                </a:rPr>
+                <a:t> to </a:t>
+              </a:r>
+              <a:r>
+                <a:rPr lang="vi-VN" dirty="0" err="1">
+                  <a:latin typeface="Arial" panose="020B0604020202020204" pitchFamily="34" charset="0"/>
+                  <a:cs typeface="Arial" panose="020B0604020202020204" pitchFamily="34" charset="0"/>
+                </a:rPr>
+                <a:t>manage</a:t>
+              </a:r>
+              <a:r>
+                <a:rPr lang="vi-VN" dirty="0">
+                  <a:latin typeface="Arial" panose="020B0604020202020204" pitchFamily="34" charset="0"/>
+                  <a:cs typeface="Arial" panose="020B0604020202020204" pitchFamily="34" charset="0"/>
+                </a:rPr>
+                <a:t> </a:t>
+              </a:r>
+              <a:r>
+                <a:rPr lang="vi-VN" dirty="0" err="1">
+                  <a:latin typeface="Arial" panose="020B0604020202020204" pitchFamily="34" charset="0"/>
+                  <a:cs typeface="Arial" panose="020B0604020202020204" pitchFamily="34" charset="0"/>
+                </a:rPr>
+                <a:t>students</a:t>
+              </a:r>
+              <a:endParaRPr lang="vi-VN" dirty="0">
+                <a:latin typeface="Arial" panose="020B0604020202020204" pitchFamily="34" charset="0"/>
+                <a:cs typeface="Arial" panose="020B0604020202020204" pitchFamily="34" charset="0"/>
+              </a:endParaRPr>
+            </a:p>
+          </p:txBody>
+        </p:sp>
+        <p:sp>
+          <p:nvSpPr>
+            <p:cNvPr id="28" name="Rectangle 27">
+              <a:extLst>
+                <a:ext uri="{FF2B5EF4-FFF2-40B4-BE49-F238E27FC236}">
+                  <a16:creationId xmlns:a16="http://schemas.microsoft.com/office/drawing/2014/main" id="{6AA9CA38-6944-82DF-639A-CE138576E500}"/>
+                </a:ext>
+              </a:extLst>
+            </p:cNvPr>
+            <p:cNvSpPr/>
+            <p:nvPr/>
+          </p:nvSpPr>
+          <p:spPr>
+            <a:xfrm>
+              <a:off x="13134975" y="5387188"/>
+              <a:ext cx="4114800" cy="304800"/>
+            </a:xfrm>
+            <a:prstGeom prst="rect">
+              <a:avLst/>
+            </a:prstGeom>
+          </p:spPr>
+          <p:style>
+            <a:lnRef idx="2">
+              <a:schemeClr val="accent1"/>
+            </a:lnRef>
+            <a:fillRef idx="1">
+              <a:schemeClr val="lt1"/>
+            </a:fillRef>
+            <a:effectRef idx="0">
+              <a:schemeClr val="accent1"/>
+            </a:effectRef>
+            <a:fontRef idx="minor">
+              <a:schemeClr val="dk1"/>
+            </a:fontRef>
+          </p:style>
+          <p:txBody>
+            <a:bodyPr rtlCol="0" anchor="ctr"/>
+            <a:lstStyle/>
+            <a:p>
+              <a:pPr algn="ctr"/>
+              <a:r>
+                <a:rPr lang="vi-VN" dirty="0" err="1"/>
+                <a:t>User</a:t>
+              </a:r>
+              <a:r>
+                <a:rPr lang="vi-VN" dirty="0"/>
+                <a:t> </a:t>
+              </a:r>
+              <a:r>
+                <a:rPr lang="vi-VN" dirty="0" err="1"/>
+                <a:t>management</a:t>
+              </a:r>
+              <a:r>
+                <a:rPr lang="vi-VN" dirty="0"/>
+                <a:t> </a:t>
+              </a:r>
+              <a:r>
+                <a:rPr lang="vi-VN" dirty="0" err="1"/>
+                <a:t>pages</a:t>
+              </a:r>
+              <a:endParaRPr lang="vi-VN" dirty="0"/>
+            </a:p>
+          </p:txBody>
+        </p:sp>
+        <p:sp>
+          <p:nvSpPr>
+            <p:cNvPr id="29" name="Rectangle 28">
+              <a:extLst>
+                <a:ext uri="{FF2B5EF4-FFF2-40B4-BE49-F238E27FC236}">
+                  <a16:creationId xmlns:a16="http://schemas.microsoft.com/office/drawing/2014/main" id="{A5A388ED-43B9-0E14-1CD1-B7290171D627}"/>
+                </a:ext>
+              </a:extLst>
+            </p:cNvPr>
+            <p:cNvSpPr/>
+            <p:nvPr/>
+          </p:nvSpPr>
+          <p:spPr>
+            <a:xfrm>
+              <a:off x="13125450" y="5958688"/>
+              <a:ext cx="4114800" cy="304800"/>
+            </a:xfrm>
+            <a:prstGeom prst="rect">
+              <a:avLst/>
+            </a:prstGeom>
+          </p:spPr>
+          <p:style>
+            <a:lnRef idx="2">
+              <a:schemeClr val="accent1"/>
+            </a:lnRef>
+            <a:fillRef idx="1">
+              <a:schemeClr val="lt1"/>
+            </a:fillRef>
+            <a:effectRef idx="0">
+              <a:schemeClr val="accent1"/>
+            </a:effectRef>
+            <a:fontRef idx="minor">
+              <a:schemeClr val="dk1"/>
+            </a:fontRef>
+          </p:style>
+          <p:txBody>
+            <a:bodyPr rtlCol="0" anchor="ctr"/>
+            <a:lstStyle/>
+            <a:p>
+              <a:pPr algn="ctr"/>
+              <a:r>
+                <a:rPr lang="vi-VN" dirty="0" err="1"/>
+                <a:t>Company</a:t>
+              </a:r>
+              <a:r>
+                <a:rPr lang="vi-VN" dirty="0"/>
+                <a:t> </a:t>
+              </a:r>
+              <a:r>
+                <a:rPr lang="vi-VN" dirty="0" err="1"/>
+                <a:t>management</a:t>
+              </a:r>
+              <a:r>
+                <a:rPr lang="vi-VN" dirty="0"/>
+                <a:t> </a:t>
+              </a:r>
+              <a:r>
+                <a:rPr lang="vi-VN" dirty="0" err="1"/>
+                <a:t>pages</a:t>
+              </a:r>
+              <a:endParaRPr lang="vi-VN" dirty="0"/>
+            </a:p>
+          </p:txBody>
+        </p:sp>
+        <p:sp>
+          <p:nvSpPr>
+            <p:cNvPr id="30" name="Rectangle 29">
+              <a:extLst>
+                <a:ext uri="{FF2B5EF4-FFF2-40B4-BE49-F238E27FC236}">
+                  <a16:creationId xmlns:a16="http://schemas.microsoft.com/office/drawing/2014/main" id="{E4086D93-07F7-14CE-1B76-052F48FF4110}"/>
+                </a:ext>
+              </a:extLst>
+            </p:cNvPr>
+            <p:cNvSpPr/>
+            <p:nvPr/>
+          </p:nvSpPr>
+          <p:spPr>
+            <a:xfrm>
+              <a:off x="13125450" y="6530188"/>
+              <a:ext cx="4114800" cy="304800"/>
+            </a:xfrm>
+            <a:prstGeom prst="rect">
+              <a:avLst/>
+            </a:prstGeom>
+          </p:spPr>
+          <p:style>
+            <a:lnRef idx="2">
+              <a:schemeClr val="accent1"/>
+            </a:lnRef>
+            <a:fillRef idx="1">
+              <a:schemeClr val="lt1"/>
+            </a:fillRef>
+            <a:effectRef idx="0">
+              <a:schemeClr val="accent1"/>
+            </a:effectRef>
+            <a:fontRef idx="minor">
+              <a:schemeClr val="dk1"/>
+            </a:fontRef>
+          </p:style>
+          <p:txBody>
+            <a:bodyPr rtlCol="0" anchor="ctr"/>
+            <a:lstStyle/>
+            <a:p>
+              <a:pPr algn="ctr"/>
+              <a:r>
+                <a:rPr lang="vi-VN"/>
+                <a:t>Job management pages</a:t>
+              </a:r>
+              <a:endParaRPr lang="vi-VN" dirty="0"/>
+            </a:p>
+          </p:txBody>
+        </p:sp>
+        <p:sp>
+          <p:nvSpPr>
+            <p:cNvPr id="34" name="Rectangle 33">
+              <a:extLst>
+                <a:ext uri="{FF2B5EF4-FFF2-40B4-BE49-F238E27FC236}">
+                  <a16:creationId xmlns:a16="http://schemas.microsoft.com/office/drawing/2014/main" id="{09AEAF6E-266A-D320-39CF-9A4192A14032}"/>
+                </a:ext>
+              </a:extLst>
+            </p:cNvPr>
+            <p:cNvSpPr/>
+            <p:nvPr/>
+          </p:nvSpPr>
+          <p:spPr>
+            <a:xfrm>
+              <a:off x="13144500" y="2420951"/>
+              <a:ext cx="4114800" cy="304800"/>
+            </a:xfrm>
+            <a:prstGeom prst="rect">
+              <a:avLst/>
+            </a:prstGeom>
+          </p:spPr>
+          <p:style>
+            <a:lnRef idx="2">
+              <a:schemeClr val="accent1"/>
+            </a:lnRef>
+            <a:fillRef idx="1">
+              <a:schemeClr val="lt1"/>
+            </a:fillRef>
+            <a:effectRef idx="0">
+              <a:schemeClr val="accent1"/>
+            </a:effectRef>
+            <a:fontRef idx="minor">
+              <a:schemeClr val="dk1"/>
+            </a:fontRef>
+          </p:style>
+          <p:txBody>
+            <a:bodyPr rtlCol="0" anchor="ctr"/>
+            <a:lstStyle/>
+            <a:p>
+              <a:pPr algn="ctr"/>
+              <a:r>
+                <a:rPr lang="en-US" dirty="0">
+                  <a:latin typeface="Arial" panose="020B0604020202020204" pitchFamily="34" charset="0"/>
+                  <a:cs typeface="Arial" panose="020B0604020202020204" pitchFamily="34" charset="0"/>
+                </a:rPr>
+                <a:t>Page to register instructors and Jobs.</a:t>
+              </a:r>
+              <a:endParaRPr lang="vi-VN" dirty="0">
+                <a:latin typeface="Arial" panose="020B0604020202020204" pitchFamily="34" charset="0"/>
+                <a:cs typeface="Arial" panose="020B0604020202020204" pitchFamily="34" charset="0"/>
+              </a:endParaRPr>
+            </a:p>
+          </p:txBody>
+        </p:sp>
+        <p:sp>
+          <p:nvSpPr>
+            <p:cNvPr id="35" name="Rectangle 34">
+              <a:extLst>
+                <a:ext uri="{FF2B5EF4-FFF2-40B4-BE49-F238E27FC236}">
+                  <a16:creationId xmlns:a16="http://schemas.microsoft.com/office/drawing/2014/main" id="{326498EA-3C21-C40B-C9FC-02703C0CB9C6}"/>
+                </a:ext>
+              </a:extLst>
+            </p:cNvPr>
+            <p:cNvSpPr/>
+            <p:nvPr/>
+          </p:nvSpPr>
+          <p:spPr>
+            <a:xfrm>
+              <a:off x="13096875" y="3790760"/>
+              <a:ext cx="4114800" cy="304800"/>
+            </a:xfrm>
+            <a:prstGeom prst="rect">
+              <a:avLst/>
+            </a:prstGeom>
+          </p:spPr>
+          <p:style>
+            <a:lnRef idx="2">
+              <a:schemeClr val="accent1"/>
+            </a:lnRef>
+            <a:fillRef idx="1">
+              <a:schemeClr val="lt1"/>
+            </a:fillRef>
+            <a:effectRef idx="0">
+              <a:schemeClr val="accent1"/>
+            </a:effectRef>
+            <a:fontRef idx="minor">
+              <a:schemeClr val="dk1"/>
+            </a:fontRef>
+          </p:style>
+          <p:txBody>
+            <a:bodyPr rtlCol="0" anchor="ctr"/>
+            <a:lstStyle/>
+            <a:p>
+              <a:pPr algn="ctr"/>
+              <a:r>
+                <a:rPr lang="vi-VN" dirty="0" err="1">
+                  <a:latin typeface="Arial" panose="020B0604020202020204" pitchFamily="34" charset="0"/>
+                  <a:cs typeface="Arial" panose="020B0604020202020204" pitchFamily="34" charset="0"/>
+                </a:rPr>
+                <a:t>Pages</a:t>
+              </a:r>
+              <a:r>
+                <a:rPr lang="vi-VN" dirty="0">
+                  <a:latin typeface="Arial" panose="020B0604020202020204" pitchFamily="34" charset="0"/>
+                  <a:cs typeface="Arial" panose="020B0604020202020204" pitchFamily="34" charset="0"/>
+                </a:rPr>
+                <a:t> </a:t>
+              </a:r>
+              <a:r>
+                <a:rPr lang="vi-VN" dirty="0" err="1">
+                  <a:latin typeface="Arial" panose="020B0604020202020204" pitchFamily="34" charset="0"/>
+                  <a:cs typeface="Arial" panose="020B0604020202020204" pitchFamily="34" charset="0"/>
+                </a:rPr>
+                <a:t>for</a:t>
+              </a:r>
+              <a:r>
+                <a:rPr lang="vi-VN" dirty="0">
+                  <a:latin typeface="Arial" panose="020B0604020202020204" pitchFamily="34" charset="0"/>
+                  <a:cs typeface="Arial" panose="020B0604020202020204" pitchFamily="34" charset="0"/>
+                </a:rPr>
+                <a:t> </a:t>
+              </a:r>
+              <a:r>
+                <a:rPr lang="vi-VN" dirty="0" err="1">
+                  <a:latin typeface="Arial" panose="020B0604020202020204" pitchFamily="34" charset="0"/>
+                  <a:cs typeface="Arial" panose="020B0604020202020204" pitchFamily="34" charset="0"/>
+                </a:rPr>
+                <a:t>grading</a:t>
+              </a:r>
+              <a:r>
+                <a:rPr lang="vi-VN" dirty="0">
+                  <a:latin typeface="Arial" panose="020B0604020202020204" pitchFamily="34" charset="0"/>
+                  <a:cs typeface="Arial" panose="020B0604020202020204" pitchFamily="34" charset="0"/>
+                </a:rPr>
+                <a:t> </a:t>
+              </a:r>
+              <a:r>
+                <a:rPr lang="vi-VN" dirty="0" err="1">
+                  <a:latin typeface="Arial" panose="020B0604020202020204" pitchFamily="34" charset="0"/>
+                  <a:cs typeface="Arial" panose="020B0604020202020204" pitchFamily="34" charset="0"/>
+                </a:rPr>
+                <a:t>students</a:t>
+              </a:r>
+              <a:endParaRPr lang="vi-VN" dirty="0">
+                <a:latin typeface="Arial" panose="020B0604020202020204" pitchFamily="34" charset="0"/>
+                <a:cs typeface="Arial" panose="020B0604020202020204" pitchFamily="34" charset="0"/>
+              </a:endParaRPr>
+            </a:p>
+          </p:txBody>
+        </p:sp>
+        <p:sp>
+          <p:nvSpPr>
+            <p:cNvPr id="36" name="Rectangle 35">
+              <a:extLst>
+                <a:ext uri="{FF2B5EF4-FFF2-40B4-BE49-F238E27FC236}">
+                  <a16:creationId xmlns:a16="http://schemas.microsoft.com/office/drawing/2014/main" id="{AC636069-3E53-AF62-6707-56B5EC3B3D5B}"/>
+                </a:ext>
+              </a:extLst>
+            </p:cNvPr>
+            <p:cNvSpPr/>
+            <p:nvPr/>
+          </p:nvSpPr>
+          <p:spPr>
+            <a:xfrm>
+              <a:off x="13096875" y="4317316"/>
+              <a:ext cx="4114800" cy="338748"/>
+            </a:xfrm>
+            <a:prstGeom prst="rect">
+              <a:avLst/>
+            </a:prstGeom>
+          </p:spPr>
+          <p:style>
+            <a:lnRef idx="2">
+              <a:schemeClr val="accent1"/>
+            </a:lnRef>
+            <a:fillRef idx="1">
+              <a:schemeClr val="lt1"/>
+            </a:fillRef>
+            <a:effectRef idx="0">
+              <a:schemeClr val="accent1"/>
+            </a:effectRef>
+            <a:fontRef idx="minor">
+              <a:schemeClr val="dk1"/>
+            </a:fontRef>
+          </p:style>
+          <p:txBody>
+            <a:bodyPr rtlCol="0" anchor="ctr"/>
+            <a:lstStyle/>
+            <a:p>
+              <a:pPr algn="ctr"/>
+              <a:r>
+                <a:rPr lang="en-US" dirty="0">
+                  <a:latin typeface="Arial" panose="020B0604020202020204" pitchFamily="34" charset="0"/>
+                  <a:cs typeface="Arial" panose="020B0604020202020204" pitchFamily="34" charset="0"/>
+                </a:rPr>
+                <a:t>Page to post Report for school</a:t>
+              </a:r>
+              <a:endParaRPr lang="vi-VN" dirty="0">
+                <a:latin typeface="Arial" panose="020B0604020202020204" pitchFamily="34" charset="0"/>
+                <a:cs typeface="Arial" panose="020B0604020202020204" pitchFamily="34" charset="0"/>
+              </a:endParaRPr>
+            </a:p>
+          </p:txBody>
+        </p:sp>
+      </p:grpSp>
+      <p:sp>
+        <p:nvSpPr>
+          <p:cNvPr id="40" name="TextBox 3">
+            <a:extLst>
+              <a:ext uri="{FF2B5EF4-FFF2-40B4-BE49-F238E27FC236}">
+                <a16:creationId xmlns:a16="http://schemas.microsoft.com/office/drawing/2014/main" id="{E5C70A72-A8D5-0665-17C4-FB0D3E2ED1E9}"/>
+              </a:ext>
+            </a:extLst>
+          </p:cNvPr>
+          <p:cNvSpPr txBox="1"/>
+          <p:nvPr/>
+        </p:nvSpPr>
+        <p:spPr>
+          <a:xfrm>
+            <a:off x="2819400" y="1257300"/>
+            <a:ext cx="4127464" cy="1121974"/>
+          </a:xfrm>
+          <a:prstGeom prst="rect">
+            <a:avLst/>
+          </a:prstGeom>
+        </p:spPr>
+        <p:txBody>
+          <a:bodyPr wrap="square" lIns="0" tIns="0" rIns="0" bIns="0" rtlCol="0" anchor="t">
+            <a:spAutoFit/>
+          </a:bodyPr>
+          <a:lstStyle/>
+          <a:p>
+            <a:pPr marL="0" lvl="0" indent="0">
+              <a:lnSpc>
+                <a:spcPts val="9600"/>
+              </a:lnSpc>
+            </a:pPr>
+            <a:r>
+              <a:rPr lang="en-US" sz="6000" u="none" dirty="0">
+                <a:solidFill>
+                  <a:srgbClr val="FFFFFF"/>
+                </a:solidFill>
+                <a:latin typeface="Noto Sans"/>
+              </a:rPr>
+              <a:t>UI Design</a:t>
+            </a:r>
+          </a:p>
+        </p:txBody>
+      </p:sp>
+    </p:spTree>
+    <p:extLst>
+      <p:ext uri="{BB962C8B-B14F-4D97-AF65-F5344CB8AC3E}">
+        <p14:creationId xmlns:p14="http://schemas.microsoft.com/office/powerpoint/2010/main" val="1556732261"/>
+      </p:ext>
+    </p:extLst>
+  </p:cSld>
+  <p:clrMapOvr>
+    <a:masterClrMapping/>
+  </p:clrMapOvr>
+</p:sld>
+</file>
+
+<file path=ppt/slides/slide15.xml><?xml version="1.0" encoding="utf-8"?>
+<p:sld xmlns:a="http://schemas.openxmlformats.org/drawingml/2006/main" xmlns:r="http://schemas.openxmlformats.org/officeDocument/2006/relationships" xmlns:p="http://schemas.openxmlformats.org/presentationml/2006/main">
+  <p:cSld>
+    <p:bg>
+      <p:bgPr>
+        <a:solidFill>
+          <a:srgbClr val="2B4B82"/>
+        </a:solidFill>
+        <a:effectLst/>
+      </p:bgPr>
+    </p:bg>
+    <p:spTree>
+      <p:nvGrpSpPr>
+        <p:cNvPr id="1" name="">
+          <a:extLst>
+            <a:ext uri="{FF2B5EF4-FFF2-40B4-BE49-F238E27FC236}">
+              <a16:creationId xmlns:a16="http://schemas.microsoft.com/office/drawing/2014/main" id="{D7E5F92A-A8DE-2178-2A7F-A5EFD389D79F}"/>
+            </a:ext>
+          </a:extLst>
+        </p:cNvPr>
+        <p:cNvGrpSpPr/>
+        <p:nvPr/>
+      </p:nvGrpSpPr>
+      <p:grpSpPr>
+        <a:xfrm>
+          <a:off x="0" y="0"/>
+          <a:ext cx="0" cy="0"/>
+          <a:chOff x="0" y="0"/>
+          <a:chExt cx="0" cy="0"/>
+        </a:xfrm>
+      </p:grpSpPr>
+      <p:sp>
+        <p:nvSpPr>
+          <p:cNvPr id="9" name="AutoShape 4">
+            <a:extLst>
+              <a:ext uri="{FF2B5EF4-FFF2-40B4-BE49-F238E27FC236}">
+                <a16:creationId xmlns:a16="http://schemas.microsoft.com/office/drawing/2014/main" id="{72944029-4588-2E26-C684-FAA96F235DD8}"/>
+              </a:ext>
+            </a:extLst>
+          </p:cNvPr>
+          <p:cNvSpPr>
+            <a:spLocks noChangeAspect="1" noChangeArrowheads="1"/>
+          </p:cNvSpPr>
+          <p:nvPr/>
+        </p:nvSpPr>
+        <p:spPr bwMode="auto">
+          <a:xfrm>
+            <a:off x="8991600" y="4991100"/>
+            <a:ext cx="3200400" cy="3200400"/>
+          </a:xfrm>
+          <a:prstGeom prst="rect">
+            <a:avLst/>
+          </a:prstGeom>
+          <a:noFill/>
+          <a:extLst>
+            <a:ext uri="{909E8E84-426E-40DD-AFC4-6F175D3DCCD1}">
+              <a14:hiddenFill xmlns:a14="http://schemas.microsoft.com/office/drawing/2010/main">
+                <a:solidFill>
+                  <a:srgbClr val="FFFFFF"/>
+                </a:solidFill>
+              </a14:hiddenFill>
+            </a:ext>
+          </a:extLst>
+        </p:spPr>
+        <p:txBody>
+          <a:bodyPr vert="horz" wrap="square" lIns="91440" tIns="45720" rIns="91440" bIns="45720" numCol="1" anchor="t" anchorCtr="0" compatLnSpc="1">
+            <a:prstTxWarp prst="textNoShape">
+              <a:avLst/>
+            </a:prstTxWarp>
+          </a:bodyPr>
+          <a:lstStyle/>
+          <a:p>
+            <a:endParaRPr lang="vi-VN"/>
+          </a:p>
+        </p:txBody>
+      </p:sp>
+      <p:sp>
+        <p:nvSpPr>
+          <p:cNvPr id="40" name="TextBox 3">
+            <a:extLst>
+              <a:ext uri="{FF2B5EF4-FFF2-40B4-BE49-F238E27FC236}">
+                <a16:creationId xmlns:a16="http://schemas.microsoft.com/office/drawing/2014/main" id="{6E25CE27-DA94-DAF4-8288-0431339ED4FD}"/>
+              </a:ext>
+            </a:extLst>
+          </p:cNvPr>
+          <p:cNvSpPr txBox="1"/>
+          <p:nvPr/>
+        </p:nvSpPr>
+        <p:spPr>
+          <a:xfrm>
+            <a:off x="914400" y="516326"/>
+            <a:ext cx="4953000" cy="1121974"/>
+          </a:xfrm>
+          <a:prstGeom prst="rect">
+            <a:avLst/>
+          </a:prstGeom>
+        </p:spPr>
+        <p:txBody>
+          <a:bodyPr wrap="square" lIns="0" tIns="0" rIns="0" bIns="0" rtlCol="0" anchor="t">
+            <a:spAutoFit/>
+          </a:bodyPr>
+          <a:lstStyle/>
+          <a:p>
+            <a:pPr marL="0" lvl="0" indent="0">
+              <a:lnSpc>
+                <a:spcPts val="9600"/>
+              </a:lnSpc>
+            </a:pPr>
+            <a:r>
+              <a:rPr lang="en-US" sz="6000" u="none" dirty="0">
+                <a:solidFill>
+                  <a:srgbClr val="FFFFFF"/>
+                </a:solidFill>
+                <a:latin typeface="Noto Sans"/>
+              </a:rPr>
+              <a:t>Server design</a:t>
+            </a:r>
+          </a:p>
+        </p:txBody>
+      </p:sp>
+      <p:sp>
+        <p:nvSpPr>
+          <p:cNvPr id="2" name="Rectangle 1">
+            <a:extLst>
+              <a:ext uri="{FF2B5EF4-FFF2-40B4-BE49-F238E27FC236}">
+                <a16:creationId xmlns:a16="http://schemas.microsoft.com/office/drawing/2014/main" id="{3A73BDD1-602D-2E0E-5CB1-9D7D3C8DC923}"/>
+              </a:ext>
+            </a:extLst>
+          </p:cNvPr>
+          <p:cNvSpPr/>
+          <p:nvPr/>
+        </p:nvSpPr>
+        <p:spPr>
+          <a:xfrm>
+            <a:off x="2133600" y="3771900"/>
+            <a:ext cx="1752600" cy="1905000"/>
+          </a:xfrm>
+          <a:prstGeom prst="rect">
+            <a:avLst/>
+          </a:prstGeom>
+        </p:spPr>
+        <p:style>
+          <a:lnRef idx="1">
+            <a:schemeClr val="accent1"/>
+          </a:lnRef>
+          <a:fillRef idx="2">
+            <a:schemeClr val="accent1"/>
+          </a:fillRef>
+          <a:effectRef idx="1">
+            <a:schemeClr val="accent1"/>
+          </a:effectRef>
+          <a:fontRef idx="minor">
+            <a:schemeClr val="dk1"/>
+          </a:fontRef>
+        </p:style>
+        <p:txBody>
+          <a:bodyPr rtlCol="0" anchor="ctr"/>
+          <a:lstStyle/>
+          <a:p>
+            <a:pPr algn="ctr"/>
+            <a:r>
+              <a:rPr lang="en-US" dirty="0"/>
+              <a:t>Client</a:t>
+            </a:r>
+          </a:p>
+          <a:p>
+            <a:pPr algn="ctr"/>
+            <a:r>
+              <a:rPr lang="en-US" dirty="0"/>
+              <a:t>(Browser)</a:t>
+            </a:r>
+            <a:endParaRPr lang="vi-VN" dirty="0"/>
+          </a:p>
+        </p:txBody>
+      </p:sp>
+      <p:sp>
+        <p:nvSpPr>
+          <p:cNvPr id="3" name="Rectangle 2">
+            <a:extLst>
+              <a:ext uri="{FF2B5EF4-FFF2-40B4-BE49-F238E27FC236}">
+                <a16:creationId xmlns:a16="http://schemas.microsoft.com/office/drawing/2014/main" id="{2F31EAAD-9126-EE4F-A3B9-8F02FCD573C2}"/>
+              </a:ext>
+            </a:extLst>
+          </p:cNvPr>
+          <p:cNvSpPr/>
+          <p:nvPr/>
+        </p:nvSpPr>
+        <p:spPr>
+          <a:xfrm>
+            <a:off x="6400800" y="1609725"/>
+            <a:ext cx="11582400" cy="7086600"/>
+          </a:xfrm>
+          <a:prstGeom prst="rect">
+            <a:avLst/>
+          </a:prstGeom>
+        </p:spPr>
+        <p:style>
+          <a:lnRef idx="1">
+            <a:schemeClr val="accent1"/>
+          </a:lnRef>
+          <a:fillRef idx="2">
+            <a:schemeClr val="accent1"/>
+          </a:fillRef>
+          <a:effectRef idx="1">
+            <a:schemeClr val="accent1"/>
+          </a:effectRef>
+          <a:fontRef idx="minor">
+            <a:schemeClr val="dk1"/>
+          </a:fontRef>
+        </p:style>
+        <p:txBody>
+          <a:bodyPr rtlCol="0" anchor="ctr"/>
+          <a:lstStyle/>
+          <a:p>
+            <a:pPr algn="ctr"/>
+            <a:endParaRPr lang="vi-VN" dirty="0"/>
+          </a:p>
+        </p:txBody>
+      </p:sp>
+      <p:sp>
+        <p:nvSpPr>
+          <p:cNvPr id="4" name="Rectangle: Rounded Corners 3">
+            <a:extLst>
+              <a:ext uri="{FF2B5EF4-FFF2-40B4-BE49-F238E27FC236}">
+                <a16:creationId xmlns:a16="http://schemas.microsoft.com/office/drawing/2014/main" id="{D33F30B5-0484-D8EA-8831-E9B495954AFB}"/>
+              </a:ext>
+            </a:extLst>
+          </p:cNvPr>
+          <p:cNvSpPr/>
+          <p:nvPr/>
+        </p:nvSpPr>
+        <p:spPr>
+          <a:xfrm>
+            <a:off x="7162800" y="2309813"/>
+            <a:ext cx="6858000" cy="1600200"/>
+          </a:xfrm>
+          <a:prstGeom prst="roundRect">
+            <a:avLst/>
+          </a:prstGeom>
+        </p:spPr>
+        <p:style>
+          <a:lnRef idx="2">
+            <a:schemeClr val="dk1"/>
+          </a:lnRef>
+          <a:fillRef idx="1">
+            <a:schemeClr val="lt1"/>
+          </a:fillRef>
+          <a:effectRef idx="0">
+            <a:schemeClr val="dk1"/>
+          </a:effectRef>
+          <a:fontRef idx="minor">
+            <a:schemeClr val="dk1"/>
+          </a:fontRef>
+        </p:style>
+        <p:txBody>
+          <a:bodyPr rtlCol="0" anchor="ctr"/>
+          <a:lstStyle/>
+          <a:p>
+            <a:r>
+              <a:rPr lang="en-US" dirty="0"/>
+              <a:t>APIs Server:</a:t>
+            </a:r>
+          </a:p>
+          <a:p>
+            <a:r>
+              <a:rPr lang="en-US" dirty="0"/>
+              <a:t>- Handle user in website</a:t>
+            </a:r>
+          </a:p>
+          <a:p>
+            <a:r>
+              <a:rPr lang="en-US" dirty="0"/>
+              <a:t>- Handle data information in website</a:t>
+            </a:r>
+          </a:p>
+        </p:txBody>
+      </p:sp>
+      <p:sp>
+        <p:nvSpPr>
+          <p:cNvPr id="5" name="Rectangle: Rounded Corners 4">
+            <a:extLst>
+              <a:ext uri="{FF2B5EF4-FFF2-40B4-BE49-F238E27FC236}">
+                <a16:creationId xmlns:a16="http://schemas.microsoft.com/office/drawing/2014/main" id="{C4713468-1C01-345E-6958-B840C2FAA897}"/>
+              </a:ext>
+            </a:extLst>
+          </p:cNvPr>
+          <p:cNvSpPr/>
+          <p:nvPr/>
+        </p:nvSpPr>
+        <p:spPr>
+          <a:xfrm>
+            <a:off x="7162799" y="4319587"/>
+            <a:ext cx="6857999" cy="1600200"/>
+          </a:xfrm>
+          <a:prstGeom prst="roundRect">
+            <a:avLst/>
+          </a:prstGeom>
+        </p:spPr>
+        <p:style>
+          <a:lnRef idx="2">
+            <a:schemeClr val="dk1"/>
+          </a:lnRef>
+          <a:fillRef idx="1">
+            <a:schemeClr val="lt1"/>
+          </a:fillRef>
+          <a:effectRef idx="0">
+            <a:schemeClr val="dk1"/>
+          </a:effectRef>
+          <a:fontRef idx="minor">
+            <a:schemeClr val="dk1"/>
+          </a:fontRef>
+        </p:style>
+        <p:txBody>
+          <a:bodyPr rtlCol="0" anchor="ctr"/>
+          <a:lstStyle/>
+          <a:p>
+            <a:r>
+              <a:rPr lang="en-US" dirty="0"/>
+              <a:t>Chat Server:</a:t>
+            </a:r>
+          </a:p>
+          <a:p>
+            <a:r>
+              <a:rPr lang="en-US" dirty="0"/>
+              <a:t>- Run Socket.io </a:t>
+            </a:r>
+          </a:p>
+          <a:p>
+            <a:r>
+              <a:rPr lang="en-US" dirty="0"/>
+              <a:t>- Handle Chat service in website</a:t>
+            </a:r>
+          </a:p>
+        </p:txBody>
+      </p:sp>
+      <p:sp>
+        <p:nvSpPr>
+          <p:cNvPr id="6" name="Rectangle: Rounded Corners 5">
+            <a:extLst>
+              <a:ext uri="{FF2B5EF4-FFF2-40B4-BE49-F238E27FC236}">
+                <a16:creationId xmlns:a16="http://schemas.microsoft.com/office/drawing/2014/main" id="{96B8FB6C-BA6A-85B0-AC12-164F070441CF}"/>
+              </a:ext>
+            </a:extLst>
+          </p:cNvPr>
+          <p:cNvSpPr/>
+          <p:nvPr/>
+        </p:nvSpPr>
+        <p:spPr>
+          <a:xfrm>
+            <a:off x="7162800" y="6367462"/>
+            <a:ext cx="6858000" cy="1600200"/>
+          </a:xfrm>
+          <a:prstGeom prst="roundRect">
+            <a:avLst/>
+          </a:prstGeom>
+        </p:spPr>
+        <p:style>
+          <a:lnRef idx="2">
+            <a:schemeClr val="dk1"/>
+          </a:lnRef>
+          <a:fillRef idx="1">
+            <a:schemeClr val="lt1"/>
+          </a:fillRef>
+          <a:effectRef idx="0">
+            <a:schemeClr val="dk1"/>
+          </a:effectRef>
+          <a:fontRef idx="minor">
+            <a:schemeClr val="dk1"/>
+          </a:fontRef>
+        </p:style>
+        <p:txBody>
+          <a:bodyPr rtlCol="0" anchor="ctr"/>
+          <a:lstStyle/>
+          <a:p>
+            <a:r>
+              <a:rPr lang="en-US" dirty="0"/>
+              <a:t>Files Server:</a:t>
+            </a:r>
+          </a:p>
+          <a:p>
+            <a:r>
+              <a:rPr lang="en-US" dirty="0"/>
+              <a:t>- Handle file storage work.</a:t>
+            </a:r>
+          </a:p>
+          <a:p>
+            <a:r>
+              <a:rPr lang="en-US" dirty="0"/>
+              <a:t>- Steam files for Browser can be used.</a:t>
+            </a:r>
+            <a:endParaRPr lang="vi-VN" dirty="0"/>
+          </a:p>
+        </p:txBody>
+      </p:sp>
+      <p:sp>
+        <p:nvSpPr>
+          <p:cNvPr id="12" name="Arrow: Right 11">
+            <a:extLst>
+              <a:ext uri="{FF2B5EF4-FFF2-40B4-BE49-F238E27FC236}">
+                <a16:creationId xmlns:a16="http://schemas.microsoft.com/office/drawing/2014/main" id="{5ED59AD8-A7AF-4405-A40B-CA2F91807171}"/>
+              </a:ext>
+            </a:extLst>
+          </p:cNvPr>
+          <p:cNvSpPr/>
+          <p:nvPr/>
+        </p:nvSpPr>
+        <p:spPr>
+          <a:xfrm>
+            <a:off x="4038600" y="4229100"/>
+            <a:ext cx="1981200" cy="152400"/>
+          </a:xfrm>
+          <a:prstGeom prst="rightArrow">
+            <a:avLst/>
+          </a:prstGeom>
+        </p:spPr>
+        <p:style>
+          <a:lnRef idx="2">
+            <a:schemeClr val="accent1"/>
+          </a:lnRef>
+          <a:fillRef idx="1">
+            <a:schemeClr val="lt1"/>
+          </a:fillRef>
+          <a:effectRef idx="0">
+            <a:schemeClr val="accent1"/>
+          </a:effectRef>
+          <a:fontRef idx="minor">
+            <a:schemeClr val="dk1"/>
+          </a:fontRef>
+        </p:style>
+        <p:txBody>
+          <a:bodyPr rtlCol="0" anchor="ctr"/>
+          <a:lstStyle/>
+          <a:p>
+            <a:pPr algn="ctr"/>
+            <a:endParaRPr lang="vi-VN"/>
+          </a:p>
+        </p:txBody>
+      </p:sp>
+      <p:sp>
+        <p:nvSpPr>
+          <p:cNvPr id="13" name="Arrow: Right 12">
+            <a:extLst>
+              <a:ext uri="{FF2B5EF4-FFF2-40B4-BE49-F238E27FC236}">
+                <a16:creationId xmlns:a16="http://schemas.microsoft.com/office/drawing/2014/main" id="{CD0B001B-27D8-6977-F995-CAF6941738C8}"/>
+              </a:ext>
+            </a:extLst>
+          </p:cNvPr>
+          <p:cNvSpPr/>
+          <p:nvPr/>
+        </p:nvSpPr>
+        <p:spPr>
+          <a:xfrm rot="10800000">
+            <a:off x="4048125" y="5124450"/>
+            <a:ext cx="1981200" cy="152400"/>
+          </a:xfrm>
+          <a:prstGeom prst="rightArrow">
+            <a:avLst/>
+          </a:prstGeom>
+        </p:spPr>
+        <p:style>
+          <a:lnRef idx="2">
+            <a:schemeClr val="accent1"/>
+          </a:lnRef>
+          <a:fillRef idx="1">
+            <a:schemeClr val="lt1"/>
+          </a:fillRef>
+          <a:effectRef idx="0">
+            <a:schemeClr val="accent1"/>
+          </a:effectRef>
+          <a:fontRef idx="minor">
+            <a:schemeClr val="dk1"/>
+          </a:fontRef>
+        </p:style>
+        <p:txBody>
+          <a:bodyPr rtlCol="0" anchor="ctr"/>
+          <a:lstStyle/>
+          <a:p>
+            <a:pPr algn="ctr"/>
+            <a:endParaRPr lang="vi-VN"/>
+          </a:p>
+        </p:txBody>
+      </p:sp>
+      <p:sp>
+        <p:nvSpPr>
+          <p:cNvPr id="15" name="Rectangle: Rounded Corners 14">
+            <a:extLst>
+              <a:ext uri="{FF2B5EF4-FFF2-40B4-BE49-F238E27FC236}">
+                <a16:creationId xmlns:a16="http://schemas.microsoft.com/office/drawing/2014/main" id="{686CB7CA-195F-B591-7C09-2C849FC0135D}"/>
+              </a:ext>
+            </a:extLst>
+          </p:cNvPr>
+          <p:cNvSpPr/>
+          <p:nvPr/>
+        </p:nvSpPr>
+        <p:spPr>
+          <a:xfrm>
+            <a:off x="15240000" y="4076700"/>
+            <a:ext cx="2209800" cy="1981200"/>
+          </a:xfrm>
+          <a:prstGeom prst="roundRect">
+            <a:avLst/>
+          </a:prstGeom>
+        </p:spPr>
+        <p:style>
+          <a:lnRef idx="2">
+            <a:schemeClr val="dk1"/>
+          </a:lnRef>
+          <a:fillRef idx="1">
+            <a:schemeClr val="lt1"/>
+          </a:fillRef>
+          <a:effectRef idx="0">
+            <a:schemeClr val="dk1"/>
+          </a:effectRef>
+          <a:fontRef idx="minor">
+            <a:schemeClr val="dk1"/>
+          </a:fontRef>
+        </p:style>
+        <p:txBody>
+          <a:bodyPr rtlCol="0" anchor="ctr"/>
+          <a:lstStyle/>
+          <a:p>
+            <a:pPr algn="ctr"/>
+            <a:r>
+              <a:rPr lang="en-US" dirty="0"/>
+              <a:t>Database</a:t>
+            </a:r>
+            <a:endParaRPr lang="vi-VN" dirty="0"/>
+          </a:p>
+        </p:txBody>
+      </p:sp>
+      <p:sp>
+        <p:nvSpPr>
+          <p:cNvPr id="16" name="TextBox 15">
+            <a:extLst>
+              <a:ext uri="{FF2B5EF4-FFF2-40B4-BE49-F238E27FC236}">
+                <a16:creationId xmlns:a16="http://schemas.microsoft.com/office/drawing/2014/main" id="{508F8EFF-0B5C-D20B-F581-F7CFACDACE92}"/>
+              </a:ext>
+            </a:extLst>
+          </p:cNvPr>
+          <p:cNvSpPr txBox="1"/>
+          <p:nvPr/>
+        </p:nvSpPr>
+        <p:spPr>
+          <a:xfrm>
+            <a:off x="4457700" y="3935968"/>
+            <a:ext cx="1370055" cy="369332"/>
+          </a:xfrm>
+          <a:prstGeom prst="rect">
+            <a:avLst/>
+          </a:prstGeom>
+          <a:noFill/>
+        </p:spPr>
+        <p:txBody>
+          <a:bodyPr wrap="none" rtlCol="0">
+            <a:spAutoFit/>
+          </a:bodyPr>
+          <a:lstStyle/>
+          <a:p>
+            <a:r>
+              <a:rPr lang="en-US" dirty="0">
+                <a:solidFill>
+                  <a:schemeClr val="bg1"/>
+                </a:solidFill>
+              </a:rPr>
+              <a:t>Http request</a:t>
+            </a:r>
+            <a:endParaRPr lang="vi-VN" dirty="0">
+              <a:solidFill>
+                <a:schemeClr val="bg1"/>
+              </a:solidFill>
+            </a:endParaRPr>
+          </a:p>
+        </p:txBody>
+      </p:sp>
+      <p:sp>
+        <p:nvSpPr>
+          <p:cNvPr id="17" name="TextBox 16">
+            <a:extLst>
+              <a:ext uri="{FF2B5EF4-FFF2-40B4-BE49-F238E27FC236}">
+                <a16:creationId xmlns:a16="http://schemas.microsoft.com/office/drawing/2014/main" id="{404FBF9F-F02C-D529-346C-2BC8F68E263B}"/>
+              </a:ext>
+            </a:extLst>
+          </p:cNvPr>
+          <p:cNvSpPr txBox="1"/>
+          <p:nvPr/>
+        </p:nvSpPr>
+        <p:spPr>
+          <a:xfrm>
+            <a:off x="4314825" y="4806434"/>
+            <a:ext cx="1507272" cy="369332"/>
+          </a:xfrm>
+          <a:prstGeom prst="rect">
+            <a:avLst/>
+          </a:prstGeom>
+          <a:noFill/>
+        </p:spPr>
+        <p:txBody>
+          <a:bodyPr wrap="none" rtlCol="0">
+            <a:spAutoFit/>
+          </a:bodyPr>
+          <a:lstStyle/>
+          <a:p>
+            <a:r>
+              <a:rPr lang="en-US" dirty="0">
+                <a:solidFill>
+                  <a:schemeClr val="bg1"/>
+                </a:solidFill>
+              </a:rPr>
+              <a:t>Http response</a:t>
+            </a:r>
+            <a:endParaRPr lang="vi-VN" dirty="0">
+              <a:solidFill>
+                <a:schemeClr val="bg1"/>
+              </a:solidFill>
+            </a:endParaRPr>
+          </a:p>
+        </p:txBody>
+      </p:sp>
+      <p:cxnSp>
+        <p:nvCxnSpPr>
+          <p:cNvPr id="48" name="Straight Arrow Connector 47">
+            <a:extLst>
+              <a:ext uri="{FF2B5EF4-FFF2-40B4-BE49-F238E27FC236}">
+                <a16:creationId xmlns:a16="http://schemas.microsoft.com/office/drawing/2014/main" id="{D24B6478-E743-838A-6D15-EEB06EBDAADD}"/>
+              </a:ext>
+            </a:extLst>
+          </p:cNvPr>
+          <p:cNvCxnSpPr/>
+          <p:nvPr/>
+        </p:nvCxnSpPr>
+        <p:spPr>
+          <a:xfrm>
+            <a:off x="14097000" y="2857500"/>
+            <a:ext cx="1066800" cy="1462087"/>
+          </a:xfrm>
+          <a:prstGeom prst="straightConnector1">
+            <a:avLst/>
+          </a:prstGeom>
+          <a:ln>
+            <a:tailEnd type="triangle"/>
+          </a:ln>
+        </p:spPr>
+        <p:style>
+          <a:lnRef idx="1">
+            <a:schemeClr val="dk1"/>
+          </a:lnRef>
+          <a:fillRef idx="0">
+            <a:schemeClr val="dk1"/>
+          </a:fillRef>
+          <a:effectRef idx="0">
+            <a:schemeClr val="dk1"/>
+          </a:effectRef>
+          <a:fontRef idx="minor">
+            <a:schemeClr val="tx1"/>
+          </a:fontRef>
+        </p:style>
+      </p:cxnSp>
+      <p:cxnSp>
+        <p:nvCxnSpPr>
+          <p:cNvPr id="50" name="Straight Arrow Connector 49">
+            <a:extLst>
+              <a:ext uri="{FF2B5EF4-FFF2-40B4-BE49-F238E27FC236}">
+                <a16:creationId xmlns:a16="http://schemas.microsoft.com/office/drawing/2014/main" id="{D4D30DFD-F225-0B81-C4C6-946B6D0806C0}"/>
+              </a:ext>
+            </a:extLst>
+          </p:cNvPr>
+          <p:cNvCxnSpPr>
+            <a:cxnSpLocks/>
+          </p:cNvCxnSpPr>
+          <p:nvPr/>
+        </p:nvCxnSpPr>
+        <p:spPr>
+          <a:xfrm>
+            <a:off x="14173198" y="4977348"/>
+            <a:ext cx="990602" cy="0"/>
+          </a:xfrm>
+          <a:prstGeom prst="straightConnector1">
+            <a:avLst/>
+          </a:prstGeom>
+          <a:ln>
+            <a:tailEnd type="triangle"/>
+          </a:ln>
+        </p:spPr>
+        <p:style>
+          <a:lnRef idx="1">
+            <a:schemeClr val="dk1"/>
+          </a:lnRef>
+          <a:fillRef idx="0">
+            <a:schemeClr val="dk1"/>
+          </a:fillRef>
+          <a:effectRef idx="0">
+            <a:schemeClr val="dk1"/>
+          </a:effectRef>
+          <a:fontRef idx="minor">
+            <a:schemeClr val="tx1"/>
+          </a:fontRef>
+        </p:style>
+      </p:cxnSp>
+      <p:cxnSp>
+        <p:nvCxnSpPr>
+          <p:cNvPr id="52" name="Straight Arrow Connector 51">
+            <a:extLst>
+              <a:ext uri="{FF2B5EF4-FFF2-40B4-BE49-F238E27FC236}">
+                <a16:creationId xmlns:a16="http://schemas.microsoft.com/office/drawing/2014/main" id="{209E44B9-8ED8-DBA4-B817-0CBE54320A4A}"/>
+              </a:ext>
+            </a:extLst>
+          </p:cNvPr>
+          <p:cNvCxnSpPr/>
+          <p:nvPr/>
+        </p:nvCxnSpPr>
+        <p:spPr>
+          <a:xfrm flipV="1">
+            <a:off x="14096998" y="5967414"/>
+            <a:ext cx="1143002" cy="1081086"/>
+          </a:xfrm>
+          <a:prstGeom prst="straightConnector1">
+            <a:avLst/>
+          </a:prstGeom>
+          <a:ln>
+            <a:tailEnd type="triangle"/>
+          </a:ln>
+        </p:spPr>
+        <p:style>
+          <a:lnRef idx="1">
+            <a:schemeClr val="dk1"/>
+          </a:lnRef>
+          <a:fillRef idx="0">
+            <a:schemeClr val="dk1"/>
+          </a:fillRef>
+          <a:effectRef idx="0">
+            <a:schemeClr val="dk1"/>
+          </a:effectRef>
+          <a:fontRef idx="minor">
+            <a:schemeClr val="tx1"/>
+          </a:fontRef>
+        </p:style>
+      </p:cxnSp>
+      <p:cxnSp>
+        <p:nvCxnSpPr>
+          <p:cNvPr id="54" name="Straight Arrow Connector 53">
+            <a:extLst>
+              <a:ext uri="{FF2B5EF4-FFF2-40B4-BE49-F238E27FC236}">
+                <a16:creationId xmlns:a16="http://schemas.microsoft.com/office/drawing/2014/main" id="{6C119036-AB46-1F8F-842A-956A084FA604}"/>
+              </a:ext>
+            </a:extLst>
+          </p:cNvPr>
+          <p:cNvCxnSpPr/>
+          <p:nvPr/>
+        </p:nvCxnSpPr>
+        <p:spPr>
+          <a:xfrm flipH="1" flipV="1">
+            <a:off x="14173200" y="2628900"/>
+            <a:ext cx="1143000" cy="1447800"/>
+          </a:xfrm>
+          <a:prstGeom prst="straightConnector1">
+            <a:avLst/>
+          </a:prstGeom>
+          <a:ln>
+            <a:tailEnd type="triangle"/>
+          </a:ln>
+        </p:spPr>
+        <p:style>
+          <a:lnRef idx="1">
+            <a:schemeClr val="dk1"/>
+          </a:lnRef>
+          <a:fillRef idx="0">
+            <a:schemeClr val="dk1"/>
+          </a:fillRef>
+          <a:effectRef idx="0">
+            <a:schemeClr val="dk1"/>
+          </a:effectRef>
+          <a:fontRef idx="minor">
+            <a:schemeClr val="tx1"/>
+          </a:fontRef>
+        </p:style>
+      </p:cxnSp>
+      <p:cxnSp>
+        <p:nvCxnSpPr>
+          <p:cNvPr id="56" name="Straight Arrow Connector 55">
+            <a:extLst>
+              <a:ext uri="{FF2B5EF4-FFF2-40B4-BE49-F238E27FC236}">
+                <a16:creationId xmlns:a16="http://schemas.microsoft.com/office/drawing/2014/main" id="{631133B0-F521-AEEE-A7E0-A8C167DFCE0C}"/>
+              </a:ext>
+            </a:extLst>
+          </p:cNvPr>
+          <p:cNvCxnSpPr>
+            <a:cxnSpLocks/>
+          </p:cNvCxnSpPr>
+          <p:nvPr/>
+        </p:nvCxnSpPr>
+        <p:spPr>
+          <a:xfrm flipH="1" flipV="1">
+            <a:off x="14096998" y="5298817"/>
+            <a:ext cx="1066802" cy="10835"/>
+          </a:xfrm>
+          <a:prstGeom prst="straightConnector1">
+            <a:avLst/>
+          </a:prstGeom>
+          <a:ln>
+            <a:tailEnd type="triangle"/>
+          </a:ln>
+        </p:spPr>
+        <p:style>
+          <a:lnRef idx="1">
+            <a:schemeClr val="dk1"/>
+          </a:lnRef>
+          <a:fillRef idx="0">
+            <a:schemeClr val="dk1"/>
+          </a:fillRef>
+          <a:effectRef idx="0">
+            <a:schemeClr val="dk1"/>
+          </a:effectRef>
+          <a:fontRef idx="minor">
+            <a:schemeClr val="tx1"/>
+          </a:fontRef>
+        </p:style>
+      </p:cxnSp>
+      <p:cxnSp>
+        <p:nvCxnSpPr>
+          <p:cNvPr id="60" name="Straight Arrow Connector 59">
+            <a:extLst>
+              <a:ext uri="{FF2B5EF4-FFF2-40B4-BE49-F238E27FC236}">
+                <a16:creationId xmlns:a16="http://schemas.microsoft.com/office/drawing/2014/main" id="{4C4E1D0F-8DE3-BC3F-E9F0-0E693900F3E0}"/>
+              </a:ext>
+            </a:extLst>
+          </p:cNvPr>
+          <p:cNvCxnSpPr/>
+          <p:nvPr/>
+        </p:nvCxnSpPr>
+        <p:spPr>
+          <a:xfrm flipH="1">
+            <a:off x="14173198" y="6134100"/>
+            <a:ext cx="1219202" cy="1219200"/>
+          </a:xfrm>
+          <a:prstGeom prst="straightConnector1">
+            <a:avLst/>
+          </a:prstGeom>
+          <a:ln>
+            <a:tailEnd type="triangle"/>
+          </a:ln>
+        </p:spPr>
+        <p:style>
+          <a:lnRef idx="1">
+            <a:schemeClr val="dk1"/>
+          </a:lnRef>
+          <a:fillRef idx="0">
+            <a:schemeClr val="dk1"/>
+          </a:fillRef>
+          <a:effectRef idx="0">
+            <a:schemeClr val="dk1"/>
+          </a:effectRef>
+          <a:fontRef idx="minor">
+            <a:schemeClr val="tx1"/>
+          </a:fontRef>
+        </p:style>
+      </p:cxnSp>
+      <p:sp>
+        <p:nvSpPr>
+          <p:cNvPr id="64" name="TextBox 63">
+            <a:extLst>
+              <a:ext uri="{FF2B5EF4-FFF2-40B4-BE49-F238E27FC236}">
+                <a16:creationId xmlns:a16="http://schemas.microsoft.com/office/drawing/2014/main" id="{F9298006-F42E-DFBC-7E0F-0521C4E41255}"/>
+              </a:ext>
+            </a:extLst>
+          </p:cNvPr>
+          <p:cNvSpPr txBox="1"/>
+          <p:nvPr/>
+        </p:nvSpPr>
+        <p:spPr>
+          <a:xfrm>
+            <a:off x="15544800" y="1638300"/>
+            <a:ext cx="2098138" cy="369332"/>
+          </a:xfrm>
+          <a:prstGeom prst="rect">
+            <a:avLst/>
+          </a:prstGeom>
+          <a:noFill/>
+        </p:spPr>
+        <p:txBody>
+          <a:bodyPr wrap="none" rtlCol="0">
+            <a:spAutoFit/>
+          </a:bodyPr>
+          <a:lstStyle/>
+          <a:p>
+            <a:r>
+              <a:rPr lang="en-US" dirty="0"/>
+              <a:t>Server-side Systems</a:t>
+            </a:r>
+            <a:endParaRPr lang="vi-VN" dirty="0"/>
+          </a:p>
+        </p:txBody>
+      </p:sp>
+    </p:spTree>
+    <p:extLst>
+      <p:ext uri="{BB962C8B-B14F-4D97-AF65-F5344CB8AC3E}">
+        <p14:creationId xmlns:p14="http://schemas.microsoft.com/office/powerpoint/2010/main" val="1474147711"/>
+      </p:ext>
+    </p:extLst>
+  </p:cSld>
+  <p:clrMapOvr>
+    <a:masterClrMapping/>
+  </p:clrMapOvr>
+</p:sld>
+</file>
+
+<file path=ppt/slides/slide16.xml><?xml version="1.0" encoding="utf-8"?>
+<p:sld xmlns:a="http://schemas.openxmlformats.org/drawingml/2006/main" xmlns:r="http://schemas.openxmlformats.org/officeDocument/2006/relationships" xmlns:p="http://schemas.openxmlformats.org/presentationml/2006/main">
+  <p:cSld>
+    <p:bg>
+      <p:bgPr>
+        <a:solidFill>
+          <a:srgbClr val="2B4B82"/>
+        </a:solidFill>
+        <a:effectLst/>
+      </p:bgPr>
+    </p:bg>
+    <p:spTree>
+      <p:nvGrpSpPr>
+        <p:cNvPr id="1" name="">
+          <a:extLst>
+            <a:ext uri="{FF2B5EF4-FFF2-40B4-BE49-F238E27FC236}">
+              <a16:creationId xmlns:a16="http://schemas.microsoft.com/office/drawing/2014/main" id="{87D70A76-0879-AA80-9DAC-8217B63D2ECC}"/>
+            </a:ext>
+          </a:extLst>
+        </p:cNvPr>
+        <p:cNvGrpSpPr/>
+        <p:nvPr/>
+      </p:nvGrpSpPr>
+      <p:grpSpPr>
+        <a:xfrm>
+          <a:off x="0" y="0"/>
+          <a:ext cx="0" cy="0"/>
+          <a:chOff x="0" y="0"/>
+          <a:chExt cx="0" cy="0"/>
+        </a:xfrm>
+      </p:grpSpPr>
+      <p:sp>
+        <p:nvSpPr>
+          <p:cNvPr id="40" name="TextBox 3">
+            <a:extLst>
+              <a:ext uri="{FF2B5EF4-FFF2-40B4-BE49-F238E27FC236}">
+                <a16:creationId xmlns:a16="http://schemas.microsoft.com/office/drawing/2014/main" id="{2BDEE205-757C-1F18-5B8F-BE9FA81EB417}"/>
+              </a:ext>
+            </a:extLst>
+          </p:cNvPr>
+          <p:cNvSpPr txBox="1"/>
+          <p:nvPr/>
+        </p:nvSpPr>
+        <p:spPr>
+          <a:xfrm>
+            <a:off x="914400" y="516326"/>
+            <a:ext cx="8610600" cy="1121974"/>
+          </a:xfrm>
+          <a:prstGeom prst="rect">
+            <a:avLst/>
+          </a:prstGeom>
+        </p:spPr>
+        <p:txBody>
+          <a:bodyPr wrap="square" lIns="0" tIns="0" rIns="0" bIns="0" rtlCol="0" anchor="t">
+            <a:spAutoFit/>
+          </a:bodyPr>
+          <a:lstStyle/>
+          <a:p>
+            <a:pPr marL="0" lvl="0" indent="0">
+              <a:lnSpc>
+                <a:spcPts val="9600"/>
+              </a:lnSpc>
+            </a:pPr>
+            <a:r>
+              <a:rPr lang="en-US" sz="6000" u="none" dirty="0">
+                <a:solidFill>
+                  <a:srgbClr val="FFFFFF"/>
+                </a:solidFill>
+                <a:latin typeface="Noto Sans"/>
+              </a:rPr>
+              <a:t>Deploy on docker</a:t>
+            </a:r>
+          </a:p>
+        </p:txBody>
+      </p:sp>
+      <p:pic>
+        <p:nvPicPr>
+          <p:cNvPr id="8" name="Picture 7">
+            <a:extLst>
+              <a:ext uri="{FF2B5EF4-FFF2-40B4-BE49-F238E27FC236}">
+                <a16:creationId xmlns:a16="http://schemas.microsoft.com/office/drawing/2014/main" id="{83F638B1-57DC-2B99-B61B-EC549215EF80}"/>
+              </a:ext>
+            </a:extLst>
+          </p:cNvPr>
+          <p:cNvPicPr>
+            <a:picLocks noChangeAspect="1"/>
+          </p:cNvPicPr>
+          <p:nvPr/>
+        </p:nvPicPr>
+        <p:blipFill>
+          <a:blip r:embed="rId2"/>
+          <a:stretch>
+            <a:fillRect/>
+          </a:stretch>
+        </p:blipFill>
+        <p:spPr>
+          <a:xfrm>
+            <a:off x="770904" y="1866900"/>
+            <a:ext cx="7763496" cy="7325747"/>
+          </a:xfrm>
+          <a:prstGeom prst="rect">
+            <a:avLst/>
+          </a:prstGeom>
+        </p:spPr>
+      </p:pic>
+      <p:pic>
+        <p:nvPicPr>
+          <p:cNvPr id="10" name="Picture 9" descr="A screenshot of a computer&#10;&#10;Description automatically generated">
+            <a:extLst>
+              <a:ext uri="{FF2B5EF4-FFF2-40B4-BE49-F238E27FC236}">
+                <a16:creationId xmlns:a16="http://schemas.microsoft.com/office/drawing/2014/main" id="{1C6B500D-34F1-BC82-AF72-DE58399FC053}"/>
+              </a:ext>
+            </a:extLst>
+          </p:cNvPr>
+          <p:cNvPicPr>
+            <a:picLocks noChangeAspect="1"/>
+          </p:cNvPicPr>
+          <p:nvPr/>
+        </p:nvPicPr>
+        <p:blipFill>
+          <a:blip r:embed="rId3"/>
+          <a:stretch>
+            <a:fillRect/>
+          </a:stretch>
+        </p:blipFill>
+        <p:spPr>
+          <a:xfrm>
+            <a:off x="9397230" y="952500"/>
+            <a:ext cx="8342458" cy="3352800"/>
+          </a:xfrm>
+          <a:prstGeom prst="rect">
+            <a:avLst/>
+          </a:prstGeom>
+        </p:spPr>
+      </p:pic>
+      <p:pic>
+        <p:nvPicPr>
+          <p:cNvPr id="14" name="Picture 13">
+            <a:extLst>
+              <a:ext uri="{FF2B5EF4-FFF2-40B4-BE49-F238E27FC236}">
+                <a16:creationId xmlns:a16="http://schemas.microsoft.com/office/drawing/2014/main" id="{5C8EA4C8-BDE2-705F-45AE-8333B0DDFFA6}"/>
+              </a:ext>
+            </a:extLst>
+          </p:cNvPr>
+          <p:cNvPicPr>
+            <a:picLocks noChangeAspect="1"/>
+          </p:cNvPicPr>
+          <p:nvPr/>
+        </p:nvPicPr>
+        <p:blipFill>
+          <a:blip r:embed="rId4"/>
+          <a:stretch>
+            <a:fillRect/>
+          </a:stretch>
+        </p:blipFill>
+        <p:spPr>
+          <a:xfrm>
+            <a:off x="9458518" y="4610100"/>
+            <a:ext cx="8291002" cy="4408207"/>
+          </a:xfrm>
+          <a:prstGeom prst="rect">
+            <a:avLst/>
+          </a:prstGeom>
+        </p:spPr>
+      </p:pic>
+    </p:spTree>
+    <p:extLst>
+      <p:ext uri="{BB962C8B-B14F-4D97-AF65-F5344CB8AC3E}">
+        <p14:creationId xmlns:p14="http://schemas.microsoft.com/office/powerpoint/2010/main" val="633986513"/>
+      </p:ext>
+    </p:extLst>
+  </p:cSld>
+  <p:clrMapOvr>
+    <a:masterClrMapping/>
+  </p:clrMapOvr>
+</p:sld>
+</file>
+
+<file path=ppt/slides/slide17.xml><?xml version="1.0" encoding="utf-8"?>
 <p:sld xmlns:a="http://schemas.openxmlformats.org/drawingml/2006/main" xmlns:r="http://schemas.openxmlformats.org/officeDocument/2006/relationships" xmlns:p="http://schemas.openxmlformats.org/presentationml/2006/main">
   <p:cSld>
     <p:bg>
@@ -4285,35 +10179,32 @@
         </p:nvSpPr>
         <p:spPr>
           <a:xfrm>
-            <a:off x="10552384" y="1695974"/>
-            <a:ext cx="6706916" cy="714375"/>
+            <a:off x="10552384" y="1339196"/>
+            <a:ext cx="5068616" cy="1161526"/>
           </a:xfrm>
           <a:prstGeom prst="rect">
             <a:avLst/>
           </a:prstGeom>
         </p:spPr>
         <p:txBody>
-          <a:bodyPr lIns="0" tIns="0" rIns="0" bIns="0" rtlCol="0" anchor="t">
+          <a:bodyPr wrap="square" lIns="0" tIns="0" rIns="0" bIns="0" rtlCol="0" anchor="t">
             <a:spAutoFit/>
           </a:bodyPr>
           <a:lstStyle/>
           <a:p>
-            <a:pPr marL="0" lvl="0" indent="0">
+            <a:pPr marL="0" lvl="0" indent="0" algn="ctr">
               <a:lnSpc>
-                <a:spcPts val="5999"/>
+                <a:spcPts val="10199"/>
               </a:lnSpc>
-              <a:spcBef>
-                <a:spcPct val="0"/>
-              </a:spcBef>
             </a:pPr>
             <a:r>
-              <a:rPr lang="en-US" sz="3999" spc="-79">
+              <a:rPr lang="en-US" sz="4000" dirty="0">
                 <a:solidFill>
                   <a:srgbClr val="FFFFFF"/>
                 </a:solidFill>
-                <a:latin typeface="Open Sans Bold"/>
+                <a:latin typeface="Josefin Sans Bold Bold"/>
               </a:rPr>
-              <a:t>Introduction</a:t>
+              <a:t>Problem Statement </a:t>
             </a:r>
           </a:p>
         </p:txBody>
@@ -4583,7 +10474,7 @@
               </a:lnSpc>
             </a:pPr>
             <a:r>
-              <a:rPr lang="en-US" sz="8499">
+              <a:rPr lang="en-US" sz="8499" dirty="0">
                 <a:solidFill>
                   <a:srgbClr val="FFFFFF"/>
                 </a:solidFill>
@@ -4591,12 +10482,6 @@
               </a:rPr>
               <a:t>Problem Statement </a:t>
             </a:r>
-            <a:endParaRPr lang="en-US" sz="8499" dirty="0">
-              <a:solidFill>
-                <a:srgbClr val="FFFFFF"/>
-              </a:solidFill>
-              <a:latin typeface="Josefin Sans Bold Bold"/>
-            </a:endParaRPr>
           </a:p>
         </p:txBody>
       </p:sp>
@@ -5823,7 +11708,13 @@
     </p:bg>
     <p:spTree>
       <p:nvGrpSpPr>
-        <p:cNvPr id="1" name=""/>
+        <p:cNvPr id="1" name="">
+          <a:extLst>
+            <a:ext uri="{FF2B5EF4-FFF2-40B4-BE49-F238E27FC236}">
+              <a16:creationId xmlns:a16="http://schemas.microsoft.com/office/drawing/2014/main" id="{943A045C-5BA3-EE0F-2653-BAB955DF6FB1}"/>
+            </a:ext>
+          </a:extLst>
+        </p:cNvPr>
         <p:cNvGrpSpPr/>
         <p:nvPr/>
       </p:nvGrpSpPr>
@@ -5837,67 +11728,20 @@
       </p:grpSpPr>
       <p:sp>
         <p:nvSpPr>
-          <p:cNvPr id="2" name="Freeform 2"/>
-          <p:cNvSpPr/>
+          <p:cNvPr id="3" name="TextBox 3">
+            <a:extLst>
+              <a:ext uri="{FF2B5EF4-FFF2-40B4-BE49-F238E27FC236}">
+                <a16:creationId xmlns:a16="http://schemas.microsoft.com/office/drawing/2014/main" id="{74912AA8-2385-91F0-8E5A-AB39A60B05E2}"/>
+              </a:ext>
+            </a:extLst>
+          </p:cNvPr>
+          <p:cNvSpPr txBox="1"/>
           <p:nvPr/>
         </p:nvSpPr>
         <p:spPr>
           <a:xfrm>
-            <a:off x="230162" y="881346"/>
-            <a:ext cx="14241058" cy="8524308"/>
-          </a:xfrm>
-          <a:custGeom>
-            <a:avLst/>
-            <a:gdLst/>
-            <a:ahLst/>
-            <a:cxnLst/>
-            <a:rect l="l" t="t" r="r" b="b"/>
-            <a:pathLst>
-              <a:path w="14241058" h="8524308">
-                <a:moveTo>
-                  <a:pt x="0" y="0"/>
-                </a:moveTo>
-                <a:lnTo>
-                  <a:pt x="14241057" y="0"/>
-                </a:lnTo>
-                <a:lnTo>
-                  <a:pt x="14241057" y="8524308"/>
-                </a:lnTo>
-                <a:lnTo>
-                  <a:pt x="0" y="8524308"/>
-                </a:lnTo>
-                <a:lnTo>
-                  <a:pt x="0" y="0"/>
-                </a:lnTo>
-                <a:close/>
-              </a:path>
-            </a:pathLst>
-          </a:custGeom>
-          <a:blipFill>
-            <a:blip r:embed="rId2"/>
-            <a:stretch>
-              <a:fillRect/>
-            </a:stretch>
-          </a:blipFill>
-        </p:spPr>
-        <p:txBody>
-          <a:bodyPr/>
-          <a:lstStyle/>
-          <a:p>
-            <a:endParaRPr lang="vi-VN"/>
-          </a:p>
-        </p:txBody>
-      </p:sp>
-      <p:sp>
-        <p:nvSpPr>
-          <p:cNvPr id="3" name="TextBox 3"/>
-          <p:cNvSpPr txBox="1"/>
-          <p:nvPr/>
-        </p:nvSpPr>
-        <p:spPr>
-          <a:xfrm>
-            <a:off x="12788936" y="3924300"/>
-            <a:ext cx="4470364" cy="2438400"/>
+            <a:off x="2526428" y="1181100"/>
+            <a:ext cx="12625545" cy="1060451"/>
           </a:xfrm>
           <a:prstGeom prst="rect">
             <a:avLst/>
@@ -5909,24 +11753,59 @@
           </a:bodyPr>
           <a:lstStyle/>
           <a:p>
-            <a:pPr marL="0" lvl="0" indent="0" algn="r">
+            <a:pPr marL="0" lvl="0" indent="0" algn="ctr">
               <a:lnSpc>
-                <a:spcPts val="9600"/>
+                <a:spcPts val="8000"/>
               </a:lnSpc>
             </a:pPr>
             <a:r>
-              <a:rPr lang="en-US" sz="8000" u="none">
+              <a:rPr lang="en-US" sz="8000">
                 <a:solidFill>
                   <a:srgbClr val="FFFFFF"/>
                 </a:solidFill>
-                <a:latin typeface="Noto Sans"/>
+                <a:latin typeface="Open Sans Bold"/>
               </a:rPr>
-              <a:t>Usecase diagram</a:t>
-            </a:r>
-          </a:p>
-        </p:txBody>
-      </p:sp>
+              <a:t>Workflow</a:t>
+            </a:r>
+          </a:p>
+        </p:txBody>
+      </p:sp>
+      <p:pic>
+        <p:nvPicPr>
+          <p:cNvPr id="4" name="Picture 3" descr="A diagram of a data flow&#10;&#10;Description automatically generated">
+            <a:extLst>
+              <a:ext uri="{FF2B5EF4-FFF2-40B4-BE49-F238E27FC236}">
+                <a16:creationId xmlns:a16="http://schemas.microsoft.com/office/drawing/2014/main" id="{65DA2ECE-235C-DED3-9134-414A93E63670}"/>
+              </a:ext>
+            </a:extLst>
+          </p:cNvPr>
+          <p:cNvPicPr>
+            <a:picLocks noChangeAspect="1"/>
+          </p:cNvPicPr>
+          <p:nvPr/>
+        </p:nvPicPr>
+        <p:blipFill>
+          <a:blip r:embed="rId2"/>
+          <a:stretch>
+            <a:fillRect/>
+          </a:stretch>
+        </p:blipFill>
+        <p:spPr>
+          <a:xfrm>
+            <a:off x="762000" y="2766344"/>
+            <a:ext cx="16306800" cy="6832247"/>
+          </a:xfrm>
+          <a:prstGeom prst="rect">
+            <a:avLst/>
+          </a:prstGeom>
+        </p:spPr>
+      </p:pic>
     </p:spTree>
+    <p:extLst>
+      <p:ext uri="{BB962C8B-B14F-4D97-AF65-F5344CB8AC3E}">
+        <p14:creationId xmlns:p14="http://schemas.microsoft.com/office/powerpoint/2010/main" val="2614724215"/>
+      </p:ext>
+    </p:extLst>
   </p:cSld>
   <p:clrMapOvr>
     <a:masterClrMapping/>
@@ -5961,166 +11840,138 @@
       </p:grpSpPr>
       <p:sp>
         <p:nvSpPr>
-          <p:cNvPr id="2" name="TextBox 2"/>
+          <p:cNvPr id="5" name="Arrow: Pentagon 4">
+            <a:extLst>
+              <a:ext uri="{FF2B5EF4-FFF2-40B4-BE49-F238E27FC236}">
+                <a16:creationId xmlns:a16="http://schemas.microsoft.com/office/drawing/2014/main" id="{B97C26C9-D2C3-E6A9-9FE3-CA66E94E179E}"/>
+              </a:ext>
+            </a:extLst>
+          </p:cNvPr>
+          <p:cNvSpPr/>
+          <p:nvPr/>
+        </p:nvSpPr>
+        <p:spPr>
+          <a:xfrm rot="10800000">
+            <a:off x="13792200" y="2552700"/>
+            <a:ext cx="4127464" cy="4267200"/>
+          </a:xfrm>
+          <a:prstGeom prst="homePlate">
+            <a:avLst/>
+          </a:prstGeom>
+          <a:solidFill>
+            <a:schemeClr val="tx1">
+              <a:lumMod val="75000"/>
+              <a:lumOff val="25000"/>
+            </a:schemeClr>
+          </a:solidFill>
+          <a:ln>
+            <a:solidFill>
+              <a:schemeClr val="bg2"/>
+            </a:solidFill>
+          </a:ln>
+        </p:spPr>
+        <p:style>
+          <a:lnRef idx="2">
+            <a:schemeClr val="accent1">
+              <a:shade val="15000"/>
+            </a:schemeClr>
+          </a:lnRef>
+          <a:fillRef idx="1">
+            <a:schemeClr val="accent1"/>
+          </a:fillRef>
+          <a:effectRef idx="0">
+            <a:schemeClr val="accent1"/>
+          </a:effectRef>
+          <a:fontRef idx="minor">
+            <a:schemeClr val="lt1"/>
+          </a:fontRef>
+        </p:style>
+        <p:txBody>
+          <a:bodyPr rtlCol="0" anchor="ctr"/>
+          <a:lstStyle/>
+          <a:p>
+            <a:pPr algn="ctr"/>
+            <a:endParaRPr lang="vi-VN" dirty="0"/>
+          </a:p>
+        </p:txBody>
+      </p:sp>
+      <p:sp>
+        <p:nvSpPr>
+          <p:cNvPr id="3" name="TextBox 3"/>
           <p:cNvSpPr txBox="1"/>
           <p:nvPr/>
         </p:nvSpPr>
         <p:spPr>
           <a:xfrm>
-            <a:off x="5334000" y="3857625"/>
-            <a:ext cx="7620000" cy="2571750"/>
+            <a:off x="14782800" y="3509760"/>
+            <a:ext cx="4127464" cy="2353080"/>
           </a:xfrm>
           <a:prstGeom prst="rect">
             <a:avLst/>
           </a:prstGeom>
         </p:spPr>
         <p:txBody>
-          <a:bodyPr lIns="0" tIns="0" rIns="0" bIns="0" rtlCol="0" anchor="t">
+          <a:bodyPr wrap="square" lIns="0" tIns="0" rIns="0" bIns="0" rtlCol="0" anchor="t">
             <a:spAutoFit/>
           </a:bodyPr>
           <a:lstStyle/>
           <a:p>
-            <a:pPr marL="0" lvl="0" indent="0" algn="ctr">
+            <a:pPr marL="0" lvl="0" indent="0">
               <a:lnSpc>
-                <a:spcPts val="10199"/>
+                <a:spcPts val="9600"/>
               </a:lnSpc>
             </a:pPr>
             <a:r>
-              <a:rPr lang="en-US" sz="8499">
+              <a:rPr lang="en-US" sz="6000" u="none" dirty="0" err="1">
                 <a:solidFill>
                   <a:srgbClr val="FFFFFF"/>
                 </a:solidFill>
-                <a:latin typeface="Josefin Sans Bold Bold"/>
+                <a:latin typeface="Noto Sans"/>
               </a:rPr>
-              <a:t>Deploy and Demo</a:t>
-            </a:r>
-          </a:p>
-        </p:txBody>
-      </p:sp>
-      <p:grpSp>
-        <p:nvGrpSpPr>
-          <p:cNvPr id="3" name="Group 3"/>
-          <p:cNvGrpSpPr/>
+              <a:t>Usecase</a:t>
+            </a:r>
+            <a:r>
+              <a:rPr lang="en-US" sz="6000" u="none" dirty="0">
+                <a:solidFill>
+                  <a:srgbClr val="FFFFFF"/>
+                </a:solidFill>
+                <a:latin typeface="Noto Sans"/>
+              </a:rPr>
+              <a:t> diagram</a:t>
+            </a:r>
+          </a:p>
+        </p:txBody>
+      </p:sp>
+      <p:pic>
+        <p:nvPicPr>
+          <p:cNvPr id="4" name="Picture 3" descr="A diagram of a company&#10;&#10;Description automatically generated">
+            <a:extLst>
+              <a:ext uri="{FF2B5EF4-FFF2-40B4-BE49-F238E27FC236}">
+                <a16:creationId xmlns:a16="http://schemas.microsoft.com/office/drawing/2014/main" id="{4EA6AC7E-C0EE-1ECB-7B6F-F95A39EC6D9B}"/>
+              </a:ext>
+            </a:extLst>
+          </p:cNvPr>
+          <p:cNvPicPr>
+            <a:picLocks noChangeAspect="1"/>
+          </p:cNvPicPr>
           <p:nvPr/>
-        </p:nvGrpSpPr>
-        <p:grpSpPr>
+        </p:nvPicPr>
+        <p:blipFill>
+          <a:blip r:embed="rId3"/>
+          <a:stretch>
+            <a:fillRect/>
+          </a:stretch>
+        </p:blipFill>
+        <p:spPr>
           <a:xfrm>
-            <a:off x="0" y="4445872"/>
-            <a:ext cx="2713624" cy="5841128"/>
-            <a:chOff x="0" y="0"/>
-            <a:chExt cx="5355113" cy="11526982"/>
+            <a:off x="219392" y="233146"/>
+            <a:ext cx="13344208" cy="9820707"/>
           </a:xfrm>
-        </p:grpSpPr>
-        <p:sp>
-          <p:nvSpPr>
-            <p:cNvPr id="4" name="Freeform 4"/>
-            <p:cNvSpPr/>
-            <p:nvPr/>
-          </p:nvSpPr>
-          <p:spPr>
-            <a:xfrm>
-              <a:off x="0" y="0"/>
-              <a:ext cx="5355113" cy="11526982"/>
-            </a:xfrm>
-            <a:custGeom>
-              <a:avLst/>
-              <a:gdLst/>
-              <a:ahLst/>
-              <a:cxnLst/>
-              <a:rect l="l" t="t" r="r" b="b"/>
-              <a:pathLst>
-                <a:path w="5355113" h="11526982">
-                  <a:moveTo>
-                    <a:pt x="5355113" y="11526982"/>
-                  </a:moveTo>
-                  <a:lnTo>
-                    <a:pt x="0" y="11526982"/>
-                  </a:lnTo>
-                  <a:lnTo>
-                    <a:pt x="0" y="0"/>
-                  </a:lnTo>
-                  <a:lnTo>
-                    <a:pt x="5355113" y="11526982"/>
-                  </a:lnTo>
-                  <a:close/>
-                </a:path>
-              </a:pathLst>
-            </a:custGeom>
-            <a:solidFill>
-              <a:srgbClr val="C6C6C6"/>
-            </a:solidFill>
-          </p:spPr>
-          <p:txBody>
-            <a:bodyPr/>
-            <a:lstStyle/>
-            <a:p>
-              <a:endParaRPr lang="vi-VN"/>
-            </a:p>
-          </p:txBody>
-        </p:sp>
-      </p:grpSp>
-      <p:grpSp>
-        <p:nvGrpSpPr>
-          <p:cNvPr id="5" name="Group 5"/>
-          <p:cNvGrpSpPr/>
-          <p:nvPr/>
-        </p:nvGrpSpPr>
-        <p:grpSpPr>
-          <a:xfrm rot="-10800000">
-            <a:off x="16258401" y="0"/>
-            <a:ext cx="2067430" cy="4450182"/>
-            <a:chOff x="0" y="0"/>
-            <a:chExt cx="5355113" cy="11526982"/>
-          </a:xfrm>
-        </p:grpSpPr>
-        <p:sp>
-          <p:nvSpPr>
-            <p:cNvPr id="6" name="Freeform 6"/>
-            <p:cNvSpPr/>
-            <p:nvPr/>
-          </p:nvSpPr>
-          <p:spPr>
-            <a:xfrm>
-              <a:off x="0" y="0"/>
-              <a:ext cx="5355113" cy="11526982"/>
-            </a:xfrm>
-            <a:custGeom>
-              <a:avLst/>
-              <a:gdLst/>
-              <a:ahLst/>
-              <a:cxnLst/>
-              <a:rect l="l" t="t" r="r" b="b"/>
-              <a:pathLst>
-                <a:path w="5355113" h="11526982">
-                  <a:moveTo>
-                    <a:pt x="5355113" y="11526982"/>
-                  </a:moveTo>
-                  <a:lnTo>
-                    <a:pt x="0" y="11526982"/>
-                  </a:lnTo>
-                  <a:lnTo>
-                    <a:pt x="0" y="0"/>
-                  </a:lnTo>
-                  <a:lnTo>
-                    <a:pt x="5355113" y="11526982"/>
-                  </a:lnTo>
-                  <a:close/>
-                </a:path>
-              </a:pathLst>
-            </a:custGeom>
-            <a:solidFill>
-              <a:srgbClr val="C6C6C6"/>
-            </a:solidFill>
-          </p:spPr>
-          <p:txBody>
-            <a:bodyPr/>
-            <a:lstStyle/>
-            <a:p>
-              <a:endParaRPr lang="vi-VN"/>
-            </a:p>
-          </p:txBody>
-        </p:sp>
-      </p:grpSp>
+          <a:prstGeom prst="rect">
+            <a:avLst/>
+          </a:prstGeom>
+        </p:spPr>
+      </p:pic>
     </p:spTree>
   </p:cSld>
   <p:clrMapOvr>
@@ -6410,4 +12261,319 @@
   <a:objectDefaults/>
   <a:extraClrSchemeLst/>
 </a:theme>
+</file>
+
+<file path=ppt/theme/theme2.xml><?xml version="1.0" encoding="utf-8"?>
+<a:theme xmlns:a="http://schemas.openxmlformats.org/drawingml/2006/main" name="Office Theme">
+  <a:themeElements>
+    <a:clrScheme name="Office">
+      <a:dk1>
+        <a:sysClr val="windowText" lastClr="000000"/>
+      </a:dk1>
+      <a:lt1>
+        <a:sysClr val="window" lastClr="FFFFFF"/>
+      </a:lt1>
+      <a:dk2>
+        <a:srgbClr val="0E2841"/>
+      </a:dk2>
+      <a:lt2>
+        <a:srgbClr val="E8E8E8"/>
+      </a:lt2>
+      <a:accent1>
+        <a:srgbClr val="156082"/>
+      </a:accent1>
+      <a:accent2>
+        <a:srgbClr val="E97132"/>
+      </a:accent2>
+      <a:accent3>
+        <a:srgbClr val="196B24"/>
+      </a:accent3>
+      <a:accent4>
+        <a:srgbClr val="0F9ED5"/>
+      </a:accent4>
+      <a:accent5>
+        <a:srgbClr val="A02B93"/>
+      </a:accent5>
+      <a:accent6>
+        <a:srgbClr val="4EA72E"/>
+      </a:accent6>
+      <a:hlink>
+        <a:srgbClr val="467886"/>
+      </a:hlink>
+      <a:folHlink>
+        <a:srgbClr val="96607D"/>
+      </a:folHlink>
+    </a:clrScheme>
+    <a:fontScheme name="Office">
+      <a:majorFont>
+        <a:latin typeface="Aptos Display" panose="02110004020202020204"/>
+        <a:ea typeface=""/>
+        <a:cs typeface=""/>
+        <a:font script="Jpan" typeface="游ゴシック Light"/>
+        <a:font script="Hang" typeface="맑은 고딕"/>
+        <a:font script="Hans" typeface="等线 Light"/>
+        <a:font script="Hant" typeface="新細明體"/>
+        <a:font script="Arab" typeface="Times New Roman"/>
+        <a:font script="Hebr" typeface="Times New Roman"/>
+        <a:font script="Thai" typeface="Angsana New"/>
+        <a:font script="Ethi" typeface="Nyala"/>
+        <a:font script="Beng" typeface="Vrinda"/>
+        <a:font script="Gujr" typeface="Shruti"/>
+        <a:font script="Khmr" typeface="MoolBoran"/>
+        <a:font script="Knda" typeface="Tunga"/>
+        <a:font script="Guru" typeface="Raavi"/>
+        <a:font script="Cans" typeface="Euphemia"/>
+        <a:font script="Cher" typeface="Plantagenet Cherokee"/>
+        <a:font script="Yiii" typeface="Microsoft Yi Baiti"/>
+        <a:font script="Tibt" typeface="Microsoft Himalaya"/>
+        <a:font script="Thaa" typeface="MV Boli"/>
+        <a:font script="Deva" typeface="Mangal"/>
+        <a:font script="Telu" typeface="Gautami"/>
+        <a:font script="Taml" typeface="Latha"/>
+        <a:font script="Syrc" typeface="Estrangelo Edessa"/>
+        <a:font script="Orya" typeface="Kalinga"/>
+        <a:font script="Mlym" typeface="Kartika"/>
+        <a:font script="Laoo" typeface="DokChampa"/>
+        <a:font script="Sinh" typeface="Iskoola Pota"/>
+        <a:font script="Mong" typeface="Mongolian Baiti"/>
+        <a:font script="Viet" typeface="Times New Roman"/>
+        <a:font script="Uigh" typeface="Microsoft Uighur"/>
+        <a:font script="Geor" typeface="Sylfaen"/>
+        <a:font script="Armn" typeface="Arial"/>
+        <a:font script="Bugi" typeface="Leelawadee UI"/>
+        <a:font script="Bopo" typeface="Microsoft JhengHei"/>
+        <a:font script="Java" typeface="Javanese Text"/>
+        <a:font script="Lisu" typeface="Segoe UI"/>
+        <a:font script="Mymr" typeface="Myanmar Text"/>
+        <a:font script="Nkoo" typeface="Ebrima"/>
+        <a:font script="Olck" typeface="Nirmala UI"/>
+        <a:font script="Osma" typeface="Ebrima"/>
+        <a:font script="Phag" typeface="Phagspa"/>
+        <a:font script="Syrn" typeface="Estrangelo Edessa"/>
+        <a:font script="Syrj" typeface="Estrangelo Edessa"/>
+        <a:font script="Syre" typeface="Estrangelo Edessa"/>
+        <a:font script="Sora" typeface="Nirmala UI"/>
+        <a:font script="Tale" typeface="Microsoft Tai Le"/>
+        <a:font script="Talu" typeface="Microsoft New Tai Lue"/>
+        <a:font script="Tfng" typeface="Ebrima"/>
+      </a:majorFont>
+      <a:minorFont>
+        <a:latin typeface="Aptos" panose="02110004020202020204"/>
+        <a:ea typeface=""/>
+        <a:cs typeface=""/>
+        <a:font script="Jpan" typeface="游ゴシック"/>
+        <a:font script="Hang" typeface="맑은 고딕"/>
+        <a:font script="Hans" typeface="等线"/>
+        <a:font script="Hant" typeface="新細明體"/>
+        <a:font script="Arab" typeface="Arial"/>
+        <a:font script="Hebr" typeface="Arial"/>
+        <a:font script="Thai" typeface="Cordia New"/>
+        <a:font script="Ethi" typeface="Nyala"/>
+        <a:font script="Beng" typeface="Vrinda"/>
+        <a:font script="Gujr" typeface="Shruti"/>
+        <a:font script="Khmr" typeface="DaunPenh"/>
+        <a:font script="Knda" typeface="Tunga"/>
+        <a:font script="Guru" typeface="Raavi"/>
+        <a:font script="Cans" typeface="Euphemia"/>
+        <a:font script="Cher" typeface="Plantagenet Cherokee"/>
+        <a:font script="Yiii" typeface="Microsoft Yi Baiti"/>
+        <a:font script="Tibt" typeface="Microsoft Himalaya"/>
+        <a:font script="Thaa" typeface="MV Boli"/>
+        <a:font script="Deva" typeface="Mangal"/>
+        <a:font script="Telu" typeface="Gautami"/>
+        <a:font script="Taml" typeface="Latha"/>
+        <a:font script="Syrc" typeface="Estrangelo Edessa"/>
+        <a:font script="Orya" typeface="Kalinga"/>
+        <a:font script="Mlym" typeface="Kartika"/>
+        <a:font script="Laoo" typeface="DokChampa"/>
+        <a:font script="Sinh" typeface="Iskoola Pota"/>
+        <a:font script="Mong" typeface="Mongolian Baiti"/>
+        <a:font script="Viet" typeface="Arial"/>
+        <a:font script="Uigh" typeface="Microsoft Uighur"/>
+        <a:font script="Geor" typeface="Sylfaen"/>
+        <a:font script="Armn" typeface="Arial"/>
+        <a:font script="Bugi" typeface="Leelawadee UI"/>
+        <a:font script="Bopo" typeface="Microsoft JhengHei"/>
+        <a:font script="Java" typeface="Javanese Text"/>
+        <a:font script="Lisu" typeface="Segoe UI"/>
+        <a:font script="Mymr" typeface="Myanmar Text"/>
+        <a:font script="Nkoo" typeface="Ebrima"/>
+        <a:font script="Olck" typeface="Nirmala UI"/>
+        <a:font script="Osma" typeface="Ebrima"/>
+        <a:font script="Phag" typeface="Phagspa"/>
+        <a:font script="Syrn" typeface="Estrangelo Edessa"/>
+        <a:font script="Syrj" typeface="Estrangelo Edessa"/>
+        <a:font script="Syre" typeface="Estrangelo Edessa"/>
+        <a:font script="Sora" typeface="Nirmala UI"/>
+        <a:font script="Tale" typeface="Microsoft Tai Le"/>
+        <a:font script="Talu" typeface="Microsoft New Tai Lue"/>
+        <a:font script="Tfng" typeface="Ebrima"/>
+      </a:minorFont>
+    </a:fontScheme>
+    <a:fmtScheme name="Office">
+      <a:fillStyleLst>
+        <a:solidFill>
+          <a:schemeClr val="phClr"/>
+        </a:solidFill>
+        <a:gradFill rotWithShape="1">
+          <a:gsLst>
+            <a:gs pos="0">
+              <a:schemeClr val="phClr">
+                <a:lumMod val="110000"/>
+                <a:satMod val="105000"/>
+                <a:tint val="67000"/>
+              </a:schemeClr>
+            </a:gs>
+            <a:gs pos="50000">
+              <a:schemeClr val="phClr">
+                <a:lumMod val="105000"/>
+                <a:satMod val="103000"/>
+                <a:tint val="73000"/>
+              </a:schemeClr>
+            </a:gs>
+            <a:gs pos="100000">
+              <a:schemeClr val="phClr">
+                <a:lumMod val="105000"/>
+                <a:satMod val="109000"/>
+                <a:tint val="81000"/>
+              </a:schemeClr>
+            </a:gs>
+          </a:gsLst>
+          <a:lin ang="5400000" scaled="0"/>
+        </a:gradFill>
+        <a:gradFill rotWithShape="1">
+          <a:gsLst>
+            <a:gs pos="0">
+              <a:schemeClr val="phClr">
+                <a:satMod val="103000"/>
+                <a:lumMod val="102000"/>
+                <a:tint val="94000"/>
+              </a:schemeClr>
+            </a:gs>
+            <a:gs pos="50000">
+              <a:schemeClr val="phClr">
+                <a:satMod val="110000"/>
+                <a:lumMod val="100000"/>
+                <a:shade val="100000"/>
+              </a:schemeClr>
+            </a:gs>
+            <a:gs pos="100000">
+              <a:schemeClr val="phClr">
+                <a:lumMod val="99000"/>
+                <a:satMod val="120000"/>
+                <a:shade val="78000"/>
+              </a:schemeClr>
+            </a:gs>
+          </a:gsLst>
+          <a:lin ang="5400000" scaled="0"/>
+        </a:gradFill>
+      </a:fillStyleLst>
+      <a:lnStyleLst>
+        <a:ln w="12700" cap="flat" cmpd="sng" algn="ctr">
+          <a:solidFill>
+            <a:schemeClr val="phClr"/>
+          </a:solidFill>
+          <a:prstDash val="solid"/>
+          <a:miter lim="800000"/>
+        </a:ln>
+        <a:ln w="19050" cap="flat" cmpd="sng" algn="ctr">
+          <a:solidFill>
+            <a:schemeClr val="phClr"/>
+          </a:solidFill>
+          <a:prstDash val="solid"/>
+          <a:miter lim="800000"/>
+        </a:ln>
+        <a:ln w="25400" cap="flat" cmpd="sng" algn="ctr">
+          <a:solidFill>
+            <a:schemeClr val="phClr"/>
+          </a:solidFill>
+          <a:prstDash val="solid"/>
+          <a:miter lim="800000"/>
+        </a:ln>
+      </a:lnStyleLst>
+      <a:effectStyleLst>
+        <a:effectStyle>
+          <a:effectLst/>
+        </a:effectStyle>
+        <a:effectStyle>
+          <a:effectLst/>
+        </a:effectStyle>
+        <a:effectStyle>
+          <a:effectLst>
+            <a:outerShdw blurRad="57150" dist="19050" dir="5400000" algn="ctr" rotWithShape="0">
+              <a:srgbClr val="000000">
+                <a:alpha val="63000"/>
+              </a:srgbClr>
+            </a:outerShdw>
+          </a:effectLst>
+        </a:effectStyle>
+      </a:effectStyleLst>
+      <a:bgFillStyleLst>
+        <a:solidFill>
+          <a:schemeClr val="phClr"/>
+        </a:solidFill>
+        <a:solidFill>
+          <a:schemeClr val="phClr">
+            <a:tint val="95000"/>
+            <a:satMod val="170000"/>
+          </a:schemeClr>
+        </a:solidFill>
+        <a:gradFill rotWithShape="1">
+          <a:gsLst>
+            <a:gs pos="0">
+              <a:schemeClr val="phClr">
+                <a:tint val="93000"/>
+                <a:satMod val="150000"/>
+                <a:shade val="98000"/>
+                <a:lumMod val="102000"/>
+              </a:schemeClr>
+            </a:gs>
+            <a:gs pos="50000">
+              <a:schemeClr val="phClr">
+                <a:tint val="98000"/>
+                <a:satMod val="130000"/>
+                <a:shade val="90000"/>
+                <a:lumMod val="103000"/>
+              </a:schemeClr>
+            </a:gs>
+            <a:gs pos="100000">
+              <a:schemeClr val="phClr">
+                <a:shade val="63000"/>
+                <a:satMod val="120000"/>
+              </a:schemeClr>
+            </a:gs>
+          </a:gsLst>
+          <a:lin ang="5400000" scaled="0"/>
+        </a:gradFill>
+      </a:bgFillStyleLst>
+    </a:fmtScheme>
+  </a:themeElements>
+  <a:objectDefaults>
+    <a:lnDef>
+      <a:spPr/>
+      <a:bodyPr/>
+      <a:lstStyle/>
+      <a:style>
+        <a:lnRef idx="2">
+          <a:schemeClr val="accent1"/>
+        </a:lnRef>
+        <a:fillRef idx="0">
+          <a:schemeClr val="accent1"/>
+        </a:fillRef>
+        <a:effectRef idx="1">
+          <a:schemeClr val="accent1"/>
+        </a:effectRef>
+        <a:fontRef idx="minor">
+          <a:schemeClr val="tx1"/>
+        </a:fontRef>
+      </a:style>
+    </a:lnDef>
+  </a:objectDefaults>
+  <a:extraClrSchemeLst/>
+  <a:extLst>
+    <a:ext uri="{05A4C25C-085E-4340-85A3-A5531E510DB2}">
+      <thm15:themeFamily xmlns:thm15="http://schemas.microsoft.com/office/thememl/2012/main" name="Office Theme" id="{2E142A2C-CD16-42D6-873A-C26D2A0506FA}" vid="{1BDDFF52-6CD6-40A5-AB3C-68EB2F1E4D0A}"/>
+    </a:ext>
+  </a:extLst>
+</a:theme>
 </file>
--- a/Project Internship IU.pptx
+++ b/Project Internship IU.pptx
@@ -30,24 +30,24 @@
   <p:notesSz cx="6858000" cy="9144000"/>
   <p:embeddedFontLst>
     <p:embeddedFont>
-      <p:font typeface="Meiryo" panose="020B0604030504040204" pitchFamily="34" charset="-128"/>
+      <p:font typeface="Fredoka One" panose="02000000000000000000" pitchFamily="2" charset="0"/>
       <p:regular r:id="rId20"/>
-      <p:bold r:id="rId21"/>
-      <p:italic r:id="rId22"/>
-      <p:boldItalic r:id="rId23"/>
-    </p:embeddedFont>
-    <p:embeddedFont>
-      <p:font typeface="Fredoka One" panose="02000000000000000000" pitchFamily="2" charset="0"/>
-      <p:regular r:id="rId24"/>
     </p:embeddedFont>
     <p:embeddedFont>
       <p:font typeface="Josefin Sans Bold" pitchFamily="2" charset="0"/>
-      <p:regular r:id="rId25"/>
-      <p:boldItalic r:id="rId26"/>
+      <p:regular r:id="rId21"/>
+      <p:boldItalic r:id="rId22"/>
     </p:embeddedFont>
     <p:embeddedFont>
       <p:font typeface="Josefin Sans Regular" panose="020B0604020202020204" charset="0"/>
-      <p:regular r:id="rId27"/>
+      <p:regular r:id="rId23"/>
+    </p:embeddedFont>
+    <p:embeddedFont>
+      <p:font typeface="Meiryo" panose="020B0604030504040204" pitchFamily="34" charset="-128"/>
+      <p:regular r:id="rId24"/>
+      <p:bold r:id="rId25"/>
+      <p:italic r:id="rId26"/>
+      <p:boldItalic r:id="rId27"/>
     </p:embeddedFont>
     <p:embeddedFont>
       <p:font typeface="Montserrat" panose="00000500000000000000" pitchFamily="2" charset="0"/>
@@ -201,22 +201,61 @@
   <pc:docChgLst>
     <pc:chgData name="TRAN HAI NAM" userId="6c1f28dc-db6e-4580-abf3-52cd9ef0a471" providerId="ADAL" clId="{E72C2616-19FF-4BC3-A579-E784D2E7E443}"/>
     <pc:docChg chg="undo redo custSel addSld delSld modSld">
-      <pc:chgData name="TRAN HAI NAM" userId="6c1f28dc-db6e-4580-abf3-52cd9ef0a471" providerId="ADAL" clId="{E72C2616-19FF-4BC3-A579-E784D2E7E443}" dt="2024-02-17T14:29:50.979" v="1968"/>
+      <pc:chgData name="TRAN HAI NAM" userId="6c1f28dc-db6e-4580-abf3-52cd9ef0a471" providerId="ADAL" clId="{E72C2616-19FF-4BC3-A579-E784D2E7E443}" dt="2024-02-19T02:31:04.248" v="2103" actId="1076"/>
       <pc:docMkLst>
         <pc:docMk/>
       </pc:docMkLst>
       <pc:sldChg chg="modSp mod">
-        <pc:chgData name="TRAN HAI NAM" userId="6c1f28dc-db6e-4580-abf3-52cd9ef0a471" providerId="ADAL" clId="{E72C2616-19FF-4BC3-A579-E784D2E7E443}" dt="2024-02-17T08:50:15.661" v="841" actId="1076"/>
+        <pc:chgData name="TRAN HAI NAM" userId="6c1f28dc-db6e-4580-abf3-52cd9ef0a471" providerId="ADAL" clId="{E72C2616-19FF-4BC3-A579-E784D2E7E443}" dt="2024-02-19T02:31:04.248" v="2103" actId="1076"/>
+        <pc:sldMkLst>
+          <pc:docMk/>
+          <pc:sldMk cId="0" sldId="256"/>
+        </pc:sldMkLst>
+        <pc:spChg chg="mod">
+          <ac:chgData name="TRAN HAI NAM" userId="6c1f28dc-db6e-4580-abf3-52cd9ef0a471" providerId="ADAL" clId="{E72C2616-19FF-4BC3-A579-E784D2E7E443}" dt="2024-02-19T02:30:59.396" v="2102" actId="1076"/>
+          <ac:spMkLst>
+            <pc:docMk/>
+            <pc:sldMk cId="0" sldId="256"/>
+            <ac:spMk id="8" creationId="{00000000-0000-0000-0000-000000000000}"/>
+          </ac:spMkLst>
+        </pc:spChg>
+        <pc:spChg chg="mod">
+          <ac:chgData name="TRAN HAI NAM" userId="6c1f28dc-db6e-4580-abf3-52cd9ef0a471" providerId="ADAL" clId="{E72C2616-19FF-4BC3-A579-E784D2E7E443}" dt="2024-02-19T02:31:04.248" v="2103" actId="1076"/>
+          <ac:spMkLst>
+            <pc:docMk/>
+            <pc:sldMk cId="0" sldId="256"/>
+            <ac:spMk id="9" creationId="{00000000-0000-0000-0000-000000000000}"/>
+          </ac:spMkLst>
+        </pc:spChg>
+      </pc:sldChg>
+      <pc:sldChg chg="modSp mod">
+        <pc:chgData name="TRAN HAI NAM" userId="6c1f28dc-db6e-4580-abf3-52cd9ef0a471" providerId="ADAL" clId="{E72C2616-19FF-4BC3-A579-E784D2E7E443}" dt="2024-02-19T02:27:37.666" v="1996" actId="1076"/>
         <pc:sldMkLst>
           <pc:docMk/>
           <pc:sldMk cId="0" sldId="257"/>
         </pc:sldMkLst>
         <pc:spChg chg="mod">
+          <ac:chgData name="TRAN HAI NAM" userId="6c1f28dc-db6e-4580-abf3-52cd9ef0a471" providerId="ADAL" clId="{E72C2616-19FF-4BC3-A579-E784D2E7E443}" dt="2024-02-19T02:27:37.666" v="1996" actId="1076"/>
+          <ac:spMkLst>
+            <pc:docMk/>
+            <pc:sldMk cId="0" sldId="257"/>
+            <ac:spMk id="3" creationId="{00000000-0000-0000-0000-000000000000}"/>
+          </ac:spMkLst>
+        </pc:spChg>
+        <pc:spChg chg="mod">
           <ac:chgData name="TRAN HAI NAM" userId="6c1f28dc-db6e-4580-abf3-52cd9ef0a471" providerId="ADAL" clId="{E72C2616-19FF-4BC3-A579-E784D2E7E443}" dt="2024-02-17T08:50:15.661" v="841" actId="1076"/>
           <ac:spMkLst>
             <pc:docMk/>
             <pc:sldMk cId="0" sldId="257"/>
             <ac:spMk id="6" creationId="{00000000-0000-0000-0000-000000000000}"/>
+          </ac:spMkLst>
+        </pc:spChg>
+        <pc:spChg chg="mod">
+          <ac:chgData name="TRAN HAI NAM" userId="6c1f28dc-db6e-4580-abf3-52cd9ef0a471" providerId="ADAL" clId="{E72C2616-19FF-4BC3-A579-E784D2E7E443}" dt="2024-02-18T09:24:10.731" v="1979" actId="20577"/>
+          <ac:spMkLst>
+            <pc:docMk/>
+            <pc:sldMk cId="0" sldId="257"/>
+            <ac:spMk id="8" creationId="{00000000-0000-0000-0000-000000000000}"/>
           </ac:spMkLst>
         </pc:spChg>
       </pc:sldChg>
@@ -273,6 +312,21 @@
             <ac:picMk id="4" creationId="{4EA6AC7E-C0EE-1ECB-7B6F-F95A39EC6D9B}"/>
           </ac:picMkLst>
         </pc:picChg>
+      </pc:sldChg>
+      <pc:sldChg chg="modSp mod">
+        <pc:chgData name="TRAN HAI NAM" userId="6c1f28dc-db6e-4580-abf3-52cd9ef0a471" providerId="ADAL" clId="{E72C2616-19FF-4BC3-A579-E784D2E7E443}" dt="2024-02-19T02:27:43.172" v="1997" actId="20577"/>
+        <pc:sldMkLst>
+          <pc:docMk/>
+          <pc:sldMk cId="0" sldId="264"/>
+        </pc:sldMkLst>
+        <pc:spChg chg="mod">
+          <ac:chgData name="TRAN HAI NAM" userId="6c1f28dc-db6e-4580-abf3-52cd9ef0a471" providerId="ADAL" clId="{E72C2616-19FF-4BC3-A579-E784D2E7E443}" dt="2024-02-19T02:27:43.172" v="1997" actId="20577"/>
+          <ac:spMkLst>
+            <pc:docMk/>
+            <pc:sldMk cId="0" sldId="264"/>
+            <ac:spMk id="2" creationId="{00000000-0000-0000-0000-000000000000}"/>
+          </ac:spMkLst>
+        </pc:spChg>
       </pc:sldChg>
       <pc:sldChg chg="addSp delSp modSp mod">
         <pc:chgData name="TRAN HAI NAM" userId="6c1f28dc-db6e-4580-abf3-52cd9ef0a471" providerId="ADAL" clId="{E72C2616-19FF-4BC3-A579-E784D2E7E443}" dt="2024-02-17T07:44:47.885" v="459" actId="20577"/>
@@ -1676,7 +1730,7 @@
           <a:p>
             <a:fld id="{6C20F5F3-911F-420A-92CA-E446210B822D}" type="datetimeFigureOut">
               <a:rPr lang="vi-VN" smtClean="0"/>
-              <a:t>17/02/2024</a:t>
+              <a:t>19/02/2024</a:t>
             </a:fld>
             <a:endParaRPr lang="vi-VN"/>
           </a:p>
@@ -2208,7 +2262,7 @@
             <a:fld id="{1D8BD707-D9CF-40AE-B4C6-C98DA3205C09}" type="datetimeFigureOut">
               <a:rPr lang="en-US" smtClean="0"/>
               <a:pPr/>
-              <a:t>2/17/2024</a:t>
+              <a:t>2/19/2024</a:t>
             </a:fld>
             <a:endParaRPr lang="en-US"/>
           </a:p>
@@ -2373,7 +2427,7 @@
             <a:fld id="{1D8BD707-D9CF-40AE-B4C6-C98DA3205C09}" type="datetimeFigureOut">
               <a:rPr lang="en-US" smtClean="0"/>
               <a:pPr/>
-              <a:t>2/17/2024</a:t>
+              <a:t>2/19/2024</a:t>
             </a:fld>
             <a:endParaRPr lang="en-US"/>
           </a:p>
@@ -2548,7 +2602,7 @@
             <a:fld id="{1D8BD707-D9CF-40AE-B4C6-C98DA3205C09}" type="datetimeFigureOut">
               <a:rPr lang="en-US" smtClean="0"/>
               <a:pPr/>
-              <a:t>2/17/2024</a:t>
+              <a:t>2/19/2024</a:t>
             </a:fld>
             <a:endParaRPr lang="en-US"/>
           </a:p>
@@ -2713,7 +2767,7 @@
             <a:fld id="{1D8BD707-D9CF-40AE-B4C6-C98DA3205C09}" type="datetimeFigureOut">
               <a:rPr lang="en-US" smtClean="0"/>
               <a:pPr/>
-              <a:t>2/17/2024</a:t>
+              <a:t>2/19/2024</a:t>
             </a:fld>
             <a:endParaRPr lang="en-US"/>
           </a:p>
@@ -2955,7 +3009,7 @@
             <a:fld id="{1D8BD707-D9CF-40AE-B4C6-C98DA3205C09}" type="datetimeFigureOut">
               <a:rPr lang="en-US" smtClean="0"/>
               <a:pPr/>
-              <a:t>2/17/2024</a:t>
+              <a:t>2/19/2024</a:t>
             </a:fld>
             <a:endParaRPr lang="en-US"/>
           </a:p>
@@ -3237,7 +3291,7 @@
             <a:fld id="{1D8BD707-D9CF-40AE-B4C6-C98DA3205C09}" type="datetimeFigureOut">
               <a:rPr lang="en-US" smtClean="0"/>
               <a:pPr/>
-              <a:t>2/17/2024</a:t>
+              <a:t>2/19/2024</a:t>
             </a:fld>
             <a:endParaRPr lang="en-US"/>
           </a:p>
@@ -3653,7 +3707,7 @@
             <a:fld id="{1D8BD707-D9CF-40AE-B4C6-C98DA3205C09}" type="datetimeFigureOut">
               <a:rPr lang="en-US" smtClean="0"/>
               <a:pPr/>
-              <a:t>2/17/2024</a:t>
+              <a:t>2/19/2024</a:t>
             </a:fld>
             <a:endParaRPr lang="en-US"/>
           </a:p>
@@ -3767,7 +3821,7 @@
             <a:fld id="{1D8BD707-D9CF-40AE-B4C6-C98DA3205C09}" type="datetimeFigureOut">
               <a:rPr lang="en-US" smtClean="0"/>
               <a:pPr/>
-              <a:t>2/17/2024</a:t>
+              <a:t>2/19/2024</a:t>
             </a:fld>
             <a:endParaRPr lang="en-US"/>
           </a:p>
@@ -3859,7 +3913,7 @@
             <a:fld id="{1D8BD707-D9CF-40AE-B4C6-C98DA3205C09}" type="datetimeFigureOut">
               <a:rPr lang="en-US" smtClean="0"/>
               <a:pPr/>
-              <a:t>2/17/2024</a:t>
+              <a:t>2/19/2024</a:t>
             </a:fld>
             <a:endParaRPr lang="en-US"/>
           </a:p>
@@ -4131,7 +4185,7 @@
             <a:fld id="{1D8BD707-D9CF-40AE-B4C6-C98DA3205C09}" type="datetimeFigureOut">
               <a:rPr lang="en-US" smtClean="0"/>
               <a:pPr/>
-              <a:t>2/17/2024</a:t>
+              <a:t>2/19/2024</a:t>
             </a:fld>
             <a:endParaRPr lang="en-US"/>
           </a:p>
@@ -4380,7 +4434,7 @@
             <a:fld id="{1D8BD707-D9CF-40AE-B4C6-C98DA3205C09}" type="datetimeFigureOut">
               <a:rPr lang="en-US" smtClean="0"/>
               <a:pPr/>
-              <a:t>2/17/2024</a:t>
+              <a:t>2/19/2024</a:t>
             </a:fld>
             <a:endParaRPr lang="en-US"/>
           </a:p>
@@ -4588,7 +4642,7 @@
             <a:fld id="{1D8BD707-D9CF-40AE-B4C6-C98DA3205C09}" type="datetimeFigureOut">
               <a:rPr lang="en-US" smtClean="0"/>
               <a:pPr/>
-              <a:t>2/17/2024</a:t>
+              <a:t>2/19/2024</a:t>
             </a:fld>
             <a:endParaRPr lang="en-US"/>
           </a:p>
@@ -5293,7 +5347,7 @@
         </p:nvSpPr>
         <p:spPr>
           <a:xfrm>
-            <a:off x="9144000" y="4098030"/>
+            <a:off x="8659504" y="4128416"/>
             <a:ext cx="8217084" cy="2107152"/>
           </a:xfrm>
           <a:prstGeom prst="rect">
@@ -5312,7 +5366,7 @@
               </a:lnSpc>
             </a:pPr>
             <a:r>
-              <a:rPr lang="en-US" sz="7475">
+              <a:rPr lang="en-US" sz="7475" dirty="0">
                 <a:solidFill>
                   <a:srgbClr val="F7B4A7"/>
                 </a:solidFill>
@@ -5328,7 +5382,7 @@
               </a:lnSpc>
             </a:pPr>
             <a:r>
-              <a:rPr lang="en-US" sz="7475">
+              <a:rPr lang="en-US" sz="7475" dirty="0">
                 <a:solidFill>
                   <a:srgbClr val="F7B4A7"/>
                 </a:solidFill>
@@ -5347,15 +5401,15 @@
         </p:nvSpPr>
         <p:spPr>
           <a:xfrm>
-            <a:off x="9144000" y="6853386"/>
-            <a:ext cx="8217084" cy="647065"/>
+            <a:off x="8659504" y="6473465"/>
+            <a:ext cx="9131484" cy="1815882"/>
           </a:xfrm>
           <a:prstGeom prst="rect">
             <a:avLst/>
           </a:prstGeom>
         </p:spPr>
         <p:txBody>
-          <a:bodyPr lIns="0" tIns="0" rIns="0" bIns="0" rtlCol="0" anchor="t">
+          <a:bodyPr wrap="square" lIns="0" tIns="0" rIns="0" bIns="0" rtlCol="0" anchor="t">
             <a:spAutoFit/>
           </a:bodyPr>
           <a:lstStyle/>
@@ -5366,14 +5420,112 @@
               </a:lnSpc>
             </a:pPr>
             <a:r>
-              <a:rPr lang="en-US" sz="3400">
+              <a:rPr lang="en-US" sz="3200" dirty="0">
                 <a:solidFill>
                   <a:srgbClr val="94DDDE"/>
                 </a:solidFill>
                 <a:latin typeface="Josefin Sans Regular"/>
               </a:rPr>
-              <a:t>created by Trần Hải Nam-ITITIU19161</a:t>
-            </a:r>
+              <a:t>Present by: </a:t>
+            </a:r>
+            <a:r>
+              <a:rPr lang="en-US" sz="3200" dirty="0" err="1">
+                <a:solidFill>
+                  <a:srgbClr val="94DDDE"/>
+                </a:solidFill>
+                <a:latin typeface="Josefin Sans Regular"/>
+              </a:rPr>
+              <a:t>Trần</a:t>
+            </a:r>
+            <a:r>
+              <a:rPr lang="en-US" sz="3200" dirty="0">
+                <a:solidFill>
+                  <a:srgbClr val="94DDDE"/>
+                </a:solidFill>
+                <a:latin typeface="Josefin Sans Regular"/>
+              </a:rPr>
+              <a:t> </a:t>
+            </a:r>
+            <a:r>
+              <a:rPr lang="en-US" sz="3200" dirty="0" err="1">
+                <a:solidFill>
+                  <a:srgbClr val="94DDDE"/>
+                </a:solidFill>
+                <a:latin typeface="Josefin Sans Regular"/>
+              </a:rPr>
+              <a:t>Hải</a:t>
+            </a:r>
+            <a:r>
+              <a:rPr lang="en-US" sz="3200" dirty="0">
+                <a:solidFill>
+                  <a:srgbClr val="94DDDE"/>
+                </a:solidFill>
+                <a:latin typeface="Josefin Sans Regular"/>
+              </a:rPr>
+              <a:t> Nam-ITITIU19161</a:t>
+            </a:r>
+          </a:p>
+          <a:p>
+            <a:pPr algn="l">
+              <a:lnSpc>
+                <a:spcPts val="4759"/>
+              </a:lnSpc>
+            </a:pPr>
+            <a:r>
+              <a:rPr lang="en-US" sz="3200" dirty="0">
+                <a:solidFill>
+                  <a:srgbClr val="94DDDE"/>
+                </a:solidFill>
+                <a:latin typeface="Josefin Sans Regular"/>
+              </a:rPr>
+              <a:t>Advisor: Huynh Kha Tu, </a:t>
+            </a:r>
+            <a:r>
+              <a:rPr lang="en-US" sz="3200" dirty="0" err="1">
+                <a:solidFill>
+                  <a:srgbClr val="94DDDE"/>
+                </a:solidFill>
+                <a:latin typeface="Josefin Sans Regular"/>
+              </a:rPr>
+              <a:t>Ph.D</a:t>
+            </a:r>
+            <a:endParaRPr lang="en-US" sz="3200" dirty="0">
+              <a:solidFill>
+                <a:srgbClr val="94DDDE"/>
+              </a:solidFill>
+              <a:latin typeface="Josefin Sans Regular"/>
+            </a:endParaRPr>
+          </a:p>
+          <a:p>
+            <a:pPr algn="l">
+              <a:lnSpc>
+                <a:spcPts val="4759"/>
+              </a:lnSpc>
+            </a:pPr>
+            <a:r>
+              <a:rPr lang="en-US" sz="3200" dirty="0">
+                <a:solidFill>
+                  <a:srgbClr val="94DDDE"/>
+                </a:solidFill>
+                <a:latin typeface="Josefin Sans Regular"/>
+              </a:rPr>
+              <a:t>Reviewer: Assoc. Prof. NGUYEN Van Sinh, </a:t>
+            </a:r>
+            <a:r>
+              <a:rPr lang="en-US" sz="3200" dirty="0" err="1">
+                <a:solidFill>
+                  <a:srgbClr val="94DDDE"/>
+                </a:solidFill>
+                <a:latin typeface="Josefin Sans Regular"/>
+              </a:rPr>
+              <a:t>Ph.D</a:t>
+            </a:r>
+            <a:endParaRPr lang="en-US" sz="3200" dirty="0">
+              <a:solidFill>
+                <a:srgbClr val="94DDDE"/>
+              </a:solidFill>
+              <a:latin typeface="Josefin Sans Regular"/>
+            </a:endParaRPr>
           </a:p>
         </p:txBody>
       </p:sp>
@@ -5605,14 +5757,14 @@
         <p:spPr>
           <a:xfrm>
             <a:off x="5334000" y="3857625"/>
-            <a:ext cx="7620000" cy="2571750"/>
+            <a:ext cx="8991600" cy="2616101"/>
           </a:xfrm>
           <a:prstGeom prst="rect">
             <a:avLst/>
           </a:prstGeom>
         </p:spPr>
         <p:txBody>
-          <a:bodyPr lIns="0" tIns="0" rIns="0" bIns="0" rtlCol="0" anchor="t">
+          <a:bodyPr wrap="square" lIns="0" tIns="0" rIns="0" bIns="0" rtlCol="0" anchor="t">
             <a:spAutoFit/>
           </a:bodyPr>
           <a:lstStyle/>
@@ -5629,7 +5781,7 @@
                 </a:solidFill>
                 <a:latin typeface="Josefin Sans Bold Bold"/>
               </a:rPr>
-              <a:t>Deploy and Demo</a:t>
+              <a:t>Implement and Demo</a:t>
             </a:r>
           </a:p>
         </p:txBody>
@@ -10239,7 +10391,7 @@
               </a:spcBef>
             </a:pPr>
             <a:r>
-              <a:rPr lang="en-US" sz="3999" spc="-79">
+              <a:rPr lang="en-US" sz="3999" spc="-79" dirty="0">
                 <a:solidFill>
                   <a:srgbClr val="FFFFFF"/>
                 </a:solidFill>
@@ -10280,13 +10432,13 @@
               </a:spcBef>
             </a:pPr>
             <a:r>
-              <a:rPr lang="en-US" sz="3999" spc="-79">
+              <a:rPr lang="en-US" sz="3999" spc="-79" dirty="0">
                 <a:solidFill>
                   <a:srgbClr val="FFFFFF"/>
                 </a:solidFill>
                 <a:latin typeface="Open Sans Bold"/>
               </a:rPr>
-              <a:t>Deploy and demo</a:t>
+              <a:t>Implement and demo</a:t>
             </a:r>
           </a:p>
         </p:txBody>
@@ -10321,7 +10473,7 @@
               </a:spcBef>
             </a:pPr>
             <a:r>
-              <a:rPr lang="en-US" sz="8499">
+              <a:rPr lang="en-US" sz="8499" dirty="0">
                 <a:solidFill>
                   <a:srgbClr val="FFFFFF"/>
                 </a:solidFill>
